--- a/finalproject 발표자료-민경.pptx
+++ b/finalproject 발표자료-민경.pptx
@@ -5,10 +5,10 @@
     <p:sldMasterId id="2147483682" r:id="rId1"/>
   </p:sldMasterIdLst>
   <p:notesMasterIdLst>
-    <p:notesMasterId r:id="rId24"/>
+    <p:notesMasterId r:id="rId31"/>
   </p:notesMasterIdLst>
   <p:handoutMasterIdLst>
-    <p:handoutMasterId r:id="rId25"/>
+    <p:handoutMasterId r:id="rId32"/>
   </p:handoutMasterIdLst>
   <p:sldIdLst>
     <p:sldId id="256" r:id="rId2"/>
@@ -27,12 +27,19 @@
     <p:sldId id="275" r:id="rId15"/>
     <p:sldId id="271" r:id="rId16"/>
     <p:sldId id="273" r:id="rId17"/>
-    <p:sldId id="264" r:id="rId18"/>
-    <p:sldId id="259" r:id="rId19"/>
-    <p:sldId id="260" r:id="rId20"/>
-    <p:sldId id="261" r:id="rId21"/>
-    <p:sldId id="262" r:id="rId22"/>
-    <p:sldId id="263" r:id="rId23"/>
+    <p:sldId id="281" r:id="rId18"/>
+    <p:sldId id="279" r:id="rId19"/>
+    <p:sldId id="282" r:id="rId20"/>
+    <p:sldId id="280" r:id="rId21"/>
+    <p:sldId id="284" r:id="rId22"/>
+    <p:sldId id="285" r:id="rId23"/>
+    <p:sldId id="283" r:id="rId24"/>
+    <p:sldId id="264" r:id="rId25"/>
+    <p:sldId id="259" r:id="rId26"/>
+    <p:sldId id="260" r:id="rId27"/>
+    <p:sldId id="261" r:id="rId28"/>
+    <p:sldId id="262" r:id="rId29"/>
+    <p:sldId id="263" r:id="rId30"/>
   </p:sldIdLst>
   <p:sldSz cx="9144000" cy="6858000" type="screen4x3"/>
   <p:notesSz cx="6858000" cy="9144000"/>
@@ -231,7 +238,7 @@
               <a:pPr lvl="0">
                 <a:defRPr lang="ko-KR" altLang="en-US"/>
               </a:pPr>
-              <a:t>2017-09-21</a:t>
+              <a:t>2017-09-22</a:t>
             </a:fld>
             <a:endParaRPr lang="ko-KR" altLang="en-US"/>
           </a:p>
@@ -414,7 +421,7 @@
               <a:pPr lvl="0">
                 <a:defRPr lang="ko-KR" altLang="en-US"/>
               </a:pPr>
-              <a:t>2017-09-21</a:t>
+              <a:t>2017-09-22</a:t>
             </a:fld>
             <a:endParaRPr lang="ko-KR" altLang="en-US"/>
           </a:p>
@@ -847,7 +854,7 @@
               <a:pPr lvl="0">
                 <a:defRPr lang="ko-KR" altLang="en-US"/>
               </a:pPr>
-              <a:t>2017-09-21</a:t>
+              <a:t>2017-09-22</a:t>
             </a:fld>
             <a:endParaRPr lang="ko-KR" altLang="en-US"/>
           </a:p>
@@ -1039,7 +1046,7 @@
               <a:pPr lvl="0">
                 <a:defRPr lang="ko-KR" altLang="en-US"/>
               </a:pPr>
-              <a:t>2017-09-21</a:t>
+              <a:t>2017-09-22</a:t>
             </a:fld>
             <a:endParaRPr lang="ko-KR" altLang="en-US"/>
           </a:p>
@@ -1241,7 +1248,7 @@
               <a:pPr lvl="0">
                 <a:defRPr lang="ko-KR" altLang="en-US"/>
               </a:pPr>
-              <a:t>2017-09-21</a:t>
+              <a:t>2017-09-22</a:t>
             </a:fld>
             <a:endParaRPr lang="ko-KR" altLang="en-US"/>
           </a:p>
@@ -1433,7 +1440,7 @@
               <a:pPr lvl="0">
                 <a:defRPr lang="ko-KR" altLang="en-US"/>
               </a:pPr>
-              <a:t>2017-09-21</a:t>
+              <a:t>2017-09-22</a:t>
             </a:fld>
             <a:endParaRPr lang="ko-KR" altLang="en-US"/>
           </a:p>
@@ -1694,7 +1701,7 @@
               <a:pPr lvl="0">
                 <a:defRPr lang="ko-KR" altLang="en-US"/>
               </a:pPr>
-              <a:t>2017-09-21</a:t>
+              <a:t>2017-09-22</a:t>
             </a:fld>
             <a:endParaRPr lang="ko-KR" altLang="en-US"/>
           </a:p>
@@ -1957,7 +1964,7 @@
               <a:pPr lvl="0">
                 <a:defRPr lang="ko-KR" altLang="en-US"/>
               </a:pPr>
-              <a:t>2017-09-21</a:t>
+              <a:t>2017-09-22</a:t>
             </a:fld>
             <a:endParaRPr lang="ko-KR" altLang="en-US"/>
           </a:p>
@@ -2359,7 +2366,7 @@
               <a:pPr lvl="0">
                 <a:defRPr lang="ko-KR" altLang="en-US"/>
               </a:pPr>
-              <a:t>2017-09-21</a:t>
+              <a:t>2017-09-22</a:t>
             </a:fld>
             <a:endParaRPr lang="ko-KR" altLang="en-US"/>
           </a:p>
@@ -2490,7 +2497,7 @@
               <a:pPr lvl="0">
                 <a:defRPr lang="ko-KR" altLang="en-US"/>
               </a:pPr>
-              <a:t>2017-09-21</a:t>
+              <a:t>2017-09-22</a:t>
             </a:fld>
             <a:endParaRPr lang="ko-KR" altLang="en-US"/>
           </a:p>
@@ -2596,7 +2603,7 @@
               <a:pPr lvl="0">
                 <a:defRPr lang="ko-KR" altLang="en-US"/>
               </a:pPr>
-              <a:t>2017-09-21</a:t>
+              <a:t>2017-09-22</a:t>
             </a:fld>
             <a:endParaRPr lang="ko-KR" altLang="en-US"/>
           </a:p>
@@ -2897,7 +2904,7 @@
               <a:pPr lvl="0">
                 <a:defRPr lang="ko-KR" altLang="en-US"/>
               </a:pPr>
-              <a:t>2017-09-21</a:t>
+              <a:t>2017-09-22</a:t>
             </a:fld>
             <a:endParaRPr lang="ko-KR" altLang="en-US"/>
           </a:p>
@@ -3168,7 +3175,7 @@
               <a:pPr lvl="0">
                 <a:defRPr lang="ko-KR" altLang="en-US"/>
               </a:pPr>
-              <a:t>2017-09-21</a:t>
+              <a:t>2017-09-22</a:t>
             </a:fld>
             <a:endParaRPr lang="ko-KR" altLang="en-US"/>
           </a:p>
@@ -3409,7 +3416,7 @@
               <a:pPr lvl="0">
                 <a:defRPr lang="ko-KR" altLang="en-US"/>
               </a:pPr>
-              <a:t>2017-09-21</a:t>
+              <a:t>2017-09-22</a:t>
             </a:fld>
             <a:endParaRPr lang="ko-KR" altLang="en-US"/>
           </a:p>
@@ -9798,8 +9805,8 @@
         </p:nvSpPr>
         <p:spPr>
           <a:xfrm>
-            <a:off x="237067" y="160337"/>
-            <a:ext cx="8832850" cy="6535737"/>
+            <a:off x="168275" y="160337"/>
+            <a:ext cx="9687180" cy="6610541"/>
           </a:xfrm>
           <a:prstGeom prst="rect">
             <a:avLst/>
@@ -10044,6 +10051,6286 @@
           </a:p>
         </p:txBody>
       </p:sp>
+      <p:grpSp>
+        <p:nvGrpSpPr>
+          <p:cNvPr id="37" name="그룹 36"/>
+          <p:cNvGrpSpPr/>
+          <p:nvPr/>
+        </p:nvGrpSpPr>
+        <p:grpSpPr>
+          <a:xfrm>
+            <a:off x="2818458" y="153659"/>
+            <a:ext cx="3628062" cy="6381587"/>
+            <a:chOff x="4870074" y="259516"/>
+            <a:chExt cx="3557471" cy="6208548"/>
+          </a:xfrm>
+        </p:grpSpPr>
+        <p:grpSp>
+          <p:nvGrpSpPr>
+            <p:cNvPr id="39" name="그룹 38"/>
+            <p:cNvGrpSpPr/>
+            <p:nvPr/>
+          </p:nvGrpSpPr>
+          <p:grpSpPr>
+            <a:xfrm>
+              <a:off x="5087365" y="374507"/>
+              <a:ext cx="3073468" cy="6007942"/>
+              <a:chOff x="5087365" y="374507"/>
+              <a:chExt cx="3073468" cy="6007942"/>
+            </a:xfrm>
+          </p:grpSpPr>
+          <p:grpSp>
+            <p:nvGrpSpPr>
+              <p:cNvPr id="41" name="그룹 40"/>
+              <p:cNvGrpSpPr/>
+              <p:nvPr/>
+            </p:nvGrpSpPr>
+            <p:grpSpPr>
+              <a:xfrm>
+                <a:off x="5087365" y="374507"/>
+                <a:ext cx="3073468" cy="6007942"/>
+                <a:chOff x="1337446" y="-1404313"/>
+                <a:chExt cx="3073468" cy="6007942"/>
+              </a:xfrm>
+            </p:grpSpPr>
+            <p:pic>
+              <p:nvPicPr>
+                <p:cNvPr id="43" name="Picture 43" descr="모바일 배경화면에 대한 이미지 검색결과"/>
+                <p:cNvPicPr>
+                  <a:picLocks noChangeAspect="1" noChangeArrowheads="1"/>
+                </p:cNvPicPr>
+                <p:nvPr/>
+              </p:nvPicPr>
+              <p:blipFill>
+                <a:blip r:embed="rId2">
+                  <a:extLst>
+                    <a:ext uri="{28A0092B-C50C-407E-A947-70E740481C1C}">
+                      <a14:useLocalDpi xmlns:a14="http://schemas.microsoft.com/office/drawing/2010/main" val="0"/>
+                    </a:ext>
+                  </a:extLst>
+                </a:blip>
+                <a:srcRect/>
+                <a:stretch>
+                  <a:fillRect/>
+                </a:stretch>
+              </p:blipFill>
+              <p:spPr bwMode="auto">
+                <a:xfrm>
+                  <a:off x="1337446" y="-939973"/>
+                  <a:ext cx="3073468" cy="5036890"/>
+                </a:xfrm>
+                <a:prstGeom prst="rect">
+                  <a:avLst/>
+                </a:prstGeom>
+                <a:noFill/>
+                <a:extLst>
+                  <a:ext uri="{909E8E84-426E-40DD-AFC4-6F175D3DCCD1}">
+                    <a14:hiddenFill xmlns:a14="http://schemas.microsoft.com/office/drawing/2010/main">
+                      <a:solidFill>
+                        <a:srgbClr val="FFFFFF"/>
+                      </a:solidFill>
+                    </a14:hiddenFill>
+                  </a:ext>
+                </a:extLst>
+              </p:spPr>
+            </p:pic>
+            <p:sp>
+              <p:nvSpPr>
+                <p:cNvPr id="44" name="직사각형 43"/>
+                <p:cNvSpPr/>
+                <p:nvPr/>
+              </p:nvSpPr>
+              <p:spPr>
+                <a:xfrm>
+                  <a:off x="1713078" y="-1404313"/>
+                  <a:ext cx="2417346" cy="464340"/>
+                </a:xfrm>
+                <a:prstGeom prst="rect">
+                  <a:avLst/>
+                </a:prstGeom>
+                <a:solidFill>
+                  <a:schemeClr val="bg1"/>
+                </a:solidFill>
+              </p:spPr>
+              <p:style>
+                <a:lnRef idx="2">
+                  <a:schemeClr val="accent1">
+                    <a:shade val="20000"/>
+                  </a:schemeClr>
+                </a:lnRef>
+                <a:fillRef idx="1">
+                  <a:schemeClr val="accent1"/>
+                </a:fillRef>
+                <a:effectRef idx="0">
+                  <a:schemeClr val="accent1"/>
+                </a:effectRef>
+                <a:fontRef idx="minor">
+                  <a:schemeClr val="lt1"/>
+                </a:fontRef>
+              </p:style>
+              <p:txBody>
+                <a:bodyPr rtlCol="0" anchor="ctr"/>
+                <a:lstStyle/>
+                <a:p>
+                  <a:pPr algn="ctr"/>
+                  <a:endParaRPr lang="ko-KR" altLang="en-US"/>
+                </a:p>
+              </p:txBody>
+            </p:sp>
+            <p:sp>
+              <p:nvSpPr>
+                <p:cNvPr id="45" name="직사각형 44"/>
+                <p:cNvSpPr/>
+                <p:nvPr/>
+              </p:nvSpPr>
+              <p:spPr>
+                <a:xfrm>
+                  <a:off x="1814233" y="4221158"/>
+                  <a:ext cx="2119893" cy="382471"/>
+                </a:xfrm>
+                <a:prstGeom prst="rect">
+                  <a:avLst/>
+                </a:prstGeom>
+                <a:solidFill>
+                  <a:schemeClr val="bg1"/>
+                </a:solidFill>
+              </p:spPr>
+              <p:style>
+                <a:lnRef idx="2">
+                  <a:schemeClr val="accent1">
+                    <a:shade val="20000"/>
+                  </a:schemeClr>
+                </a:lnRef>
+                <a:fillRef idx="1">
+                  <a:schemeClr val="accent1"/>
+                </a:fillRef>
+                <a:effectRef idx="0">
+                  <a:schemeClr val="accent1"/>
+                </a:effectRef>
+                <a:fontRef idx="minor">
+                  <a:schemeClr val="lt1"/>
+                </a:fontRef>
+              </p:style>
+              <p:txBody>
+                <a:bodyPr rtlCol="0" anchor="ctr"/>
+                <a:lstStyle/>
+                <a:p>
+                  <a:pPr algn="ctr"/>
+                  <a:endParaRPr lang="ko-KR" altLang="en-US"/>
+                </a:p>
+              </p:txBody>
+            </p:sp>
+          </p:grpSp>
+          <p:pic>
+            <p:nvPicPr>
+              <p:cNvPr id="42" name="Picture 44"/>
+              <p:cNvPicPr>
+                <a:picLocks noChangeAspect="1" noChangeArrowheads="1"/>
+              </p:cNvPicPr>
+              <p:nvPr/>
+            </p:nvPicPr>
+            <p:blipFill>
+              <a:blip r:embed="rId3">
+                <a:extLst>
+                  <a:ext uri="{28A0092B-C50C-407E-A947-70E740481C1C}">
+                    <a14:useLocalDpi xmlns:a14="http://schemas.microsoft.com/office/drawing/2010/main" val="0"/>
+                  </a:ext>
+                </a:extLst>
+              </a:blip>
+              <a:srcRect/>
+              <a:stretch>
+                <a:fillRect/>
+              </a:stretch>
+            </p:blipFill>
+            <p:spPr bwMode="auto">
+              <a:xfrm>
+                <a:off x="5106724" y="914663"/>
+                <a:ext cx="3020249" cy="230531"/>
+              </a:xfrm>
+              <a:prstGeom prst="rect">
+                <a:avLst/>
+              </a:prstGeom>
+              <a:noFill/>
+              <a:ln>
+                <a:noFill/>
+              </a:ln>
+              <a:effectLst/>
+              <a:extLst>
+                <a:ext uri="{909E8E84-426E-40DD-AFC4-6F175D3DCCD1}">
+                  <a14:hiddenFill xmlns:a14="http://schemas.microsoft.com/office/drawing/2010/main">
+                    <a:solidFill>
+                      <a:schemeClr val="accent1"/>
+                    </a:solidFill>
+                  </a14:hiddenFill>
+                </a:ext>
+                <a:ext uri="{91240B29-F687-4F45-9708-019B960494DF}">
+                  <a14:hiddenLine xmlns:a14="http://schemas.microsoft.com/office/drawing/2010/main" w="9525">
+                    <a:solidFill>
+                      <a:schemeClr val="tx1"/>
+                    </a:solidFill>
+                    <a:miter lim="800000"/>
+                    <a:headEnd/>
+                    <a:tailEnd/>
+                  </a14:hiddenLine>
+                </a:ext>
+                <a:ext uri="{AF507438-7753-43E0-B8FC-AC1667EBCBE1}">
+                  <a14:hiddenEffects xmlns:a14="http://schemas.microsoft.com/office/drawing/2010/main">
+                    <a:effectLst>
+                      <a:outerShdw dist="35921" dir="2700000" algn="ctr" rotWithShape="0">
+                        <a:schemeClr val="bg2"/>
+                      </a:outerShdw>
+                    </a:effectLst>
+                  </a14:hiddenEffects>
+                </a:ext>
+              </a:extLst>
+            </p:spPr>
+          </p:pic>
+        </p:grpSp>
+        <p:pic>
+          <p:nvPicPr>
+            <p:cNvPr id="40" name="Picture 39" descr="C:\Users\joe\Downloads\samsung-galaxy.png"/>
+            <p:cNvPicPr>
+              <a:picLocks noChangeAspect="1" noChangeArrowheads="1"/>
+            </p:cNvPicPr>
+            <p:nvPr/>
+          </p:nvPicPr>
+          <p:blipFill rotWithShape="1">
+            <a:blip r:embed="rId4">
+              <a:extLst>
+                <a:ext uri="{28A0092B-C50C-407E-A947-70E740481C1C}">
+                  <a14:useLocalDpi xmlns:a14="http://schemas.microsoft.com/office/drawing/2010/main" val="0"/>
+                </a:ext>
+              </a:extLst>
+            </a:blip>
+            <a:srcRect l="23381" r="23040"/>
+            <a:stretch/>
+          </p:blipFill>
+          <p:spPr bwMode="auto">
+            <a:xfrm>
+              <a:off x="4870074" y="259516"/>
+              <a:ext cx="3557471" cy="6208548"/>
+            </a:xfrm>
+            <a:prstGeom prst="rect">
+              <a:avLst/>
+            </a:prstGeom>
+            <a:noFill/>
+            <a:extLst>
+              <a:ext uri="{909E8E84-426E-40DD-AFC4-6F175D3DCCD1}">
+                <a14:hiddenFill xmlns:a14="http://schemas.microsoft.com/office/drawing/2010/main">
+                  <a:solidFill>
+                    <a:srgbClr val="FFFFFF"/>
+                  </a:solidFill>
+                </a14:hiddenFill>
+              </a:ext>
+            </a:extLst>
+          </p:spPr>
+        </p:pic>
+      </p:grpSp>
+      <p:pic>
+        <p:nvPicPr>
+          <p:cNvPr id="4099" name="Picture 3"/>
+          <p:cNvPicPr>
+            <a:picLocks noChangeAspect="1" noChangeArrowheads="1"/>
+          </p:cNvPicPr>
+          <p:nvPr/>
+        </p:nvPicPr>
+        <p:blipFill>
+          <a:blip r:embed="rId5" cstate="print">
+            <a:extLst>
+              <a:ext uri="{28A0092B-C50C-407E-A947-70E740481C1C}">
+                <a14:useLocalDpi xmlns:a14="http://schemas.microsoft.com/office/drawing/2010/main" val="0"/>
+              </a:ext>
+            </a:extLst>
+          </a:blip>
+          <a:stretch>
+            <a:fillRect/>
+          </a:stretch>
+        </p:blipFill>
+        <p:spPr bwMode="auto">
+          <a:xfrm>
+            <a:off x="3109913" y="839908"/>
+            <a:ext cx="3030071" cy="5009088"/>
+          </a:xfrm>
+          <a:prstGeom prst="rect">
+            <a:avLst/>
+          </a:prstGeom>
+          <a:noFill/>
+          <a:extLst>
+            <a:ext uri="{909E8E84-426E-40DD-AFC4-6F175D3DCCD1}">
+              <a14:hiddenFill xmlns:a14="http://schemas.microsoft.com/office/drawing/2010/main">
+                <a:solidFill>
+                  <a:srgbClr val="FFFFFF"/>
+                </a:solidFill>
+              </a14:hiddenFill>
+            </a:ext>
+          </a:extLst>
+        </p:spPr>
+      </p:pic>
+    </p:spTree>
+    <p:extLst>
+      <p:ext uri="{BB962C8B-B14F-4D97-AF65-F5344CB8AC3E}">
+        <p14:creationId xmlns:p14="http://schemas.microsoft.com/office/powerpoint/2010/main" val="58639143"/>
+      </p:ext>
+    </p:extLst>
+  </p:cSld>
+  <p:clrMapOvr>
+    <a:masterClrMapping/>
+  </p:clrMapOvr>
+  <p:transition/>
+  <p:timing>
+    <p:tnLst>
+      <p:par>
+        <p:cTn id="1" dur="indefinite" restart="never" nodeType="tmRoot"/>
+      </p:par>
+    </p:tnLst>
+  </p:timing>
+</p:sld>
+</file>
+
+<file path=ppt/slides/slide18.xml><?xml version="1.0" encoding="utf-8"?>
+<p:sld xmlns:a="http://schemas.openxmlformats.org/drawingml/2006/main" xmlns:r="http://schemas.openxmlformats.org/officeDocument/2006/relationships" xmlns:p="http://schemas.openxmlformats.org/presentationml/2006/main">
+  <p:cSld>
+    <p:spTree>
+      <p:nvGrpSpPr>
+        <p:cNvPr id="1" name=""/>
+        <p:cNvGrpSpPr/>
+        <p:nvPr/>
+      </p:nvGrpSpPr>
+      <p:grpSpPr>
+        <a:xfrm>
+          <a:off x="0" y="0"/>
+          <a:ext cx="0" cy="0"/>
+          <a:chOff x="0" y="0"/>
+          <a:chExt cx="0" cy="0"/>
+        </a:xfrm>
+      </p:grpSpPr>
+      <p:sp>
+        <p:nvSpPr>
+          <p:cNvPr id="25" name="직사각형 24"/>
+          <p:cNvSpPr/>
+          <p:nvPr/>
+        </p:nvSpPr>
+        <p:spPr>
+          <a:xfrm>
+            <a:off x="168275" y="160337"/>
+            <a:ext cx="9687180" cy="6610541"/>
+          </a:xfrm>
+          <a:prstGeom prst="rect">
+            <a:avLst/>
+          </a:prstGeom>
+          <a:solidFill>
+            <a:schemeClr val="accent1">
+              <a:lumMod val="75000"/>
+            </a:schemeClr>
+          </a:solidFill>
+          <a:ln w="38100">
+            <a:solidFill>
+              <a:schemeClr val="tx1"/>
+            </a:solidFill>
+          </a:ln>
+          <a:effectLst>
+            <a:outerShdw blurRad="63500" dist="38100" dir="5400000" algn="t" rotWithShape="0">
+              <a:prstClr val="black">
+                <a:alpha val="17000"/>
+              </a:prstClr>
+            </a:outerShdw>
+          </a:effectLst>
+        </p:spPr>
+        <p:style>
+          <a:lnRef idx="2">
+            <a:schemeClr val="accent1">
+              <a:shade val="50000"/>
+            </a:schemeClr>
+          </a:lnRef>
+          <a:fillRef idx="1">
+            <a:schemeClr val="accent1"/>
+          </a:fillRef>
+          <a:effectRef idx="0">
+            <a:schemeClr val="accent1"/>
+          </a:effectRef>
+          <a:fontRef idx="minor">
+            <a:schemeClr val="lt1"/>
+          </a:fontRef>
+        </p:style>
+        <p:txBody>
+          <a:bodyPr anchor="ctr"/>
+          <a:lstStyle/>
+          <a:p>
+            <a:pPr algn="ctr">
+              <a:defRPr lang="ko-KR" altLang="en-US"/>
+            </a:pPr>
+            <a:endParaRPr lang="ko-KR" altLang="en-US"/>
+          </a:p>
+        </p:txBody>
+      </p:sp>
+      <p:sp>
+        <p:nvSpPr>
+          <p:cNvPr id="4" name="AutoShape 12" descr="Cover art"/>
+          <p:cNvSpPr>
+            <a:spLocks noChangeAspect="1" noChangeArrowheads="1"/>
+          </p:cNvSpPr>
+          <p:nvPr/>
+        </p:nvSpPr>
+        <p:spPr bwMode="auto">
+          <a:xfrm>
+            <a:off x="168275" y="-144463"/>
+            <a:ext cx="304800" cy="304801"/>
+          </a:xfrm>
+          <a:prstGeom prst="rect">
+            <a:avLst/>
+          </a:prstGeom>
+          <a:noFill/>
+          <a:extLst>
+            <a:ext uri="{909E8E84-426E-40DD-AFC4-6F175D3DCCD1}">
+              <a14:hiddenFill xmlns:a14="http://schemas.microsoft.com/office/drawing/2010/main">
+                <a:solidFill>
+                  <a:srgbClr val="FFFFFF"/>
+                </a:solidFill>
+              </a14:hiddenFill>
+            </a:ext>
+          </a:extLst>
+        </p:spPr>
+        <p:txBody>
+          <a:bodyPr vert="horz" wrap="square" lIns="91440" tIns="45720" rIns="91440" bIns="45720" numCol="1" anchor="t" anchorCtr="0" compatLnSpc="1">
+            <a:prstTxWarp prst="textNoShape">
+              <a:avLst/>
+            </a:prstTxWarp>
+          </a:bodyPr>
+          <a:lstStyle/>
+          <a:p>
+            <a:endParaRPr lang="ko-KR" altLang="en-US"/>
+          </a:p>
+        </p:txBody>
+      </p:sp>
+      <p:sp>
+        <p:nvSpPr>
+          <p:cNvPr id="5" name="AutoShape 14" descr="Cover art"/>
+          <p:cNvSpPr>
+            <a:spLocks noChangeAspect="1" noChangeArrowheads="1"/>
+          </p:cNvSpPr>
+          <p:nvPr/>
+        </p:nvSpPr>
+        <p:spPr bwMode="auto">
+          <a:xfrm>
+            <a:off x="320675" y="7937"/>
+            <a:ext cx="304800" cy="304801"/>
+          </a:xfrm>
+          <a:prstGeom prst="rect">
+            <a:avLst/>
+          </a:prstGeom>
+          <a:noFill/>
+          <a:extLst>
+            <a:ext uri="{909E8E84-426E-40DD-AFC4-6F175D3DCCD1}">
+              <a14:hiddenFill xmlns:a14="http://schemas.microsoft.com/office/drawing/2010/main">
+                <a:solidFill>
+                  <a:srgbClr val="FFFFFF"/>
+                </a:solidFill>
+              </a14:hiddenFill>
+            </a:ext>
+          </a:extLst>
+        </p:spPr>
+        <p:txBody>
+          <a:bodyPr vert="horz" wrap="square" lIns="91440" tIns="45720" rIns="91440" bIns="45720" numCol="1" anchor="t" anchorCtr="0" compatLnSpc="1">
+            <a:prstTxWarp prst="textNoShape">
+              <a:avLst/>
+            </a:prstTxWarp>
+          </a:bodyPr>
+          <a:lstStyle/>
+          <a:p>
+            <a:endParaRPr lang="ko-KR" altLang="en-US"/>
+          </a:p>
+        </p:txBody>
+      </p:sp>
+      <p:sp>
+        <p:nvSpPr>
+          <p:cNvPr id="6" name="AutoShape 16" descr="Cover art"/>
+          <p:cNvSpPr>
+            <a:spLocks noChangeAspect="1" noChangeArrowheads="1"/>
+          </p:cNvSpPr>
+          <p:nvPr/>
+        </p:nvSpPr>
+        <p:spPr bwMode="auto">
+          <a:xfrm>
+            <a:off x="473075" y="160337"/>
+            <a:ext cx="304800" cy="304801"/>
+          </a:xfrm>
+          <a:prstGeom prst="rect">
+            <a:avLst/>
+          </a:prstGeom>
+          <a:noFill/>
+          <a:extLst>
+            <a:ext uri="{909E8E84-426E-40DD-AFC4-6F175D3DCCD1}">
+              <a14:hiddenFill xmlns:a14="http://schemas.microsoft.com/office/drawing/2010/main">
+                <a:solidFill>
+                  <a:srgbClr val="FFFFFF"/>
+                </a:solidFill>
+              </a14:hiddenFill>
+            </a:ext>
+          </a:extLst>
+        </p:spPr>
+        <p:txBody>
+          <a:bodyPr vert="horz" wrap="square" lIns="91440" tIns="45720" rIns="91440" bIns="45720" numCol="1" anchor="t" anchorCtr="0" compatLnSpc="1">
+            <a:prstTxWarp prst="textNoShape">
+              <a:avLst/>
+            </a:prstTxWarp>
+          </a:bodyPr>
+          <a:lstStyle/>
+          <a:p>
+            <a:endParaRPr lang="ko-KR" altLang="en-US"/>
+          </a:p>
+        </p:txBody>
+      </p:sp>
+      <p:sp>
+        <p:nvSpPr>
+          <p:cNvPr id="7" name="AutoShape 18" descr="Cover art"/>
+          <p:cNvSpPr>
+            <a:spLocks noChangeAspect="1" noChangeArrowheads="1"/>
+          </p:cNvSpPr>
+          <p:nvPr/>
+        </p:nvSpPr>
+        <p:spPr bwMode="auto">
+          <a:xfrm>
+            <a:off x="625475" y="312737"/>
+            <a:ext cx="304800" cy="304801"/>
+          </a:xfrm>
+          <a:prstGeom prst="rect">
+            <a:avLst/>
+          </a:prstGeom>
+          <a:noFill/>
+          <a:extLst>
+            <a:ext uri="{909E8E84-426E-40DD-AFC4-6F175D3DCCD1}">
+              <a14:hiddenFill xmlns:a14="http://schemas.microsoft.com/office/drawing/2010/main">
+                <a:solidFill>
+                  <a:srgbClr val="FFFFFF"/>
+                </a:solidFill>
+              </a14:hiddenFill>
+            </a:ext>
+          </a:extLst>
+        </p:spPr>
+        <p:txBody>
+          <a:bodyPr vert="horz" wrap="square" lIns="91440" tIns="45720" rIns="91440" bIns="45720" numCol="1" anchor="t" anchorCtr="0" compatLnSpc="1">
+            <a:prstTxWarp prst="textNoShape">
+              <a:avLst/>
+            </a:prstTxWarp>
+          </a:bodyPr>
+          <a:lstStyle/>
+          <a:p>
+            <a:endParaRPr lang="ko-KR" altLang="en-US"/>
+          </a:p>
+        </p:txBody>
+      </p:sp>
+      <p:sp>
+        <p:nvSpPr>
+          <p:cNvPr id="8" name="AutoShape 20" descr="Cover art"/>
+          <p:cNvSpPr>
+            <a:spLocks noChangeAspect="1" noChangeArrowheads="1"/>
+          </p:cNvSpPr>
+          <p:nvPr/>
+        </p:nvSpPr>
+        <p:spPr bwMode="auto">
+          <a:xfrm>
+            <a:off x="777875" y="465137"/>
+            <a:ext cx="304800" cy="304801"/>
+          </a:xfrm>
+          <a:prstGeom prst="rect">
+            <a:avLst/>
+          </a:prstGeom>
+          <a:noFill/>
+          <a:extLst>
+            <a:ext uri="{909E8E84-426E-40DD-AFC4-6F175D3DCCD1}">
+              <a14:hiddenFill xmlns:a14="http://schemas.microsoft.com/office/drawing/2010/main">
+                <a:solidFill>
+                  <a:srgbClr val="FFFFFF"/>
+                </a:solidFill>
+              </a14:hiddenFill>
+            </a:ext>
+          </a:extLst>
+        </p:spPr>
+        <p:txBody>
+          <a:bodyPr vert="horz" wrap="square" lIns="91440" tIns="45720" rIns="91440" bIns="45720" numCol="1" anchor="t" anchorCtr="0" compatLnSpc="1">
+            <a:prstTxWarp prst="textNoShape">
+              <a:avLst/>
+            </a:prstTxWarp>
+          </a:bodyPr>
+          <a:lstStyle/>
+          <a:p>
+            <a:endParaRPr lang="ko-KR" altLang="en-US"/>
+          </a:p>
+        </p:txBody>
+      </p:sp>
+      <p:grpSp>
+        <p:nvGrpSpPr>
+          <p:cNvPr id="37" name="그룹 36"/>
+          <p:cNvGrpSpPr/>
+          <p:nvPr/>
+        </p:nvGrpSpPr>
+        <p:grpSpPr>
+          <a:xfrm>
+            <a:off x="2818458" y="153659"/>
+            <a:ext cx="3628062" cy="6381587"/>
+            <a:chOff x="4870074" y="259516"/>
+            <a:chExt cx="3557471" cy="6208548"/>
+          </a:xfrm>
+        </p:grpSpPr>
+        <p:grpSp>
+          <p:nvGrpSpPr>
+            <p:cNvPr id="39" name="그룹 38"/>
+            <p:cNvGrpSpPr/>
+            <p:nvPr/>
+          </p:nvGrpSpPr>
+          <p:grpSpPr>
+            <a:xfrm>
+              <a:off x="5087365" y="374507"/>
+              <a:ext cx="3073468" cy="6007942"/>
+              <a:chOff x="5087365" y="374507"/>
+              <a:chExt cx="3073468" cy="6007942"/>
+            </a:xfrm>
+          </p:grpSpPr>
+          <p:grpSp>
+            <p:nvGrpSpPr>
+              <p:cNvPr id="41" name="그룹 40"/>
+              <p:cNvGrpSpPr/>
+              <p:nvPr/>
+            </p:nvGrpSpPr>
+            <p:grpSpPr>
+              <a:xfrm>
+                <a:off x="5087365" y="374507"/>
+                <a:ext cx="3073468" cy="6007942"/>
+                <a:chOff x="1337446" y="-1404313"/>
+                <a:chExt cx="3073468" cy="6007942"/>
+              </a:xfrm>
+            </p:grpSpPr>
+            <p:pic>
+              <p:nvPicPr>
+                <p:cNvPr id="43" name="Picture 43" descr="모바일 배경화면에 대한 이미지 검색결과"/>
+                <p:cNvPicPr>
+                  <a:picLocks noChangeAspect="1" noChangeArrowheads="1"/>
+                </p:cNvPicPr>
+                <p:nvPr/>
+              </p:nvPicPr>
+              <p:blipFill>
+                <a:blip r:embed="rId2">
+                  <a:extLst>
+                    <a:ext uri="{28A0092B-C50C-407E-A947-70E740481C1C}">
+                      <a14:useLocalDpi xmlns:a14="http://schemas.microsoft.com/office/drawing/2010/main" val="0"/>
+                    </a:ext>
+                  </a:extLst>
+                </a:blip>
+                <a:srcRect/>
+                <a:stretch>
+                  <a:fillRect/>
+                </a:stretch>
+              </p:blipFill>
+              <p:spPr bwMode="auto">
+                <a:xfrm>
+                  <a:off x="1337446" y="-939973"/>
+                  <a:ext cx="3073468" cy="5036890"/>
+                </a:xfrm>
+                <a:prstGeom prst="rect">
+                  <a:avLst/>
+                </a:prstGeom>
+                <a:noFill/>
+                <a:extLst>
+                  <a:ext uri="{909E8E84-426E-40DD-AFC4-6F175D3DCCD1}">
+                    <a14:hiddenFill xmlns:a14="http://schemas.microsoft.com/office/drawing/2010/main">
+                      <a:solidFill>
+                        <a:srgbClr val="FFFFFF"/>
+                      </a:solidFill>
+                    </a14:hiddenFill>
+                  </a:ext>
+                </a:extLst>
+              </p:spPr>
+            </p:pic>
+            <p:sp>
+              <p:nvSpPr>
+                <p:cNvPr id="44" name="직사각형 43"/>
+                <p:cNvSpPr/>
+                <p:nvPr/>
+              </p:nvSpPr>
+              <p:spPr>
+                <a:xfrm>
+                  <a:off x="1713078" y="-1404313"/>
+                  <a:ext cx="2417346" cy="464340"/>
+                </a:xfrm>
+                <a:prstGeom prst="rect">
+                  <a:avLst/>
+                </a:prstGeom>
+                <a:solidFill>
+                  <a:schemeClr val="bg1"/>
+                </a:solidFill>
+              </p:spPr>
+              <p:style>
+                <a:lnRef idx="2">
+                  <a:schemeClr val="accent1">
+                    <a:shade val="20000"/>
+                  </a:schemeClr>
+                </a:lnRef>
+                <a:fillRef idx="1">
+                  <a:schemeClr val="accent1"/>
+                </a:fillRef>
+                <a:effectRef idx="0">
+                  <a:schemeClr val="accent1"/>
+                </a:effectRef>
+                <a:fontRef idx="minor">
+                  <a:schemeClr val="lt1"/>
+                </a:fontRef>
+              </p:style>
+              <p:txBody>
+                <a:bodyPr rtlCol="0" anchor="ctr"/>
+                <a:lstStyle/>
+                <a:p>
+                  <a:pPr algn="ctr"/>
+                  <a:endParaRPr lang="ko-KR" altLang="en-US"/>
+                </a:p>
+              </p:txBody>
+            </p:sp>
+            <p:sp>
+              <p:nvSpPr>
+                <p:cNvPr id="45" name="직사각형 44"/>
+                <p:cNvSpPr/>
+                <p:nvPr/>
+              </p:nvSpPr>
+              <p:spPr>
+                <a:xfrm>
+                  <a:off x="1814233" y="4221158"/>
+                  <a:ext cx="2119893" cy="382471"/>
+                </a:xfrm>
+                <a:prstGeom prst="rect">
+                  <a:avLst/>
+                </a:prstGeom>
+                <a:solidFill>
+                  <a:schemeClr val="bg1"/>
+                </a:solidFill>
+              </p:spPr>
+              <p:style>
+                <a:lnRef idx="2">
+                  <a:schemeClr val="accent1">
+                    <a:shade val="20000"/>
+                  </a:schemeClr>
+                </a:lnRef>
+                <a:fillRef idx="1">
+                  <a:schemeClr val="accent1"/>
+                </a:fillRef>
+                <a:effectRef idx="0">
+                  <a:schemeClr val="accent1"/>
+                </a:effectRef>
+                <a:fontRef idx="minor">
+                  <a:schemeClr val="lt1"/>
+                </a:fontRef>
+              </p:style>
+              <p:txBody>
+                <a:bodyPr rtlCol="0" anchor="ctr"/>
+                <a:lstStyle/>
+                <a:p>
+                  <a:pPr algn="ctr"/>
+                  <a:endParaRPr lang="ko-KR" altLang="en-US"/>
+                </a:p>
+              </p:txBody>
+            </p:sp>
+          </p:grpSp>
+          <p:pic>
+            <p:nvPicPr>
+              <p:cNvPr id="42" name="Picture 44"/>
+              <p:cNvPicPr>
+                <a:picLocks noChangeAspect="1" noChangeArrowheads="1"/>
+              </p:cNvPicPr>
+              <p:nvPr/>
+            </p:nvPicPr>
+            <p:blipFill>
+              <a:blip r:embed="rId3">
+                <a:extLst>
+                  <a:ext uri="{28A0092B-C50C-407E-A947-70E740481C1C}">
+                    <a14:useLocalDpi xmlns:a14="http://schemas.microsoft.com/office/drawing/2010/main" val="0"/>
+                  </a:ext>
+                </a:extLst>
+              </a:blip>
+              <a:srcRect/>
+              <a:stretch>
+                <a:fillRect/>
+              </a:stretch>
+            </p:blipFill>
+            <p:spPr bwMode="auto">
+              <a:xfrm>
+                <a:off x="5106724" y="914663"/>
+                <a:ext cx="3020249" cy="230531"/>
+              </a:xfrm>
+              <a:prstGeom prst="rect">
+                <a:avLst/>
+              </a:prstGeom>
+              <a:noFill/>
+              <a:ln>
+                <a:noFill/>
+              </a:ln>
+              <a:effectLst/>
+              <a:extLst>
+                <a:ext uri="{909E8E84-426E-40DD-AFC4-6F175D3DCCD1}">
+                  <a14:hiddenFill xmlns:a14="http://schemas.microsoft.com/office/drawing/2010/main">
+                    <a:solidFill>
+                      <a:schemeClr val="accent1"/>
+                    </a:solidFill>
+                  </a14:hiddenFill>
+                </a:ext>
+                <a:ext uri="{91240B29-F687-4F45-9708-019B960494DF}">
+                  <a14:hiddenLine xmlns:a14="http://schemas.microsoft.com/office/drawing/2010/main" w="9525">
+                    <a:solidFill>
+                      <a:schemeClr val="tx1"/>
+                    </a:solidFill>
+                    <a:miter lim="800000"/>
+                    <a:headEnd/>
+                    <a:tailEnd/>
+                  </a14:hiddenLine>
+                </a:ext>
+                <a:ext uri="{AF507438-7753-43E0-B8FC-AC1667EBCBE1}">
+                  <a14:hiddenEffects xmlns:a14="http://schemas.microsoft.com/office/drawing/2010/main">
+                    <a:effectLst>
+                      <a:outerShdw dist="35921" dir="2700000" algn="ctr" rotWithShape="0">
+                        <a:schemeClr val="bg2"/>
+                      </a:outerShdw>
+                    </a:effectLst>
+                  </a14:hiddenEffects>
+                </a:ext>
+              </a:extLst>
+            </p:spPr>
+          </p:pic>
+        </p:grpSp>
+        <p:pic>
+          <p:nvPicPr>
+            <p:cNvPr id="40" name="Picture 39" descr="C:\Users\joe\Downloads\samsung-galaxy.png"/>
+            <p:cNvPicPr>
+              <a:picLocks noChangeAspect="1" noChangeArrowheads="1"/>
+            </p:cNvPicPr>
+            <p:nvPr/>
+          </p:nvPicPr>
+          <p:blipFill rotWithShape="1">
+            <a:blip r:embed="rId4">
+              <a:extLst>
+                <a:ext uri="{28A0092B-C50C-407E-A947-70E740481C1C}">
+                  <a14:useLocalDpi xmlns:a14="http://schemas.microsoft.com/office/drawing/2010/main" val="0"/>
+                </a:ext>
+              </a:extLst>
+            </a:blip>
+            <a:srcRect l="23381" r="23040"/>
+            <a:stretch/>
+          </p:blipFill>
+          <p:spPr bwMode="auto">
+            <a:xfrm>
+              <a:off x="4870074" y="259516"/>
+              <a:ext cx="3557471" cy="6208548"/>
+            </a:xfrm>
+            <a:prstGeom prst="rect">
+              <a:avLst/>
+            </a:prstGeom>
+            <a:noFill/>
+            <a:extLst>
+              <a:ext uri="{909E8E84-426E-40DD-AFC4-6F175D3DCCD1}">
+                <a14:hiddenFill xmlns:a14="http://schemas.microsoft.com/office/drawing/2010/main">
+                  <a:solidFill>
+                    <a:srgbClr val="FFFFFF"/>
+                  </a:solidFill>
+                </a14:hiddenFill>
+              </a:ext>
+            </a:extLst>
+          </p:spPr>
+        </p:pic>
+      </p:grpSp>
+      <p:pic>
+        <p:nvPicPr>
+          <p:cNvPr id="4099" name="Picture 3"/>
+          <p:cNvPicPr>
+            <a:picLocks noChangeAspect="1" noChangeArrowheads="1"/>
+          </p:cNvPicPr>
+          <p:nvPr/>
+        </p:nvPicPr>
+        <p:blipFill>
+          <a:blip r:embed="rId5" cstate="print">
+            <a:extLst>
+              <a:ext uri="{28A0092B-C50C-407E-A947-70E740481C1C}">
+                <a14:useLocalDpi xmlns:a14="http://schemas.microsoft.com/office/drawing/2010/main" val="0"/>
+              </a:ext>
+            </a:extLst>
+          </a:blip>
+          <a:stretch>
+            <a:fillRect/>
+          </a:stretch>
+        </p:blipFill>
+        <p:spPr bwMode="auto">
+          <a:xfrm>
+            <a:off x="3109914" y="839908"/>
+            <a:ext cx="3030070" cy="5009088"/>
+          </a:xfrm>
+          <a:prstGeom prst="rect">
+            <a:avLst/>
+          </a:prstGeom>
+          <a:noFill/>
+          <a:extLst>
+            <a:ext uri="{909E8E84-426E-40DD-AFC4-6F175D3DCCD1}">
+              <a14:hiddenFill xmlns:a14="http://schemas.microsoft.com/office/drawing/2010/main">
+                <a:solidFill>
+                  <a:srgbClr val="FFFFFF"/>
+                </a:solidFill>
+              </a14:hiddenFill>
+            </a:ext>
+          </a:extLst>
+        </p:spPr>
+      </p:pic>
+    </p:spTree>
+    <p:extLst>
+      <p:ext uri="{BB962C8B-B14F-4D97-AF65-F5344CB8AC3E}">
+        <p14:creationId xmlns:p14="http://schemas.microsoft.com/office/powerpoint/2010/main" val="1814161366"/>
+      </p:ext>
+    </p:extLst>
+  </p:cSld>
+  <p:clrMapOvr>
+    <a:masterClrMapping/>
+  </p:clrMapOvr>
+  <p:transition/>
+  <p:timing>
+    <p:tnLst>
+      <p:par>
+        <p:cTn id="1" dur="indefinite" restart="never" nodeType="tmRoot"/>
+      </p:par>
+    </p:tnLst>
+  </p:timing>
+</p:sld>
+</file>
+
+<file path=ppt/slides/slide19.xml><?xml version="1.0" encoding="utf-8"?>
+<p:sld xmlns:a="http://schemas.openxmlformats.org/drawingml/2006/main" xmlns:r="http://schemas.openxmlformats.org/officeDocument/2006/relationships" xmlns:p="http://schemas.openxmlformats.org/presentationml/2006/main">
+  <p:cSld>
+    <p:spTree>
+      <p:nvGrpSpPr>
+        <p:cNvPr id="1" name=""/>
+        <p:cNvGrpSpPr/>
+        <p:nvPr/>
+      </p:nvGrpSpPr>
+      <p:grpSpPr>
+        <a:xfrm>
+          <a:off x="0" y="0"/>
+          <a:ext cx="0" cy="0"/>
+          <a:chOff x="0" y="0"/>
+          <a:chExt cx="0" cy="0"/>
+        </a:xfrm>
+      </p:grpSpPr>
+      <p:sp>
+        <p:nvSpPr>
+          <p:cNvPr id="25" name="직사각형 24"/>
+          <p:cNvSpPr/>
+          <p:nvPr/>
+        </p:nvSpPr>
+        <p:spPr>
+          <a:xfrm>
+            <a:off x="168275" y="160337"/>
+            <a:ext cx="9687180" cy="6610541"/>
+          </a:xfrm>
+          <a:prstGeom prst="rect">
+            <a:avLst/>
+          </a:prstGeom>
+          <a:solidFill>
+            <a:schemeClr val="accent1">
+              <a:lumMod val="75000"/>
+            </a:schemeClr>
+          </a:solidFill>
+          <a:ln w="38100">
+            <a:solidFill>
+              <a:schemeClr val="tx1"/>
+            </a:solidFill>
+          </a:ln>
+          <a:effectLst>
+            <a:outerShdw blurRad="63500" dist="38100" dir="5400000" algn="t" rotWithShape="0">
+              <a:prstClr val="black">
+                <a:alpha val="17000"/>
+              </a:prstClr>
+            </a:outerShdw>
+          </a:effectLst>
+        </p:spPr>
+        <p:style>
+          <a:lnRef idx="2">
+            <a:schemeClr val="accent1">
+              <a:shade val="50000"/>
+            </a:schemeClr>
+          </a:lnRef>
+          <a:fillRef idx="1">
+            <a:schemeClr val="accent1"/>
+          </a:fillRef>
+          <a:effectRef idx="0">
+            <a:schemeClr val="accent1"/>
+          </a:effectRef>
+          <a:fontRef idx="minor">
+            <a:schemeClr val="lt1"/>
+          </a:fontRef>
+        </p:style>
+        <p:txBody>
+          <a:bodyPr anchor="ctr"/>
+          <a:lstStyle/>
+          <a:p>
+            <a:pPr algn="ctr">
+              <a:defRPr lang="ko-KR" altLang="en-US"/>
+            </a:pPr>
+            <a:endParaRPr lang="ko-KR" altLang="en-US"/>
+          </a:p>
+        </p:txBody>
+      </p:sp>
+      <p:sp>
+        <p:nvSpPr>
+          <p:cNvPr id="4" name="AutoShape 12" descr="Cover art"/>
+          <p:cNvSpPr>
+            <a:spLocks noChangeAspect="1" noChangeArrowheads="1"/>
+          </p:cNvSpPr>
+          <p:nvPr/>
+        </p:nvSpPr>
+        <p:spPr bwMode="auto">
+          <a:xfrm>
+            <a:off x="168275" y="-144463"/>
+            <a:ext cx="304800" cy="304801"/>
+          </a:xfrm>
+          <a:prstGeom prst="rect">
+            <a:avLst/>
+          </a:prstGeom>
+          <a:noFill/>
+          <a:extLst>
+            <a:ext uri="{909E8E84-426E-40DD-AFC4-6F175D3DCCD1}">
+              <a14:hiddenFill xmlns:a14="http://schemas.microsoft.com/office/drawing/2010/main">
+                <a:solidFill>
+                  <a:srgbClr val="FFFFFF"/>
+                </a:solidFill>
+              </a14:hiddenFill>
+            </a:ext>
+          </a:extLst>
+        </p:spPr>
+        <p:txBody>
+          <a:bodyPr vert="horz" wrap="square" lIns="91440" tIns="45720" rIns="91440" bIns="45720" numCol="1" anchor="t" anchorCtr="0" compatLnSpc="1">
+            <a:prstTxWarp prst="textNoShape">
+              <a:avLst/>
+            </a:prstTxWarp>
+          </a:bodyPr>
+          <a:lstStyle/>
+          <a:p>
+            <a:endParaRPr lang="ko-KR" altLang="en-US"/>
+          </a:p>
+        </p:txBody>
+      </p:sp>
+      <p:sp>
+        <p:nvSpPr>
+          <p:cNvPr id="5" name="AutoShape 14" descr="Cover art"/>
+          <p:cNvSpPr>
+            <a:spLocks noChangeAspect="1" noChangeArrowheads="1"/>
+          </p:cNvSpPr>
+          <p:nvPr/>
+        </p:nvSpPr>
+        <p:spPr bwMode="auto">
+          <a:xfrm>
+            <a:off x="320675" y="7937"/>
+            <a:ext cx="304800" cy="304801"/>
+          </a:xfrm>
+          <a:prstGeom prst="rect">
+            <a:avLst/>
+          </a:prstGeom>
+          <a:noFill/>
+          <a:extLst>
+            <a:ext uri="{909E8E84-426E-40DD-AFC4-6F175D3DCCD1}">
+              <a14:hiddenFill xmlns:a14="http://schemas.microsoft.com/office/drawing/2010/main">
+                <a:solidFill>
+                  <a:srgbClr val="FFFFFF"/>
+                </a:solidFill>
+              </a14:hiddenFill>
+            </a:ext>
+          </a:extLst>
+        </p:spPr>
+        <p:txBody>
+          <a:bodyPr vert="horz" wrap="square" lIns="91440" tIns="45720" rIns="91440" bIns="45720" numCol="1" anchor="t" anchorCtr="0" compatLnSpc="1">
+            <a:prstTxWarp prst="textNoShape">
+              <a:avLst/>
+            </a:prstTxWarp>
+          </a:bodyPr>
+          <a:lstStyle/>
+          <a:p>
+            <a:endParaRPr lang="ko-KR" altLang="en-US"/>
+          </a:p>
+        </p:txBody>
+      </p:sp>
+      <p:sp>
+        <p:nvSpPr>
+          <p:cNvPr id="6" name="AutoShape 16" descr="Cover art"/>
+          <p:cNvSpPr>
+            <a:spLocks noChangeAspect="1" noChangeArrowheads="1"/>
+          </p:cNvSpPr>
+          <p:nvPr/>
+        </p:nvSpPr>
+        <p:spPr bwMode="auto">
+          <a:xfrm>
+            <a:off x="473075" y="160337"/>
+            <a:ext cx="304800" cy="304801"/>
+          </a:xfrm>
+          <a:prstGeom prst="rect">
+            <a:avLst/>
+          </a:prstGeom>
+          <a:noFill/>
+          <a:extLst>
+            <a:ext uri="{909E8E84-426E-40DD-AFC4-6F175D3DCCD1}">
+              <a14:hiddenFill xmlns:a14="http://schemas.microsoft.com/office/drawing/2010/main">
+                <a:solidFill>
+                  <a:srgbClr val="FFFFFF"/>
+                </a:solidFill>
+              </a14:hiddenFill>
+            </a:ext>
+          </a:extLst>
+        </p:spPr>
+        <p:txBody>
+          <a:bodyPr vert="horz" wrap="square" lIns="91440" tIns="45720" rIns="91440" bIns="45720" numCol="1" anchor="t" anchorCtr="0" compatLnSpc="1">
+            <a:prstTxWarp prst="textNoShape">
+              <a:avLst/>
+            </a:prstTxWarp>
+          </a:bodyPr>
+          <a:lstStyle/>
+          <a:p>
+            <a:endParaRPr lang="ko-KR" altLang="en-US"/>
+          </a:p>
+        </p:txBody>
+      </p:sp>
+      <p:sp>
+        <p:nvSpPr>
+          <p:cNvPr id="7" name="AutoShape 18" descr="Cover art"/>
+          <p:cNvSpPr>
+            <a:spLocks noChangeAspect="1" noChangeArrowheads="1"/>
+          </p:cNvSpPr>
+          <p:nvPr/>
+        </p:nvSpPr>
+        <p:spPr bwMode="auto">
+          <a:xfrm>
+            <a:off x="625475" y="312737"/>
+            <a:ext cx="304800" cy="304801"/>
+          </a:xfrm>
+          <a:prstGeom prst="rect">
+            <a:avLst/>
+          </a:prstGeom>
+          <a:noFill/>
+          <a:extLst>
+            <a:ext uri="{909E8E84-426E-40DD-AFC4-6F175D3DCCD1}">
+              <a14:hiddenFill xmlns:a14="http://schemas.microsoft.com/office/drawing/2010/main">
+                <a:solidFill>
+                  <a:srgbClr val="FFFFFF"/>
+                </a:solidFill>
+              </a14:hiddenFill>
+            </a:ext>
+          </a:extLst>
+        </p:spPr>
+        <p:txBody>
+          <a:bodyPr vert="horz" wrap="square" lIns="91440" tIns="45720" rIns="91440" bIns="45720" numCol="1" anchor="t" anchorCtr="0" compatLnSpc="1">
+            <a:prstTxWarp prst="textNoShape">
+              <a:avLst/>
+            </a:prstTxWarp>
+          </a:bodyPr>
+          <a:lstStyle/>
+          <a:p>
+            <a:endParaRPr lang="ko-KR" altLang="en-US"/>
+          </a:p>
+        </p:txBody>
+      </p:sp>
+      <p:sp>
+        <p:nvSpPr>
+          <p:cNvPr id="8" name="AutoShape 20" descr="Cover art"/>
+          <p:cNvSpPr>
+            <a:spLocks noChangeAspect="1" noChangeArrowheads="1"/>
+          </p:cNvSpPr>
+          <p:nvPr/>
+        </p:nvSpPr>
+        <p:spPr bwMode="auto">
+          <a:xfrm>
+            <a:off x="777875" y="465137"/>
+            <a:ext cx="304800" cy="304801"/>
+          </a:xfrm>
+          <a:prstGeom prst="rect">
+            <a:avLst/>
+          </a:prstGeom>
+          <a:noFill/>
+          <a:extLst>
+            <a:ext uri="{909E8E84-426E-40DD-AFC4-6F175D3DCCD1}">
+              <a14:hiddenFill xmlns:a14="http://schemas.microsoft.com/office/drawing/2010/main">
+                <a:solidFill>
+                  <a:srgbClr val="FFFFFF"/>
+                </a:solidFill>
+              </a14:hiddenFill>
+            </a:ext>
+          </a:extLst>
+        </p:spPr>
+        <p:txBody>
+          <a:bodyPr vert="horz" wrap="square" lIns="91440" tIns="45720" rIns="91440" bIns="45720" numCol="1" anchor="t" anchorCtr="0" compatLnSpc="1">
+            <a:prstTxWarp prst="textNoShape">
+              <a:avLst/>
+            </a:prstTxWarp>
+          </a:bodyPr>
+          <a:lstStyle/>
+          <a:p>
+            <a:endParaRPr lang="ko-KR" altLang="en-US"/>
+          </a:p>
+        </p:txBody>
+      </p:sp>
+      <p:grpSp>
+        <p:nvGrpSpPr>
+          <p:cNvPr id="37" name="그룹 36"/>
+          <p:cNvGrpSpPr/>
+          <p:nvPr/>
+        </p:nvGrpSpPr>
+        <p:grpSpPr>
+          <a:xfrm>
+            <a:off x="2818458" y="153659"/>
+            <a:ext cx="3628062" cy="6381587"/>
+            <a:chOff x="4870074" y="259516"/>
+            <a:chExt cx="3557471" cy="6208548"/>
+          </a:xfrm>
+        </p:grpSpPr>
+        <p:grpSp>
+          <p:nvGrpSpPr>
+            <p:cNvPr id="39" name="그룹 38"/>
+            <p:cNvGrpSpPr/>
+            <p:nvPr/>
+          </p:nvGrpSpPr>
+          <p:grpSpPr>
+            <a:xfrm>
+              <a:off x="5087365" y="374507"/>
+              <a:ext cx="3073468" cy="6007942"/>
+              <a:chOff x="5087365" y="374507"/>
+              <a:chExt cx="3073468" cy="6007942"/>
+            </a:xfrm>
+          </p:grpSpPr>
+          <p:grpSp>
+            <p:nvGrpSpPr>
+              <p:cNvPr id="41" name="그룹 40"/>
+              <p:cNvGrpSpPr/>
+              <p:nvPr/>
+            </p:nvGrpSpPr>
+            <p:grpSpPr>
+              <a:xfrm>
+                <a:off x="5087365" y="374507"/>
+                <a:ext cx="3073468" cy="6007942"/>
+                <a:chOff x="1337446" y="-1404313"/>
+                <a:chExt cx="3073468" cy="6007942"/>
+              </a:xfrm>
+            </p:grpSpPr>
+            <p:pic>
+              <p:nvPicPr>
+                <p:cNvPr id="43" name="Picture 43" descr="모바일 배경화면에 대한 이미지 검색결과"/>
+                <p:cNvPicPr>
+                  <a:picLocks noChangeAspect="1" noChangeArrowheads="1"/>
+                </p:cNvPicPr>
+                <p:nvPr/>
+              </p:nvPicPr>
+              <p:blipFill>
+                <a:blip r:embed="rId2">
+                  <a:extLst>
+                    <a:ext uri="{28A0092B-C50C-407E-A947-70E740481C1C}">
+                      <a14:useLocalDpi xmlns:a14="http://schemas.microsoft.com/office/drawing/2010/main" val="0"/>
+                    </a:ext>
+                  </a:extLst>
+                </a:blip>
+                <a:srcRect/>
+                <a:stretch>
+                  <a:fillRect/>
+                </a:stretch>
+              </p:blipFill>
+              <p:spPr bwMode="auto">
+                <a:xfrm>
+                  <a:off x="1337446" y="-939973"/>
+                  <a:ext cx="3073468" cy="5036890"/>
+                </a:xfrm>
+                <a:prstGeom prst="rect">
+                  <a:avLst/>
+                </a:prstGeom>
+                <a:noFill/>
+                <a:extLst>
+                  <a:ext uri="{909E8E84-426E-40DD-AFC4-6F175D3DCCD1}">
+                    <a14:hiddenFill xmlns:a14="http://schemas.microsoft.com/office/drawing/2010/main">
+                      <a:solidFill>
+                        <a:srgbClr val="FFFFFF"/>
+                      </a:solidFill>
+                    </a14:hiddenFill>
+                  </a:ext>
+                </a:extLst>
+              </p:spPr>
+            </p:pic>
+            <p:sp>
+              <p:nvSpPr>
+                <p:cNvPr id="44" name="직사각형 43"/>
+                <p:cNvSpPr/>
+                <p:nvPr/>
+              </p:nvSpPr>
+              <p:spPr>
+                <a:xfrm>
+                  <a:off x="1713078" y="-1404313"/>
+                  <a:ext cx="2417346" cy="464340"/>
+                </a:xfrm>
+                <a:prstGeom prst="rect">
+                  <a:avLst/>
+                </a:prstGeom>
+                <a:solidFill>
+                  <a:schemeClr val="bg1"/>
+                </a:solidFill>
+              </p:spPr>
+              <p:style>
+                <a:lnRef idx="2">
+                  <a:schemeClr val="accent1">
+                    <a:shade val="20000"/>
+                  </a:schemeClr>
+                </a:lnRef>
+                <a:fillRef idx="1">
+                  <a:schemeClr val="accent1"/>
+                </a:fillRef>
+                <a:effectRef idx="0">
+                  <a:schemeClr val="accent1"/>
+                </a:effectRef>
+                <a:fontRef idx="minor">
+                  <a:schemeClr val="lt1"/>
+                </a:fontRef>
+              </p:style>
+              <p:txBody>
+                <a:bodyPr rtlCol="0" anchor="ctr"/>
+                <a:lstStyle/>
+                <a:p>
+                  <a:pPr algn="ctr"/>
+                  <a:endParaRPr lang="ko-KR" altLang="en-US"/>
+                </a:p>
+              </p:txBody>
+            </p:sp>
+            <p:sp>
+              <p:nvSpPr>
+                <p:cNvPr id="45" name="직사각형 44"/>
+                <p:cNvSpPr/>
+                <p:nvPr/>
+              </p:nvSpPr>
+              <p:spPr>
+                <a:xfrm>
+                  <a:off x="1814233" y="4221158"/>
+                  <a:ext cx="2119893" cy="382471"/>
+                </a:xfrm>
+                <a:prstGeom prst="rect">
+                  <a:avLst/>
+                </a:prstGeom>
+                <a:solidFill>
+                  <a:schemeClr val="bg1"/>
+                </a:solidFill>
+              </p:spPr>
+              <p:style>
+                <a:lnRef idx="2">
+                  <a:schemeClr val="accent1">
+                    <a:shade val="20000"/>
+                  </a:schemeClr>
+                </a:lnRef>
+                <a:fillRef idx="1">
+                  <a:schemeClr val="accent1"/>
+                </a:fillRef>
+                <a:effectRef idx="0">
+                  <a:schemeClr val="accent1"/>
+                </a:effectRef>
+                <a:fontRef idx="minor">
+                  <a:schemeClr val="lt1"/>
+                </a:fontRef>
+              </p:style>
+              <p:txBody>
+                <a:bodyPr rtlCol="0" anchor="ctr"/>
+                <a:lstStyle/>
+                <a:p>
+                  <a:pPr algn="ctr"/>
+                  <a:endParaRPr lang="ko-KR" altLang="en-US"/>
+                </a:p>
+              </p:txBody>
+            </p:sp>
+          </p:grpSp>
+          <p:pic>
+            <p:nvPicPr>
+              <p:cNvPr id="42" name="Picture 44"/>
+              <p:cNvPicPr>
+                <a:picLocks noChangeAspect="1" noChangeArrowheads="1"/>
+              </p:cNvPicPr>
+              <p:nvPr/>
+            </p:nvPicPr>
+            <p:blipFill>
+              <a:blip r:embed="rId3">
+                <a:extLst>
+                  <a:ext uri="{28A0092B-C50C-407E-A947-70E740481C1C}">
+                    <a14:useLocalDpi xmlns:a14="http://schemas.microsoft.com/office/drawing/2010/main" val="0"/>
+                  </a:ext>
+                </a:extLst>
+              </a:blip>
+              <a:srcRect/>
+              <a:stretch>
+                <a:fillRect/>
+              </a:stretch>
+            </p:blipFill>
+            <p:spPr bwMode="auto">
+              <a:xfrm>
+                <a:off x="5106724" y="914663"/>
+                <a:ext cx="3020249" cy="230531"/>
+              </a:xfrm>
+              <a:prstGeom prst="rect">
+                <a:avLst/>
+              </a:prstGeom>
+              <a:noFill/>
+              <a:ln>
+                <a:noFill/>
+              </a:ln>
+              <a:effectLst/>
+              <a:extLst>
+                <a:ext uri="{909E8E84-426E-40DD-AFC4-6F175D3DCCD1}">
+                  <a14:hiddenFill xmlns:a14="http://schemas.microsoft.com/office/drawing/2010/main">
+                    <a:solidFill>
+                      <a:schemeClr val="accent1"/>
+                    </a:solidFill>
+                  </a14:hiddenFill>
+                </a:ext>
+                <a:ext uri="{91240B29-F687-4F45-9708-019B960494DF}">
+                  <a14:hiddenLine xmlns:a14="http://schemas.microsoft.com/office/drawing/2010/main" w="9525">
+                    <a:solidFill>
+                      <a:schemeClr val="tx1"/>
+                    </a:solidFill>
+                    <a:miter lim="800000"/>
+                    <a:headEnd/>
+                    <a:tailEnd/>
+                  </a14:hiddenLine>
+                </a:ext>
+                <a:ext uri="{AF507438-7753-43E0-B8FC-AC1667EBCBE1}">
+                  <a14:hiddenEffects xmlns:a14="http://schemas.microsoft.com/office/drawing/2010/main">
+                    <a:effectLst>
+                      <a:outerShdw dist="35921" dir="2700000" algn="ctr" rotWithShape="0">
+                        <a:schemeClr val="bg2"/>
+                      </a:outerShdw>
+                    </a:effectLst>
+                  </a14:hiddenEffects>
+                </a:ext>
+              </a:extLst>
+            </p:spPr>
+          </p:pic>
+        </p:grpSp>
+        <p:pic>
+          <p:nvPicPr>
+            <p:cNvPr id="40" name="Picture 39" descr="C:\Users\joe\Downloads\samsung-galaxy.png"/>
+            <p:cNvPicPr>
+              <a:picLocks noChangeAspect="1" noChangeArrowheads="1"/>
+            </p:cNvPicPr>
+            <p:nvPr/>
+          </p:nvPicPr>
+          <p:blipFill rotWithShape="1">
+            <a:blip r:embed="rId4">
+              <a:extLst>
+                <a:ext uri="{28A0092B-C50C-407E-A947-70E740481C1C}">
+                  <a14:useLocalDpi xmlns:a14="http://schemas.microsoft.com/office/drawing/2010/main" val="0"/>
+                </a:ext>
+              </a:extLst>
+            </a:blip>
+            <a:srcRect l="23381" r="23040"/>
+            <a:stretch/>
+          </p:blipFill>
+          <p:spPr bwMode="auto">
+            <a:xfrm>
+              <a:off x="4870074" y="259516"/>
+              <a:ext cx="3557471" cy="6208548"/>
+            </a:xfrm>
+            <a:prstGeom prst="rect">
+              <a:avLst/>
+            </a:prstGeom>
+            <a:noFill/>
+            <a:extLst>
+              <a:ext uri="{909E8E84-426E-40DD-AFC4-6F175D3DCCD1}">
+                <a14:hiddenFill xmlns:a14="http://schemas.microsoft.com/office/drawing/2010/main">
+                  <a:solidFill>
+                    <a:srgbClr val="FFFFFF"/>
+                  </a:solidFill>
+                </a14:hiddenFill>
+              </a:ext>
+            </a:extLst>
+          </p:spPr>
+        </p:pic>
+      </p:grpSp>
+      <p:pic>
+        <p:nvPicPr>
+          <p:cNvPr id="4099" name="Picture 3"/>
+          <p:cNvPicPr>
+            <a:picLocks noChangeAspect="1" noChangeArrowheads="1"/>
+          </p:cNvPicPr>
+          <p:nvPr/>
+        </p:nvPicPr>
+        <p:blipFill>
+          <a:blip r:embed="rId5" cstate="print">
+            <a:extLst>
+              <a:ext uri="{28A0092B-C50C-407E-A947-70E740481C1C}">
+                <a14:useLocalDpi xmlns:a14="http://schemas.microsoft.com/office/drawing/2010/main" val="0"/>
+              </a:ext>
+            </a:extLst>
+          </a:blip>
+          <a:stretch>
+            <a:fillRect/>
+          </a:stretch>
+        </p:blipFill>
+        <p:spPr bwMode="auto">
+          <a:xfrm>
+            <a:off x="3114675" y="839908"/>
+            <a:ext cx="3025309" cy="5009088"/>
+          </a:xfrm>
+          <a:prstGeom prst="rect">
+            <a:avLst/>
+          </a:prstGeom>
+          <a:noFill/>
+          <a:extLst>
+            <a:ext uri="{909E8E84-426E-40DD-AFC4-6F175D3DCCD1}">
+              <a14:hiddenFill xmlns:a14="http://schemas.microsoft.com/office/drawing/2010/main">
+                <a:solidFill>
+                  <a:srgbClr val="FFFFFF"/>
+                </a:solidFill>
+              </a14:hiddenFill>
+            </a:ext>
+          </a:extLst>
+        </p:spPr>
+      </p:pic>
+    </p:spTree>
+    <p:extLst>
+      <p:ext uri="{BB962C8B-B14F-4D97-AF65-F5344CB8AC3E}">
+        <p14:creationId xmlns:p14="http://schemas.microsoft.com/office/powerpoint/2010/main" val="58639143"/>
+      </p:ext>
+    </p:extLst>
+  </p:cSld>
+  <p:clrMapOvr>
+    <a:masterClrMapping/>
+  </p:clrMapOvr>
+  <p:transition/>
+  <p:timing>
+    <p:tnLst>
+      <p:par>
+        <p:cTn id="1" dur="indefinite" restart="never" nodeType="tmRoot"/>
+      </p:par>
+    </p:tnLst>
+  </p:timing>
+</p:sld>
+</file>
+
+<file path=ppt/slides/slide2.xml><?xml version="1.0" encoding="utf-8"?>
+<p:sld xmlns:a="http://schemas.openxmlformats.org/drawingml/2006/main" xmlns:r="http://schemas.openxmlformats.org/officeDocument/2006/relationships" xmlns:p="http://schemas.openxmlformats.org/presentationml/2006/main">
+  <p:cSld>
+    <p:spTree>
+      <p:nvGrpSpPr>
+        <p:cNvPr id="1" name=""/>
+        <p:cNvGrpSpPr/>
+        <p:nvPr/>
+      </p:nvGrpSpPr>
+      <p:grpSpPr>
+        <a:xfrm>
+          <a:off x="0" y="0"/>
+          <a:ext cx="0" cy="0"/>
+          <a:chOff x="0" y="0"/>
+          <a:chExt cx="0" cy="0"/>
+        </a:xfrm>
+      </p:grpSpPr>
+      <p:sp>
+        <p:nvSpPr>
+          <p:cNvPr id="25" name="직사각형 24"/>
+          <p:cNvSpPr/>
+          <p:nvPr/>
+        </p:nvSpPr>
+        <p:spPr>
+          <a:xfrm>
+            <a:off x="98298" y="123730"/>
+            <a:ext cx="8947404" cy="6610541"/>
+          </a:xfrm>
+          <a:prstGeom prst="rect">
+            <a:avLst/>
+          </a:prstGeom>
+          <a:solidFill>
+            <a:schemeClr val="accent1">
+              <a:lumMod val="75000"/>
+            </a:schemeClr>
+          </a:solidFill>
+          <a:ln>
+            <a:noFill/>
+          </a:ln>
+          <a:effectLst>
+            <a:outerShdw blurRad="63500" dist="38100" dir="5400000" algn="t" rotWithShape="0">
+              <a:prstClr val="black">
+                <a:alpha val="17000"/>
+              </a:prstClr>
+            </a:outerShdw>
+          </a:effectLst>
+        </p:spPr>
+        <p:style>
+          <a:lnRef idx="2">
+            <a:schemeClr val="accent1">
+              <a:shade val="50000"/>
+            </a:schemeClr>
+          </a:lnRef>
+          <a:fillRef idx="1">
+            <a:schemeClr val="accent1"/>
+          </a:fillRef>
+          <a:effectRef idx="0">
+            <a:schemeClr val="accent1"/>
+          </a:effectRef>
+          <a:fontRef idx="minor">
+            <a:schemeClr val="lt1"/>
+          </a:fontRef>
+        </p:style>
+        <p:txBody>
+          <a:bodyPr anchor="ctr"/>
+          <a:lstStyle/>
+          <a:p>
+            <a:pPr algn="ctr">
+              <a:defRPr lang="ko-KR" altLang="en-US"/>
+            </a:pPr>
+            <a:endParaRPr lang="ko-KR" altLang="en-US"/>
+          </a:p>
+        </p:txBody>
+      </p:sp>
+      <p:grpSp>
+        <p:nvGrpSpPr>
+          <p:cNvPr id="30" name="그룹 29"/>
+          <p:cNvGrpSpPr/>
+          <p:nvPr/>
+        </p:nvGrpSpPr>
+        <p:grpSpPr>
+          <a:xfrm>
+            <a:off x="279372" y="662970"/>
+            <a:ext cx="3032470" cy="1569660"/>
+            <a:chOff x="5643063" y="2972758"/>
+            <a:chExt cx="4043294" cy="1569660"/>
+          </a:xfrm>
+        </p:grpSpPr>
+        <p:sp>
+          <p:nvSpPr>
+            <p:cNvPr id="26" name="TextBox 25"/>
+            <p:cNvSpPr txBox="1"/>
+            <p:nvPr/>
+          </p:nvSpPr>
+          <p:spPr>
+            <a:xfrm>
+              <a:off x="5643063" y="2972758"/>
+              <a:ext cx="595244" cy="1569660"/>
+            </a:xfrm>
+            <a:prstGeom prst="rect">
+              <a:avLst/>
+            </a:prstGeom>
+            <a:noFill/>
+          </p:spPr>
+          <p:txBody>
+            <a:bodyPr wrap="square">
+              <a:spAutoFit/>
+            </a:bodyPr>
+            <a:lstStyle/>
+            <a:p>
+              <a:pPr lvl="0">
+                <a:defRPr lang="ko-KR" altLang="en-US"/>
+              </a:pPr>
+              <a:r>
+                <a:rPr lang="en-US" altLang="ko-KR" sz="9600" dirty="0">
+                  <a:solidFill>
+                    <a:schemeClr val="accent1">
+                      <a:lumMod val="75000"/>
+                    </a:schemeClr>
+                  </a:solidFill>
+                  <a:latin typeface="Arial Unicode MS" pitchFamily="50" charset="-127"/>
+                  <a:ea typeface="Arial Unicode MS" pitchFamily="50" charset="-127"/>
+                  <a:cs typeface="Arial Unicode MS" pitchFamily="50" charset="-127"/>
+                </a:rPr>
+                <a:t>“</a:t>
+              </a:r>
+              <a:endParaRPr lang="ko-KR" altLang="en-US" sz="9600" dirty="0">
+                <a:solidFill>
+                  <a:schemeClr val="accent1">
+                    <a:lumMod val="75000"/>
+                  </a:schemeClr>
+                </a:solidFill>
+                <a:latin typeface="Arial Unicode MS" pitchFamily="50" charset="-127"/>
+                <a:ea typeface="Arial Unicode MS" pitchFamily="50" charset="-127"/>
+                <a:cs typeface="Arial Unicode MS" pitchFamily="50" charset="-127"/>
+              </a:endParaRPr>
+            </a:p>
+          </p:txBody>
+        </p:sp>
+        <p:sp>
+          <p:nvSpPr>
+            <p:cNvPr id="27" name="TextBox 26"/>
+            <p:cNvSpPr txBox="1"/>
+            <p:nvPr/>
+          </p:nvSpPr>
+          <p:spPr>
+            <a:xfrm>
+              <a:off x="6240176" y="3244334"/>
+              <a:ext cx="3446181" cy="1200329"/>
+            </a:xfrm>
+            <a:prstGeom prst="rect">
+              <a:avLst/>
+            </a:prstGeom>
+            <a:noFill/>
+          </p:spPr>
+          <p:txBody>
+            <a:bodyPr wrap="square">
+              <a:spAutoFit/>
+            </a:bodyPr>
+            <a:lstStyle/>
+            <a:p>
+              <a:pPr lvl="0">
+                <a:defRPr lang="ko-KR" altLang="en-US"/>
+              </a:pPr>
+              <a:r>
+                <a:rPr lang="en-US" altLang="ko-KR" sz="3600" b="1" dirty="0" smtClean="0">
+                  <a:ln w="9525">
+                    <a:solidFill>
+                      <a:schemeClr val="bg1">
+                        <a:alpha val="20000"/>
+                      </a:schemeClr>
+                    </a:solidFill>
+                  </a:ln>
+                  <a:solidFill>
+                    <a:schemeClr val="accent1">
+                      <a:lumMod val="75000"/>
+                    </a:schemeClr>
+                  </a:solidFill>
+                  <a:latin typeface="배달의민족 도현"/>
+                  <a:ea typeface="배달의민족 도현"/>
+                  <a:sym typeface="Webdings"/>
+                </a:rPr>
+                <a:t>E</a:t>
+              </a:r>
+              <a:r>
+                <a:rPr lang="en-US" altLang="ko-KR" sz="3200" dirty="0" smtClean="0">
+                  <a:ln w="9525">
+                    <a:solidFill>
+                      <a:schemeClr val="bg1">
+                        <a:alpha val="20000"/>
+                      </a:schemeClr>
+                    </a:solidFill>
+                  </a:ln>
+                  <a:solidFill>
+                    <a:schemeClr val="accent1">
+                      <a:lumMod val="75000"/>
+                    </a:schemeClr>
+                  </a:solidFill>
+                  <a:latin typeface="배달의민족 도현"/>
+                  <a:ea typeface="배달의민족 도현"/>
+                  <a:sym typeface="Webdings"/>
+                </a:rPr>
+                <a:t>very</a:t>
+              </a:r>
+            </a:p>
+            <a:p>
+              <a:pPr lvl="0">
+                <a:defRPr lang="ko-KR" altLang="en-US"/>
+              </a:pPr>
+              <a:r>
+                <a:rPr lang="en-US" altLang="ko-KR" sz="3200" dirty="0">
+                  <a:ln w="9525">
+                    <a:solidFill>
+                      <a:schemeClr val="bg1">
+                        <a:alpha val="20000"/>
+                      </a:schemeClr>
+                    </a:solidFill>
+                  </a:ln>
+                  <a:solidFill>
+                    <a:schemeClr val="accent1">
+                      <a:lumMod val="75000"/>
+                    </a:schemeClr>
+                  </a:solidFill>
+                  <a:latin typeface="배달의민족 도현"/>
+                  <a:ea typeface="배달의민족 도현"/>
+                  <a:sym typeface="Webdings"/>
+                </a:rPr>
+                <a:t>	</a:t>
+              </a:r>
+              <a:r>
+                <a:rPr lang="en-US" altLang="ko-KR" sz="3600" b="1" dirty="0" smtClean="0">
+                  <a:ln w="9525">
+                    <a:solidFill>
+                      <a:schemeClr val="bg1">
+                        <a:alpha val="20000"/>
+                      </a:schemeClr>
+                    </a:solidFill>
+                  </a:ln>
+                  <a:solidFill>
+                    <a:schemeClr val="accent1">
+                      <a:lumMod val="75000"/>
+                    </a:schemeClr>
+                  </a:solidFill>
+                  <a:latin typeface="배달의민족 도현"/>
+                  <a:ea typeface="배달의민족 도현"/>
+                  <a:sym typeface="Webdings"/>
+                </a:rPr>
+                <a:t>B</a:t>
+              </a:r>
+              <a:r>
+                <a:rPr lang="en-US" altLang="ko-KR" sz="3200" dirty="0" smtClean="0">
+                  <a:ln w="9525">
+                    <a:solidFill>
+                      <a:schemeClr val="bg1">
+                        <a:alpha val="20000"/>
+                      </a:schemeClr>
+                    </a:solidFill>
+                  </a:ln>
+                  <a:solidFill>
+                    <a:schemeClr val="accent1">
+                      <a:lumMod val="75000"/>
+                    </a:schemeClr>
+                  </a:solidFill>
+                  <a:latin typeface="배달의민족 도현"/>
+                  <a:ea typeface="배달의민족 도현"/>
+                  <a:sym typeface="Webdings"/>
+                </a:rPr>
+                <a:t>ody</a:t>
+              </a:r>
+              <a:endParaRPr lang="ko-KR" altLang="en-US" sz="3200" dirty="0">
+                <a:ln w="9525">
+                  <a:solidFill>
+                    <a:schemeClr val="bg1">
+                      <a:alpha val="20000"/>
+                    </a:schemeClr>
+                  </a:solidFill>
+                </a:ln>
+                <a:solidFill>
+                  <a:schemeClr val="accent1">
+                    <a:lumMod val="75000"/>
+                  </a:schemeClr>
+                </a:solidFill>
+                <a:latin typeface="배달의민족 도현"/>
+                <a:ea typeface="배달의민족 도현"/>
+              </a:endParaRPr>
+            </a:p>
+          </p:txBody>
+        </p:sp>
+      </p:grpSp>
+      <p:pic>
+        <p:nvPicPr>
+          <p:cNvPr id="29" name="그림 28"/>
+          <p:cNvPicPr>
+            <a:picLocks noChangeAspect="1"/>
+          </p:cNvPicPr>
+          <p:nvPr/>
+        </p:nvPicPr>
+        <p:blipFill rotWithShape="1">
+          <a:blip r:embed="rId2"/>
+          <a:stretch>
+            <a:fillRect/>
+          </a:stretch>
+        </p:blipFill>
+        <p:spPr>
+          <a:xfrm>
+            <a:off x="796581" y="4846199"/>
+            <a:ext cx="1153662" cy="353023"/>
+          </a:xfrm>
+          <a:prstGeom prst="rect">
+            <a:avLst/>
+          </a:prstGeom>
+        </p:spPr>
+      </p:pic>
+      <p:cxnSp>
+        <p:nvCxnSpPr>
+          <p:cNvPr id="32" name="직선 연결선 31"/>
+          <p:cNvCxnSpPr/>
+          <p:nvPr/>
+        </p:nvCxnSpPr>
+        <p:spPr>
+          <a:xfrm>
+            <a:off x="3543300" y="1000125"/>
+            <a:ext cx="0" cy="4848225"/>
+          </a:xfrm>
+          <a:prstGeom prst="line">
+            <a:avLst/>
+          </a:prstGeom>
+          <a:ln>
+            <a:solidFill>
+              <a:schemeClr val="accent1">
+                <a:lumMod val="75000"/>
+              </a:schemeClr>
+            </a:solidFill>
+          </a:ln>
+        </p:spPr>
+        <p:style>
+          <a:lnRef idx="1">
+            <a:schemeClr val="accent1"/>
+          </a:lnRef>
+          <a:fillRef idx="0">
+            <a:schemeClr val="accent1"/>
+          </a:fillRef>
+          <a:effectRef idx="0">
+            <a:schemeClr val="accent1"/>
+          </a:effectRef>
+          <a:fontRef idx="minor">
+            <a:schemeClr val="tx1"/>
+          </a:fontRef>
+        </p:style>
+      </p:cxnSp>
+      <p:grpSp>
+        <p:nvGrpSpPr>
+          <p:cNvPr id="35" name="그룹 34"/>
+          <p:cNvGrpSpPr/>
+          <p:nvPr/>
+        </p:nvGrpSpPr>
+        <p:grpSpPr>
+          <a:xfrm>
+            <a:off x="6432095" y="4094023"/>
+            <a:ext cx="2155012" cy="276999"/>
+            <a:chOff x="7959270" y="3855840"/>
+            <a:chExt cx="2873350" cy="276999"/>
+          </a:xfrm>
+        </p:grpSpPr>
+        <p:sp>
+          <p:nvSpPr>
+            <p:cNvPr id="33" name="직사각형 32"/>
+            <p:cNvSpPr/>
+            <p:nvPr/>
+          </p:nvSpPr>
+          <p:spPr>
+            <a:xfrm>
+              <a:off x="7959264" y="3855836"/>
+              <a:ext cx="430713" cy="590375"/>
+            </a:xfrm>
+            <a:prstGeom prst="rect">
+              <a:avLst/>
+            </a:prstGeom>
+          </p:spPr>
+          <p:txBody>
+            <a:bodyPr wrap="square">
+              <a:spAutoFit/>
+            </a:bodyPr>
+            <a:lstStyle/>
+            <a:p>
+              <a:pPr lvl="0">
+                <a:defRPr lang="ko-KR" altLang="en-US"/>
+              </a:pPr>
+              <a:r>
+                <a:rPr lang="en-US" altLang="ko-KR" sz="1200">
+                  <a:ln w="9525">
+                    <a:solidFill>
+                      <a:schemeClr val="tx1">
+                        <a:lumMod val="65000"/>
+                        <a:lumOff val="35000"/>
+                        <a:alpha val="20000"/>
+                      </a:schemeClr>
+                    </a:solidFill>
+                  </a:ln>
+                  <a:solidFill>
+                    <a:schemeClr val="tx1">
+                      <a:lumMod val="65000"/>
+                      <a:lumOff val="35000"/>
+                    </a:schemeClr>
+                  </a:solidFill>
+                  <a:latin typeface="KoPub돋움체 Light"/>
+                  <a:ea typeface="KoPub돋움체 Light"/>
+                </a:rPr>
+                <a:t>01 </a:t>
+              </a:r>
+              <a:r>
+                <a:rPr lang="en-US" altLang="ko-KR" sz="900">
+                  <a:ln w="9525">
+                    <a:solidFill>
+                      <a:schemeClr val="tx1">
+                        <a:lumMod val="65000"/>
+                        <a:lumOff val="35000"/>
+                        <a:alpha val="20000"/>
+                      </a:schemeClr>
+                    </a:solidFill>
+                  </a:ln>
+                  <a:solidFill>
+                    <a:schemeClr val="tx1">
+                      <a:lumMod val="65000"/>
+                      <a:lumOff val="35000"/>
+                    </a:schemeClr>
+                  </a:solidFill>
+                  <a:latin typeface="KoPub돋움체 Light"/>
+                  <a:ea typeface="KoPub돋움체 Light"/>
+                </a:rPr>
+                <a:t>/</a:t>
+              </a:r>
+              <a:endParaRPr lang="ko-KR" altLang="en-US" sz="1200">
+                <a:ln w="9525">
+                  <a:solidFill>
+                    <a:schemeClr val="tx1">
+                      <a:lumMod val="65000"/>
+                      <a:lumOff val="35000"/>
+                      <a:alpha val="20000"/>
+                    </a:schemeClr>
+                  </a:solidFill>
+                </a:ln>
+                <a:solidFill>
+                  <a:schemeClr val="tx1">
+                    <a:lumMod val="65000"/>
+                    <a:lumOff val="35000"/>
+                  </a:schemeClr>
+                </a:solidFill>
+              </a:endParaRPr>
+            </a:p>
+          </p:txBody>
+        </p:sp>
+        <p:sp>
+          <p:nvSpPr>
+            <p:cNvPr id="34" name="직사각형 33"/>
+            <p:cNvSpPr/>
+            <p:nvPr/>
+          </p:nvSpPr>
+          <p:spPr>
+            <a:xfrm>
+              <a:off x="8419650" y="3855836"/>
+              <a:ext cx="2494457" cy="447500"/>
+            </a:xfrm>
+            <a:prstGeom prst="rect">
+              <a:avLst/>
+            </a:prstGeom>
+          </p:spPr>
+          <p:txBody>
+            <a:bodyPr wrap="square">
+              <a:spAutoFit/>
+            </a:bodyPr>
+            <a:lstStyle/>
+            <a:p>
+              <a:pPr lvl="0">
+                <a:defRPr lang="ko-KR" altLang="en-US"/>
+              </a:pPr>
+              <a:r>
+                <a:rPr lang="en-US" altLang="ko-KR" sz="1200" dirty="0">
+                  <a:ln w="9525">
+                    <a:solidFill>
+                      <a:schemeClr val="tx1">
+                        <a:lumMod val="65000"/>
+                        <a:lumOff val="35000"/>
+                        <a:alpha val="20000"/>
+                      </a:schemeClr>
+                    </a:solidFill>
+                  </a:ln>
+                  <a:solidFill>
+                    <a:schemeClr val="tx1">
+                      <a:lumMod val="65000"/>
+                      <a:lumOff val="35000"/>
+                    </a:schemeClr>
+                  </a:solidFill>
+                  <a:latin typeface="KoPub돋움체 Light"/>
+                  <a:ea typeface="KoPub돋움체 Light"/>
+                </a:rPr>
+                <a:t>YPTLAB PPT TEMPLATE INDEX </a:t>
+              </a:r>
+              <a:endParaRPr lang="ko-KR" altLang="en-US" sz="1200" dirty="0">
+                <a:ln w="9525">
+                  <a:solidFill>
+                    <a:schemeClr val="tx1">
+                      <a:lumMod val="65000"/>
+                      <a:lumOff val="35000"/>
+                      <a:alpha val="20000"/>
+                    </a:schemeClr>
+                  </a:solidFill>
+                </a:ln>
+                <a:solidFill>
+                  <a:schemeClr val="tx1">
+                    <a:lumMod val="65000"/>
+                    <a:lumOff val="35000"/>
+                  </a:schemeClr>
+                </a:solidFill>
+              </a:endParaRPr>
+            </a:p>
+          </p:txBody>
+        </p:sp>
+      </p:grpSp>
+      <p:grpSp>
+        <p:nvGrpSpPr>
+          <p:cNvPr id="36" name="그룹 35"/>
+          <p:cNvGrpSpPr/>
+          <p:nvPr/>
+        </p:nvGrpSpPr>
+        <p:grpSpPr>
+          <a:xfrm>
+            <a:off x="6432095" y="4463355"/>
+            <a:ext cx="2155012" cy="276999"/>
+            <a:chOff x="7959270" y="3855840"/>
+            <a:chExt cx="2873350" cy="276999"/>
+          </a:xfrm>
+        </p:grpSpPr>
+        <p:sp>
+          <p:nvSpPr>
+            <p:cNvPr id="37" name="직사각형 36"/>
+            <p:cNvSpPr/>
+            <p:nvPr/>
+          </p:nvSpPr>
+          <p:spPr>
+            <a:xfrm>
+              <a:off x="7959264" y="3855836"/>
+              <a:ext cx="430713" cy="592518"/>
+            </a:xfrm>
+            <a:prstGeom prst="rect">
+              <a:avLst/>
+            </a:prstGeom>
+          </p:spPr>
+          <p:txBody>
+            <a:bodyPr wrap="square">
+              <a:spAutoFit/>
+            </a:bodyPr>
+            <a:lstStyle/>
+            <a:p>
+              <a:pPr lvl="0">
+                <a:defRPr lang="ko-KR" altLang="en-US"/>
+              </a:pPr>
+              <a:r>
+                <a:rPr lang="en-US" altLang="ko-KR" sz="1200">
+                  <a:ln w="9525">
+                    <a:solidFill>
+                      <a:schemeClr val="tx1">
+                        <a:lumMod val="65000"/>
+                        <a:lumOff val="35000"/>
+                        <a:alpha val="20000"/>
+                      </a:schemeClr>
+                    </a:solidFill>
+                  </a:ln>
+                  <a:solidFill>
+                    <a:schemeClr val="tx1">
+                      <a:lumMod val="65000"/>
+                      <a:lumOff val="35000"/>
+                    </a:schemeClr>
+                  </a:solidFill>
+                  <a:latin typeface="KoPub돋움체 Light"/>
+                  <a:ea typeface="KoPub돋움체 Light"/>
+                </a:rPr>
+                <a:t>02 </a:t>
+              </a:r>
+              <a:r>
+                <a:rPr lang="en-US" altLang="ko-KR" sz="900">
+                  <a:ln w="9525">
+                    <a:solidFill>
+                      <a:schemeClr val="tx1">
+                        <a:lumMod val="65000"/>
+                        <a:lumOff val="35000"/>
+                        <a:alpha val="20000"/>
+                      </a:schemeClr>
+                    </a:solidFill>
+                  </a:ln>
+                  <a:solidFill>
+                    <a:schemeClr val="tx1">
+                      <a:lumMod val="65000"/>
+                      <a:lumOff val="35000"/>
+                    </a:schemeClr>
+                  </a:solidFill>
+                  <a:latin typeface="KoPub돋움체 Light"/>
+                  <a:ea typeface="KoPub돋움체 Light"/>
+                </a:rPr>
+                <a:t>/</a:t>
+              </a:r>
+              <a:endParaRPr lang="ko-KR" altLang="en-US" sz="1200">
+                <a:ln w="9525">
+                  <a:solidFill>
+                    <a:schemeClr val="tx1">
+                      <a:lumMod val="65000"/>
+                      <a:lumOff val="35000"/>
+                      <a:alpha val="20000"/>
+                    </a:schemeClr>
+                  </a:solidFill>
+                </a:ln>
+                <a:solidFill>
+                  <a:schemeClr val="tx1">
+                    <a:lumMod val="65000"/>
+                    <a:lumOff val="35000"/>
+                  </a:schemeClr>
+                </a:solidFill>
+              </a:endParaRPr>
+            </a:p>
+          </p:txBody>
+        </p:sp>
+        <p:sp>
+          <p:nvSpPr>
+            <p:cNvPr id="38" name="직사각형 37"/>
+            <p:cNvSpPr/>
+            <p:nvPr/>
+          </p:nvSpPr>
+          <p:spPr>
+            <a:xfrm>
+              <a:off x="8419650" y="3855836"/>
+              <a:ext cx="2494457" cy="449643"/>
+            </a:xfrm>
+            <a:prstGeom prst="rect">
+              <a:avLst/>
+            </a:prstGeom>
+          </p:spPr>
+          <p:txBody>
+            <a:bodyPr wrap="square">
+              <a:spAutoFit/>
+            </a:bodyPr>
+            <a:lstStyle/>
+            <a:p>
+              <a:pPr lvl="0">
+                <a:defRPr lang="ko-KR" altLang="en-US"/>
+              </a:pPr>
+              <a:r>
+                <a:rPr lang="en-US" altLang="ko-KR" sz="1200">
+                  <a:ln w="9525">
+                    <a:solidFill>
+                      <a:schemeClr val="tx1">
+                        <a:lumMod val="65000"/>
+                        <a:lumOff val="35000"/>
+                        <a:alpha val="20000"/>
+                      </a:schemeClr>
+                    </a:solidFill>
+                  </a:ln>
+                  <a:solidFill>
+                    <a:schemeClr val="tx1">
+                      <a:lumMod val="65000"/>
+                      <a:lumOff val="35000"/>
+                    </a:schemeClr>
+                  </a:solidFill>
+                  <a:latin typeface="KoPub돋움체 Light"/>
+                  <a:ea typeface="KoPub돋움체 Light"/>
+                </a:rPr>
+                <a:t>YPTLAB PPT TEMPLATE INDEX </a:t>
+              </a:r>
+              <a:endParaRPr lang="ko-KR" altLang="en-US" sz="1200">
+                <a:ln w="9525">
+                  <a:solidFill>
+                    <a:schemeClr val="tx1">
+                      <a:lumMod val="65000"/>
+                      <a:lumOff val="35000"/>
+                      <a:alpha val="20000"/>
+                    </a:schemeClr>
+                  </a:solidFill>
+                </a:ln>
+                <a:solidFill>
+                  <a:schemeClr val="tx1">
+                    <a:lumMod val="65000"/>
+                    <a:lumOff val="35000"/>
+                  </a:schemeClr>
+                </a:solidFill>
+              </a:endParaRPr>
+            </a:p>
+          </p:txBody>
+        </p:sp>
+      </p:grpSp>
+      <p:grpSp>
+        <p:nvGrpSpPr>
+          <p:cNvPr id="39" name="그룹 38"/>
+          <p:cNvGrpSpPr/>
+          <p:nvPr/>
+        </p:nvGrpSpPr>
+        <p:grpSpPr>
+          <a:xfrm>
+            <a:off x="6432095" y="4832687"/>
+            <a:ext cx="2155012" cy="276999"/>
+            <a:chOff x="7959270" y="3855840"/>
+            <a:chExt cx="2873350" cy="276999"/>
+          </a:xfrm>
+        </p:grpSpPr>
+        <p:sp>
+          <p:nvSpPr>
+            <p:cNvPr id="40" name="직사각형 39"/>
+            <p:cNvSpPr/>
+            <p:nvPr/>
+          </p:nvSpPr>
+          <p:spPr>
+            <a:xfrm>
+              <a:off x="7959267" y="3855836"/>
+              <a:ext cx="357789" cy="451786"/>
+            </a:xfrm>
+            <a:prstGeom prst="rect">
+              <a:avLst/>
+            </a:prstGeom>
+          </p:spPr>
+          <p:txBody>
+            <a:bodyPr wrap="square">
+              <a:spAutoFit/>
+            </a:bodyPr>
+            <a:lstStyle/>
+            <a:p>
+              <a:pPr lvl="0">
+                <a:defRPr lang="ko-KR" altLang="en-US"/>
+              </a:pPr>
+              <a:r>
+                <a:rPr lang="en-US" altLang="ko-KR" sz="1200">
+                  <a:ln w="9525">
+                    <a:solidFill>
+                      <a:schemeClr val="tx1">
+                        <a:lumMod val="65000"/>
+                        <a:lumOff val="35000"/>
+                        <a:alpha val="20000"/>
+                      </a:schemeClr>
+                    </a:solidFill>
+                  </a:ln>
+                  <a:solidFill>
+                    <a:schemeClr val="tx1">
+                      <a:lumMod val="65000"/>
+                      <a:lumOff val="35000"/>
+                    </a:schemeClr>
+                  </a:solidFill>
+                  <a:latin typeface="KoPub돋움체 Light"/>
+                  <a:ea typeface="KoPub돋움체 Light"/>
+                </a:rPr>
+                <a:t>03</a:t>
+              </a:r>
+              <a:endParaRPr lang="ko-KR" altLang="en-US" sz="1200">
+                <a:ln w="9525">
+                  <a:solidFill>
+                    <a:schemeClr val="tx1">
+                      <a:lumMod val="65000"/>
+                      <a:lumOff val="35000"/>
+                      <a:alpha val="20000"/>
+                    </a:schemeClr>
+                  </a:solidFill>
+                </a:ln>
+                <a:solidFill>
+                  <a:schemeClr val="tx1">
+                    <a:lumMod val="65000"/>
+                    <a:lumOff val="35000"/>
+                  </a:schemeClr>
+                </a:solidFill>
+              </a:endParaRPr>
+            </a:p>
+          </p:txBody>
+        </p:sp>
+        <p:sp>
+          <p:nvSpPr>
+            <p:cNvPr id="41" name="직사각형 40"/>
+            <p:cNvSpPr/>
+            <p:nvPr/>
+          </p:nvSpPr>
+          <p:spPr>
+            <a:xfrm>
+              <a:off x="8419650" y="3855836"/>
+              <a:ext cx="2494457" cy="451786"/>
+            </a:xfrm>
+            <a:prstGeom prst="rect">
+              <a:avLst/>
+            </a:prstGeom>
+          </p:spPr>
+          <p:txBody>
+            <a:bodyPr wrap="square">
+              <a:spAutoFit/>
+            </a:bodyPr>
+            <a:lstStyle/>
+            <a:p>
+              <a:pPr lvl="0">
+                <a:defRPr lang="ko-KR" altLang="en-US"/>
+              </a:pPr>
+              <a:r>
+                <a:rPr lang="en-US" altLang="ko-KR" sz="1200">
+                  <a:ln w="9525">
+                    <a:solidFill>
+                      <a:schemeClr val="tx1">
+                        <a:lumMod val="65000"/>
+                        <a:lumOff val="35000"/>
+                        <a:alpha val="20000"/>
+                      </a:schemeClr>
+                    </a:solidFill>
+                  </a:ln>
+                  <a:solidFill>
+                    <a:schemeClr val="tx1">
+                      <a:lumMod val="65000"/>
+                      <a:lumOff val="35000"/>
+                    </a:schemeClr>
+                  </a:solidFill>
+                  <a:latin typeface="KoPub돋움체 Light"/>
+                  <a:ea typeface="KoPub돋움체 Light"/>
+                </a:rPr>
+                <a:t>YPTLAB PPT TEMPLATE INDEX </a:t>
+              </a:r>
+              <a:endParaRPr lang="ko-KR" altLang="en-US" sz="1200">
+                <a:ln w="9525">
+                  <a:solidFill>
+                    <a:schemeClr val="tx1">
+                      <a:lumMod val="65000"/>
+                      <a:lumOff val="35000"/>
+                      <a:alpha val="20000"/>
+                    </a:schemeClr>
+                  </a:solidFill>
+                </a:ln>
+                <a:solidFill>
+                  <a:schemeClr val="tx1">
+                    <a:lumMod val="65000"/>
+                    <a:lumOff val="35000"/>
+                  </a:schemeClr>
+                </a:solidFill>
+              </a:endParaRPr>
+            </a:p>
+          </p:txBody>
+        </p:sp>
+      </p:grpSp>
+      <p:grpSp>
+        <p:nvGrpSpPr>
+          <p:cNvPr id="42" name="그룹 41"/>
+          <p:cNvGrpSpPr/>
+          <p:nvPr/>
+        </p:nvGrpSpPr>
+        <p:grpSpPr>
+          <a:xfrm>
+            <a:off x="6432095" y="5202019"/>
+            <a:ext cx="2155012" cy="276999"/>
+            <a:chOff x="7959270" y="3855840"/>
+            <a:chExt cx="2873350" cy="276999"/>
+          </a:xfrm>
+        </p:grpSpPr>
+        <p:sp>
+          <p:nvSpPr>
+            <p:cNvPr id="43" name="직사각형 42"/>
+            <p:cNvSpPr/>
+            <p:nvPr/>
+          </p:nvSpPr>
+          <p:spPr>
+            <a:xfrm>
+              <a:off x="7959264" y="3855836"/>
+              <a:ext cx="430713" cy="587279"/>
+            </a:xfrm>
+            <a:prstGeom prst="rect">
+              <a:avLst/>
+            </a:prstGeom>
+          </p:spPr>
+          <p:txBody>
+            <a:bodyPr wrap="square">
+              <a:spAutoFit/>
+            </a:bodyPr>
+            <a:lstStyle/>
+            <a:p>
+              <a:pPr lvl="0">
+                <a:defRPr lang="ko-KR" altLang="en-US"/>
+              </a:pPr>
+              <a:r>
+                <a:rPr lang="en-US" altLang="ko-KR" sz="1200">
+                  <a:ln w="9525">
+                    <a:solidFill>
+                      <a:schemeClr val="tx1">
+                        <a:lumMod val="65000"/>
+                        <a:lumOff val="35000"/>
+                        <a:alpha val="20000"/>
+                      </a:schemeClr>
+                    </a:solidFill>
+                  </a:ln>
+                  <a:solidFill>
+                    <a:schemeClr val="tx1">
+                      <a:lumMod val="65000"/>
+                      <a:lumOff val="35000"/>
+                    </a:schemeClr>
+                  </a:solidFill>
+                  <a:latin typeface="KoPub돋움체 Light"/>
+                  <a:ea typeface="KoPub돋움체 Light"/>
+                </a:rPr>
+                <a:t>04 </a:t>
+              </a:r>
+              <a:r>
+                <a:rPr lang="en-US" altLang="ko-KR" sz="900">
+                  <a:ln w="9525">
+                    <a:solidFill>
+                      <a:schemeClr val="tx1">
+                        <a:lumMod val="65000"/>
+                        <a:lumOff val="35000"/>
+                        <a:alpha val="20000"/>
+                      </a:schemeClr>
+                    </a:solidFill>
+                  </a:ln>
+                  <a:solidFill>
+                    <a:schemeClr val="tx1">
+                      <a:lumMod val="65000"/>
+                      <a:lumOff val="35000"/>
+                    </a:schemeClr>
+                  </a:solidFill>
+                  <a:latin typeface="KoPub돋움체 Light"/>
+                  <a:ea typeface="KoPub돋움체 Light"/>
+                </a:rPr>
+                <a:t>/</a:t>
+              </a:r>
+              <a:endParaRPr lang="ko-KR" altLang="en-US" sz="1200">
+                <a:ln w="9525">
+                  <a:solidFill>
+                    <a:schemeClr val="tx1">
+                      <a:lumMod val="65000"/>
+                      <a:lumOff val="35000"/>
+                      <a:alpha val="20000"/>
+                    </a:schemeClr>
+                  </a:solidFill>
+                </a:ln>
+                <a:solidFill>
+                  <a:schemeClr val="tx1">
+                    <a:lumMod val="65000"/>
+                    <a:lumOff val="35000"/>
+                  </a:schemeClr>
+                </a:solidFill>
+              </a:endParaRPr>
+            </a:p>
+          </p:txBody>
+        </p:sp>
+        <p:sp>
+          <p:nvSpPr>
+            <p:cNvPr id="44" name="직사각형 43"/>
+            <p:cNvSpPr/>
+            <p:nvPr/>
+          </p:nvSpPr>
+          <p:spPr>
+            <a:xfrm>
+              <a:off x="8419650" y="3855836"/>
+              <a:ext cx="2494457" cy="444404"/>
+            </a:xfrm>
+            <a:prstGeom prst="rect">
+              <a:avLst/>
+            </a:prstGeom>
+          </p:spPr>
+          <p:txBody>
+            <a:bodyPr wrap="square">
+              <a:spAutoFit/>
+            </a:bodyPr>
+            <a:lstStyle/>
+            <a:p>
+              <a:pPr lvl="0">
+                <a:defRPr lang="ko-KR" altLang="en-US"/>
+              </a:pPr>
+              <a:r>
+                <a:rPr lang="en-US" altLang="ko-KR" sz="1200">
+                  <a:ln w="9525">
+                    <a:solidFill>
+                      <a:schemeClr val="tx1">
+                        <a:lumMod val="65000"/>
+                        <a:lumOff val="35000"/>
+                        <a:alpha val="20000"/>
+                      </a:schemeClr>
+                    </a:solidFill>
+                  </a:ln>
+                  <a:solidFill>
+                    <a:schemeClr val="tx1">
+                      <a:lumMod val="65000"/>
+                      <a:lumOff val="35000"/>
+                    </a:schemeClr>
+                  </a:solidFill>
+                  <a:latin typeface="KoPub돋움체 Light"/>
+                  <a:ea typeface="KoPub돋움체 Light"/>
+                </a:rPr>
+                <a:t>YPTLAB PPT TEMPLATE INDEX </a:t>
+              </a:r>
+              <a:endParaRPr lang="ko-KR" altLang="en-US" sz="1200">
+                <a:ln w="9525">
+                  <a:solidFill>
+                    <a:schemeClr val="tx1">
+                      <a:lumMod val="65000"/>
+                      <a:lumOff val="35000"/>
+                      <a:alpha val="20000"/>
+                    </a:schemeClr>
+                  </a:solidFill>
+                </a:ln>
+                <a:solidFill>
+                  <a:schemeClr val="tx1">
+                    <a:lumMod val="65000"/>
+                    <a:lumOff val="35000"/>
+                  </a:schemeClr>
+                </a:solidFill>
+              </a:endParaRPr>
+            </a:p>
+          </p:txBody>
+        </p:sp>
+      </p:grpSp>
+      <p:grpSp>
+        <p:nvGrpSpPr>
+          <p:cNvPr id="45" name="그룹 44"/>
+          <p:cNvGrpSpPr/>
+          <p:nvPr/>
+        </p:nvGrpSpPr>
+        <p:grpSpPr>
+          <a:xfrm>
+            <a:off x="6432095" y="5571351"/>
+            <a:ext cx="2155012" cy="276999"/>
+            <a:chOff x="7959270" y="3855840"/>
+            <a:chExt cx="2873350" cy="276999"/>
+          </a:xfrm>
+        </p:grpSpPr>
+        <p:sp>
+          <p:nvSpPr>
+            <p:cNvPr id="46" name="직사각형 45"/>
+            <p:cNvSpPr/>
+            <p:nvPr/>
+          </p:nvSpPr>
+          <p:spPr>
+            <a:xfrm>
+              <a:off x="7959264" y="3855836"/>
+              <a:ext cx="430713" cy="589422"/>
+            </a:xfrm>
+            <a:prstGeom prst="rect">
+              <a:avLst/>
+            </a:prstGeom>
+          </p:spPr>
+          <p:txBody>
+            <a:bodyPr wrap="square">
+              <a:spAutoFit/>
+            </a:bodyPr>
+            <a:lstStyle/>
+            <a:p>
+              <a:pPr lvl="0">
+                <a:defRPr lang="ko-KR" altLang="en-US"/>
+              </a:pPr>
+              <a:r>
+                <a:rPr lang="en-US" altLang="ko-KR" sz="1200">
+                  <a:ln w="9525">
+                    <a:solidFill>
+                      <a:schemeClr val="tx1">
+                        <a:lumMod val="65000"/>
+                        <a:lumOff val="35000"/>
+                        <a:alpha val="20000"/>
+                      </a:schemeClr>
+                    </a:solidFill>
+                  </a:ln>
+                  <a:solidFill>
+                    <a:schemeClr val="tx1">
+                      <a:lumMod val="65000"/>
+                      <a:lumOff val="35000"/>
+                    </a:schemeClr>
+                  </a:solidFill>
+                  <a:latin typeface="KoPub돋움체 Light"/>
+                  <a:ea typeface="KoPub돋움체 Light"/>
+                </a:rPr>
+                <a:t>05 </a:t>
+              </a:r>
+              <a:r>
+                <a:rPr lang="en-US" altLang="ko-KR" sz="900">
+                  <a:ln w="9525">
+                    <a:solidFill>
+                      <a:schemeClr val="tx1">
+                        <a:lumMod val="65000"/>
+                        <a:lumOff val="35000"/>
+                        <a:alpha val="20000"/>
+                      </a:schemeClr>
+                    </a:solidFill>
+                  </a:ln>
+                  <a:solidFill>
+                    <a:schemeClr val="tx1">
+                      <a:lumMod val="65000"/>
+                      <a:lumOff val="35000"/>
+                    </a:schemeClr>
+                  </a:solidFill>
+                  <a:latin typeface="KoPub돋움체 Light"/>
+                  <a:ea typeface="KoPub돋움체 Light"/>
+                </a:rPr>
+                <a:t>/</a:t>
+              </a:r>
+              <a:endParaRPr lang="ko-KR" altLang="en-US" sz="1200">
+                <a:ln w="9525">
+                  <a:solidFill>
+                    <a:schemeClr val="tx1">
+                      <a:lumMod val="65000"/>
+                      <a:lumOff val="35000"/>
+                      <a:alpha val="20000"/>
+                    </a:schemeClr>
+                  </a:solidFill>
+                </a:ln>
+                <a:solidFill>
+                  <a:schemeClr val="tx1">
+                    <a:lumMod val="65000"/>
+                    <a:lumOff val="35000"/>
+                  </a:schemeClr>
+                </a:solidFill>
+              </a:endParaRPr>
+            </a:p>
+          </p:txBody>
+        </p:sp>
+        <p:sp>
+          <p:nvSpPr>
+            <p:cNvPr id="47" name="직사각형 46"/>
+            <p:cNvSpPr/>
+            <p:nvPr/>
+          </p:nvSpPr>
+          <p:spPr>
+            <a:xfrm>
+              <a:off x="8419650" y="3855836"/>
+              <a:ext cx="2494457" cy="446547"/>
+            </a:xfrm>
+            <a:prstGeom prst="rect">
+              <a:avLst/>
+            </a:prstGeom>
+          </p:spPr>
+          <p:txBody>
+            <a:bodyPr wrap="square">
+              <a:spAutoFit/>
+            </a:bodyPr>
+            <a:lstStyle/>
+            <a:p>
+              <a:pPr lvl="0">
+                <a:defRPr lang="ko-KR" altLang="en-US"/>
+              </a:pPr>
+              <a:r>
+                <a:rPr lang="en-US" altLang="ko-KR" sz="1200">
+                  <a:ln w="9525">
+                    <a:solidFill>
+                      <a:schemeClr val="tx1">
+                        <a:lumMod val="65000"/>
+                        <a:lumOff val="35000"/>
+                        <a:alpha val="20000"/>
+                      </a:schemeClr>
+                    </a:solidFill>
+                  </a:ln>
+                  <a:solidFill>
+                    <a:schemeClr val="tx1">
+                      <a:lumMod val="65000"/>
+                      <a:lumOff val="35000"/>
+                    </a:schemeClr>
+                  </a:solidFill>
+                  <a:latin typeface="KoPub돋움체 Light"/>
+                  <a:ea typeface="KoPub돋움체 Light"/>
+                </a:rPr>
+                <a:t>YPTLAB PPT TEMPLATE INDEX </a:t>
+              </a:r>
+              <a:endParaRPr lang="ko-KR" altLang="en-US" sz="1200">
+                <a:ln w="9525">
+                  <a:solidFill>
+                    <a:schemeClr val="tx1">
+                      <a:lumMod val="65000"/>
+                      <a:lumOff val="35000"/>
+                      <a:alpha val="20000"/>
+                    </a:schemeClr>
+                  </a:solidFill>
+                </a:ln>
+                <a:solidFill>
+                  <a:schemeClr val="tx1">
+                    <a:lumMod val="65000"/>
+                    <a:lumOff val="35000"/>
+                  </a:schemeClr>
+                </a:solidFill>
+              </a:endParaRPr>
+            </a:p>
+          </p:txBody>
+        </p:sp>
+      </p:grpSp>
+      <p:sp>
+        <p:nvSpPr>
+          <p:cNvPr id="50" name="직사각형 49"/>
+          <p:cNvSpPr/>
+          <p:nvPr/>
+        </p:nvSpPr>
+        <p:spPr>
+          <a:xfrm>
+            <a:off x="6777382" y="3396958"/>
+            <a:ext cx="1935136" cy="820712"/>
+          </a:xfrm>
+          <a:prstGeom prst="rect">
+            <a:avLst/>
+          </a:prstGeom>
+        </p:spPr>
+        <p:txBody>
+          <a:bodyPr wrap="square">
+            <a:spAutoFit/>
+          </a:bodyPr>
+          <a:lstStyle/>
+          <a:p>
+            <a:pPr lvl="0">
+              <a:defRPr lang="ko-KR" altLang="en-US"/>
+            </a:pPr>
+            <a:r>
+              <a:rPr lang="ko-KR" altLang="en-US" sz="1200" dirty="0">
+                <a:ln w="9525">
+                  <a:solidFill>
+                    <a:schemeClr val="tx1">
+                      <a:lumMod val="65000"/>
+                      <a:lumOff val="35000"/>
+                      <a:alpha val="20000"/>
+                    </a:schemeClr>
+                  </a:solidFill>
+                </a:ln>
+                <a:solidFill>
+                  <a:schemeClr val="tx1">
+                    <a:lumMod val="65000"/>
+                    <a:lumOff val="35000"/>
+                  </a:schemeClr>
+                </a:solidFill>
+                <a:latin typeface="KoPub돋움체 Light"/>
+                <a:ea typeface="KoPub돋움체 Light"/>
+              </a:rPr>
+              <a:t>간단한 소개 및 키워드를 적어주세요</a:t>
+            </a:r>
+          </a:p>
+          <a:p>
+            <a:pPr lvl="0">
+              <a:defRPr lang="ko-KR" altLang="en-US"/>
+            </a:pPr>
+            <a:r>
+              <a:rPr lang="ko-KR" altLang="en-US" sz="1200" dirty="0">
+                <a:ln w="9525">
+                  <a:solidFill>
+                    <a:schemeClr val="tx1">
+                      <a:lumMod val="65000"/>
+                      <a:lumOff val="35000"/>
+                      <a:alpha val="20000"/>
+                    </a:schemeClr>
+                  </a:solidFill>
+                </a:ln>
+                <a:solidFill>
+                  <a:schemeClr val="tx1">
+                    <a:lumMod val="65000"/>
+                    <a:lumOff val="35000"/>
+                  </a:schemeClr>
+                </a:solidFill>
+                <a:latin typeface="KoPub돋움체 Light"/>
+                <a:ea typeface="KoPub돋움체 Light"/>
+              </a:rPr>
+              <a:t>두 줄 정도로 적어주시면 됩니다</a:t>
+            </a:r>
+            <a:endParaRPr lang="ko-KR" altLang="en-US" sz="1200" dirty="0">
+              <a:ln w="9525">
+                <a:solidFill>
+                  <a:schemeClr val="tx1">
+                    <a:lumMod val="65000"/>
+                    <a:lumOff val="35000"/>
+                    <a:alpha val="20000"/>
+                  </a:schemeClr>
+                </a:solidFill>
+              </a:ln>
+              <a:solidFill>
+                <a:schemeClr val="tx1">
+                  <a:lumMod val="65000"/>
+                  <a:lumOff val="35000"/>
+                </a:schemeClr>
+              </a:solidFill>
+            </a:endParaRPr>
+          </a:p>
+        </p:txBody>
+      </p:sp>
+      <p:pic>
+        <p:nvPicPr>
+          <p:cNvPr id="52" name="그림 51"/>
+          <p:cNvPicPr>
+            <a:picLocks noChangeAspect="1"/>
+          </p:cNvPicPr>
+          <p:nvPr/>
+        </p:nvPicPr>
+        <p:blipFill rotWithShape="1">
+          <a:blip r:embed="rId3"/>
+          <a:stretch>
+            <a:fillRect/>
+          </a:stretch>
+        </p:blipFill>
+        <p:spPr>
+          <a:xfrm>
+            <a:off x="6456642" y="3491246"/>
+            <a:ext cx="287982" cy="282223"/>
+          </a:xfrm>
+          <a:prstGeom prst="rect">
+            <a:avLst/>
+          </a:prstGeom>
+        </p:spPr>
+      </p:pic>
+      <p:cxnSp>
+        <p:nvCxnSpPr>
+          <p:cNvPr id="54" name="직선 연결선 53"/>
+          <p:cNvCxnSpPr/>
+          <p:nvPr/>
+        </p:nvCxnSpPr>
+        <p:spPr>
+          <a:xfrm rot="3600000" flipH="1">
+            <a:off x="826873" y="5247006"/>
+            <a:ext cx="100553" cy="133086"/>
+          </a:xfrm>
+          <a:prstGeom prst="line">
+            <a:avLst/>
+          </a:prstGeom>
+          <a:ln w="38100">
+            <a:solidFill>
+              <a:schemeClr val="tx1">
+                <a:lumMod val="65000"/>
+                <a:lumOff val="35000"/>
+              </a:schemeClr>
+            </a:solidFill>
+          </a:ln>
+        </p:spPr>
+        <p:style>
+          <a:lnRef idx="1">
+            <a:schemeClr val="accent1"/>
+          </a:lnRef>
+          <a:fillRef idx="0">
+            <a:schemeClr val="accent1"/>
+          </a:fillRef>
+          <a:effectRef idx="0">
+            <a:schemeClr val="accent1"/>
+          </a:effectRef>
+          <a:fontRef idx="minor">
+            <a:schemeClr val="tx1"/>
+          </a:fontRef>
+        </p:style>
+      </p:cxnSp>
+      <p:sp>
+        <p:nvSpPr>
+          <p:cNvPr id="55" name="직사각형 54"/>
+          <p:cNvSpPr/>
+          <p:nvPr/>
+        </p:nvSpPr>
+        <p:spPr>
+          <a:xfrm>
+            <a:off x="744875" y="2122762"/>
+            <a:ext cx="1548268" cy="461665"/>
+          </a:xfrm>
+          <a:prstGeom prst="rect">
+            <a:avLst/>
+          </a:prstGeom>
+        </p:spPr>
+        <p:txBody>
+          <a:bodyPr wrap="square">
+            <a:spAutoFit/>
+          </a:bodyPr>
+          <a:lstStyle/>
+          <a:p>
+            <a:pPr lvl="0">
+              <a:defRPr lang="ko-KR" altLang="en-US"/>
+            </a:pPr>
+            <a:r>
+              <a:rPr lang="en-US" altLang="ko-KR" sz="1200" dirty="0">
+                <a:ln w="9525">
+                  <a:solidFill>
+                    <a:srgbClr val="EFB3CA">
+                      <a:alpha val="20000"/>
+                    </a:srgbClr>
+                  </a:solidFill>
+                </a:ln>
+                <a:solidFill>
+                  <a:schemeClr val="accent1">
+                    <a:lumMod val="75000"/>
+                  </a:schemeClr>
+                </a:solidFill>
+                <a:latin typeface="KoPub돋움체 Bold"/>
+                <a:ea typeface="KoPub돋움체 Bold"/>
+              </a:rPr>
+              <a:t>POWERPOINT</a:t>
+            </a:r>
+            <a:r>
+              <a:rPr lang="ko-KR" altLang="en-US" sz="1200" dirty="0">
+                <a:ln w="9525">
+                  <a:solidFill>
+                    <a:srgbClr val="EFB3CA">
+                      <a:alpha val="20000"/>
+                    </a:srgbClr>
+                  </a:solidFill>
+                </a:ln>
+                <a:solidFill>
+                  <a:schemeClr val="accent1">
+                    <a:lumMod val="75000"/>
+                  </a:schemeClr>
+                </a:solidFill>
+                <a:latin typeface="KoPub돋움체 Light"/>
+                <a:ea typeface="KoPub돋움체 Light"/>
+              </a:rPr>
+              <a:t> </a:t>
+            </a:r>
+            <a:r>
+              <a:rPr lang="en-US" altLang="ko-KR" sz="1200" dirty="0">
+                <a:ln w="9525">
+                  <a:solidFill>
+                    <a:srgbClr val="EFB3CA">
+                      <a:alpha val="20000"/>
+                    </a:srgbClr>
+                  </a:solidFill>
+                </a:ln>
+                <a:solidFill>
+                  <a:schemeClr val="accent1">
+                    <a:lumMod val="75000"/>
+                  </a:schemeClr>
+                </a:solidFill>
+                <a:latin typeface="KoPub돋움체 Light"/>
+                <a:ea typeface="KoPub돋움체 Light"/>
+              </a:rPr>
+              <a:t>TEMPLATE</a:t>
+            </a:r>
+            <a:endParaRPr lang="ko-KR" altLang="en-US" sz="1200" dirty="0">
+              <a:solidFill>
+                <a:schemeClr val="accent1">
+                  <a:lumMod val="75000"/>
+                </a:schemeClr>
+              </a:solidFill>
+            </a:endParaRPr>
+          </a:p>
+        </p:txBody>
+      </p:sp>
+      <p:sp>
+        <p:nvSpPr>
+          <p:cNvPr id="59" name="직사각형 58"/>
+          <p:cNvSpPr/>
+          <p:nvPr/>
+        </p:nvSpPr>
+        <p:spPr>
+          <a:xfrm>
+            <a:off x="727730" y="5401455"/>
+            <a:ext cx="1776868" cy="444990"/>
+          </a:xfrm>
+          <a:prstGeom prst="rect">
+            <a:avLst/>
+          </a:prstGeom>
+        </p:spPr>
+        <p:txBody>
+          <a:bodyPr wrap="square">
+            <a:spAutoFit/>
+          </a:bodyPr>
+          <a:lstStyle/>
+          <a:p>
+            <a:pPr lvl="0">
+              <a:defRPr lang="ko-KR" altLang="en-US"/>
+            </a:pPr>
+            <a:r>
+              <a:rPr lang="ko-KR" altLang="en-US" sz="1200" dirty="0" err="1">
+                <a:ln w="9525">
+                  <a:solidFill>
+                    <a:schemeClr val="tx1">
+                      <a:lumMod val="65000"/>
+                      <a:lumOff val="35000"/>
+                      <a:alpha val="20000"/>
+                    </a:schemeClr>
+                  </a:solidFill>
+                </a:ln>
+                <a:solidFill>
+                  <a:schemeClr val="tx1">
+                    <a:lumMod val="65000"/>
+                    <a:lumOff val="35000"/>
+                  </a:schemeClr>
+                </a:solidFill>
+                <a:latin typeface="KoPub돋움체 Bold"/>
+                <a:ea typeface="KoPub돋움체 Bold"/>
+              </a:rPr>
+              <a:t>윤피티연구소</a:t>
+            </a:r>
+            <a:r>
+              <a:rPr lang="en-US" altLang="ko-KR" sz="1200" dirty="0">
+                <a:ln w="9525">
+                  <a:solidFill>
+                    <a:schemeClr val="tx1">
+                      <a:lumMod val="65000"/>
+                      <a:lumOff val="35000"/>
+                      <a:alpha val="20000"/>
+                    </a:schemeClr>
+                  </a:solidFill>
+                </a:ln>
+                <a:solidFill>
+                  <a:schemeClr val="tx1">
+                    <a:lumMod val="65000"/>
+                    <a:lumOff val="35000"/>
+                  </a:schemeClr>
+                </a:solidFill>
+                <a:latin typeface="KoPub돋움체 Bold"/>
+                <a:ea typeface="KoPub돋움체 Bold"/>
+              </a:rPr>
+              <a:t>(YPTLAB)</a:t>
+            </a:r>
+            <a:r>
+              <a:rPr lang="ko-KR" altLang="en-US" sz="1200" dirty="0">
+                <a:ln w="9525">
+                  <a:solidFill>
+                    <a:schemeClr val="tx1">
+                      <a:lumMod val="65000"/>
+                      <a:lumOff val="35000"/>
+                      <a:alpha val="20000"/>
+                    </a:schemeClr>
+                  </a:solidFill>
+                </a:ln>
+                <a:solidFill>
+                  <a:schemeClr val="tx1">
+                    <a:lumMod val="65000"/>
+                    <a:lumOff val="35000"/>
+                  </a:schemeClr>
+                </a:solidFill>
+                <a:latin typeface="KoPub돋움체 Bold"/>
+                <a:ea typeface="KoPub돋움체 Bold"/>
+              </a:rPr>
+              <a:t> </a:t>
+            </a:r>
+            <a:r>
+              <a:rPr lang="en-US" altLang="ko-KR" sz="1200" dirty="0">
+                <a:ln w="9525">
+                  <a:solidFill>
+                    <a:schemeClr val="tx1">
+                      <a:lumMod val="65000"/>
+                      <a:lumOff val="35000"/>
+                      <a:alpha val="20000"/>
+                    </a:schemeClr>
+                  </a:solidFill>
+                </a:ln>
+                <a:solidFill>
+                  <a:schemeClr val="tx1">
+                    <a:lumMod val="65000"/>
+                    <a:lumOff val="35000"/>
+                  </a:schemeClr>
+                </a:solidFill>
+                <a:latin typeface="KoPub돋움체 Light"/>
+                <a:ea typeface="KoPub돋움체 Light"/>
+              </a:rPr>
+              <a:t>_</a:t>
+            </a:r>
+            <a:r>
+              <a:rPr lang="ko-KR" altLang="en-US" sz="1200" dirty="0">
+                <a:ln w="9525">
+                  <a:solidFill>
+                    <a:schemeClr val="tx1">
+                      <a:lumMod val="65000"/>
+                      <a:lumOff val="35000"/>
+                      <a:alpha val="20000"/>
+                    </a:schemeClr>
+                  </a:solidFill>
+                </a:ln>
+                <a:solidFill>
+                  <a:schemeClr val="tx1">
+                    <a:lumMod val="65000"/>
+                    <a:lumOff val="35000"/>
+                  </a:schemeClr>
+                </a:solidFill>
+                <a:latin typeface="KoPub돋움체 Light"/>
+                <a:ea typeface="KoPub돋움체 Light"/>
+              </a:rPr>
+              <a:t> </a:t>
+            </a:r>
+            <a:r>
+              <a:rPr lang="ko-KR" altLang="en-US" sz="1200" dirty="0" err="1">
+                <a:ln w="9525">
+                  <a:solidFill>
+                    <a:schemeClr val="tx1">
+                      <a:lumMod val="65000"/>
+                      <a:lumOff val="35000"/>
+                      <a:alpha val="20000"/>
+                    </a:schemeClr>
+                  </a:solidFill>
+                </a:ln>
+                <a:solidFill>
+                  <a:schemeClr val="tx1">
+                    <a:lumMod val="65000"/>
+                    <a:lumOff val="35000"/>
+                  </a:schemeClr>
+                </a:solidFill>
+                <a:latin typeface="KoPub돋움체 Light"/>
+                <a:ea typeface="KoPub돋움체 Light"/>
+              </a:rPr>
+              <a:t>윤피티</a:t>
+            </a:r>
+            <a:endParaRPr lang="ko-KR" altLang="en-US" sz="1200" dirty="0">
+              <a:ln w="9525">
+                <a:solidFill>
+                  <a:schemeClr val="tx1">
+                    <a:lumMod val="65000"/>
+                    <a:lumOff val="35000"/>
+                    <a:alpha val="20000"/>
+                  </a:schemeClr>
+                </a:solidFill>
+              </a:ln>
+              <a:solidFill>
+                <a:schemeClr val="tx1">
+                  <a:lumMod val="65000"/>
+                  <a:lumOff val="35000"/>
+                </a:schemeClr>
+              </a:solidFill>
+              <a:latin typeface="KoPub돋움체 Light"/>
+              <a:ea typeface="KoPub돋움체 Light"/>
+            </a:endParaRPr>
+          </a:p>
+        </p:txBody>
+      </p:sp>
+      <p:sp>
+        <p:nvSpPr>
+          <p:cNvPr id="60" name="직사각형 59"/>
+          <p:cNvSpPr/>
+          <p:nvPr/>
+        </p:nvSpPr>
+        <p:spPr>
+          <a:xfrm>
+            <a:off x="744875" y="5648503"/>
+            <a:ext cx="2231211" cy="407492"/>
+          </a:xfrm>
+          <a:prstGeom prst="rect">
+            <a:avLst/>
+          </a:prstGeom>
+        </p:spPr>
+        <p:txBody>
+          <a:bodyPr wrap="square">
+            <a:spAutoFit/>
+          </a:bodyPr>
+          <a:lstStyle/>
+          <a:p>
+            <a:pPr lvl="0">
+              <a:defRPr lang="ko-KR" altLang="en-US"/>
+            </a:pPr>
+            <a:r>
+              <a:rPr lang="en-US" altLang="ko-KR" sz="1050">
+                <a:ln w="9525">
+                  <a:solidFill>
+                    <a:schemeClr val="tx1">
+                      <a:lumMod val="65000"/>
+                      <a:lumOff val="35000"/>
+                      <a:alpha val="20000"/>
+                    </a:schemeClr>
+                  </a:solidFill>
+                </a:ln>
+                <a:solidFill>
+                  <a:schemeClr val="tx1">
+                    <a:lumMod val="65000"/>
+                    <a:lumOff val="35000"/>
+                  </a:schemeClr>
+                </a:solidFill>
+                <a:latin typeface="KoPub돋움체 Bold"/>
+                <a:ea typeface="KoPub돋움체 Bold"/>
+              </a:rPr>
+              <a:t>T. </a:t>
+            </a:r>
+            <a:r>
+              <a:rPr lang="en-US" altLang="ko-KR" sz="1050">
+                <a:ln w="9525">
+                  <a:solidFill>
+                    <a:schemeClr val="tx1">
+                      <a:lumMod val="65000"/>
+                      <a:lumOff val="35000"/>
+                      <a:alpha val="20000"/>
+                    </a:schemeClr>
+                  </a:solidFill>
+                </a:ln>
+                <a:solidFill>
+                  <a:schemeClr val="tx1">
+                    <a:lumMod val="65000"/>
+                    <a:lumOff val="35000"/>
+                  </a:schemeClr>
+                </a:solidFill>
+                <a:latin typeface="KoPub돋움체 Light"/>
+                <a:ea typeface="KoPub돋움체 Light"/>
+              </a:rPr>
+              <a:t>010 – 0000 – 0000</a:t>
+            </a:r>
+            <a:r>
+              <a:rPr lang="en-US" altLang="ko-KR" sz="1050">
+                <a:ln w="9525">
+                  <a:solidFill>
+                    <a:schemeClr val="tx1">
+                      <a:lumMod val="65000"/>
+                      <a:lumOff val="35000"/>
+                      <a:alpha val="20000"/>
+                    </a:schemeClr>
+                  </a:solidFill>
+                </a:ln>
+                <a:solidFill>
+                  <a:schemeClr val="tx1">
+                    <a:lumMod val="65000"/>
+                    <a:lumOff val="35000"/>
+                  </a:schemeClr>
+                </a:solidFill>
+                <a:latin typeface="KoPub돋움체 Bold"/>
+                <a:ea typeface="KoPub돋움체 Bold"/>
+              </a:rPr>
+              <a:t>   |  E. </a:t>
+            </a:r>
+            <a:r>
+              <a:rPr lang="en-US" altLang="ko-KR" sz="1050">
+                <a:ln w="9525">
+                  <a:solidFill>
+                    <a:schemeClr val="tx1">
+                      <a:lumMod val="65000"/>
+                      <a:lumOff val="35000"/>
+                      <a:alpha val="20000"/>
+                    </a:schemeClr>
+                  </a:solidFill>
+                </a:ln>
+                <a:solidFill>
+                  <a:schemeClr val="tx1">
+                    <a:lumMod val="65000"/>
+                    <a:lumOff val="35000"/>
+                  </a:schemeClr>
+                </a:solidFill>
+                <a:latin typeface="KoPub돋움체 Light"/>
+                <a:ea typeface="KoPub돋움체 Light"/>
+              </a:rPr>
+              <a:t>E-mail@naver.com</a:t>
+            </a:r>
+            <a:endParaRPr lang="ko-KR" altLang="en-US" sz="1050">
+              <a:ln w="9525">
+                <a:solidFill>
+                  <a:schemeClr val="tx1">
+                    <a:lumMod val="65000"/>
+                    <a:lumOff val="35000"/>
+                    <a:alpha val="20000"/>
+                  </a:schemeClr>
+                </a:solidFill>
+              </a:ln>
+              <a:solidFill>
+                <a:schemeClr val="tx1">
+                  <a:lumMod val="65000"/>
+                  <a:lumOff val="35000"/>
+                </a:schemeClr>
+              </a:solidFill>
+              <a:latin typeface="KoPub돋움체 Light"/>
+              <a:ea typeface="KoPub돋움체 Light"/>
+            </a:endParaRPr>
+          </a:p>
+        </p:txBody>
+      </p:sp>
+    </p:spTree>
+  </p:cSld>
+  <p:clrMapOvr>
+    <a:masterClrMapping/>
+  </p:clrMapOvr>
+  <p:transition spd="slow">
+    <p:push dir="u"/>
+  </p:transition>
+  <p:timing>
+    <p:tnLst>
+      <p:par>
+        <p:cTn id="1" dur="indefinite" restart="never" nodeType="tmRoot"/>
+      </p:par>
+    </p:tnLst>
+  </p:timing>
+</p:sld>
+</file>
+
+<file path=ppt/slides/slide20.xml><?xml version="1.0" encoding="utf-8"?>
+<p:sld xmlns:a="http://schemas.openxmlformats.org/drawingml/2006/main" xmlns:r="http://schemas.openxmlformats.org/officeDocument/2006/relationships" xmlns:p="http://schemas.openxmlformats.org/presentationml/2006/main">
+  <p:cSld>
+    <p:spTree>
+      <p:nvGrpSpPr>
+        <p:cNvPr id="1" name=""/>
+        <p:cNvGrpSpPr/>
+        <p:nvPr/>
+      </p:nvGrpSpPr>
+      <p:grpSpPr>
+        <a:xfrm>
+          <a:off x="0" y="0"/>
+          <a:ext cx="0" cy="0"/>
+          <a:chOff x="0" y="0"/>
+          <a:chExt cx="0" cy="0"/>
+        </a:xfrm>
+      </p:grpSpPr>
+      <p:sp>
+        <p:nvSpPr>
+          <p:cNvPr id="25" name="직사각형 24"/>
+          <p:cNvSpPr/>
+          <p:nvPr/>
+        </p:nvSpPr>
+        <p:spPr>
+          <a:xfrm>
+            <a:off x="168275" y="160337"/>
+            <a:ext cx="9687180" cy="6610541"/>
+          </a:xfrm>
+          <a:prstGeom prst="rect">
+            <a:avLst/>
+          </a:prstGeom>
+          <a:solidFill>
+            <a:schemeClr val="accent1">
+              <a:lumMod val="75000"/>
+            </a:schemeClr>
+          </a:solidFill>
+          <a:ln w="38100">
+            <a:solidFill>
+              <a:schemeClr val="tx1"/>
+            </a:solidFill>
+          </a:ln>
+          <a:effectLst>
+            <a:outerShdw blurRad="63500" dist="38100" dir="5400000" algn="t" rotWithShape="0">
+              <a:prstClr val="black">
+                <a:alpha val="17000"/>
+              </a:prstClr>
+            </a:outerShdw>
+          </a:effectLst>
+        </p:spPr>
+        <p:style>
+          <a:lnRef idx="2">
+            <a:schemeClr val="accent1">
+              <a:shade val="50000"/>
+            </a:schemeClr>
+          </a:lnRef>
+          <a:fillRef idx="1">
+            <a:schemeClr val="accent1"/>
+          </a:fillRef>
+          <a:effectRef idx="0">
+            <a:schemeClr val="accent1"/>
+          </a:effectRef>
+          <a:fontRef idx="minor">
+            <a:schemeClr val="lt1"/>
+          </a:fontRef>
+        </p:style>
+        <p:txBody>
+          <a:bodyPr anchor="ctr"/>
+          <a:lstStyle/>
+          <a:p>
+            <a:pPr algn="ctr">
+              <a:defRPr lang="ko-KR" altLang="en-US"/>
+            </a:pPr>
+            <a:endParaRPr lang="ko-KR" altLang="en-US"/>
+          </a:p>
+        </p:txBody>
+      </p:sp>
+      <p:sp>
+        <p:nvSpPr>
+          <p:cNvPr id="4" name="AutoShape 12" descr="Cover art"/>
+          <p:cNvSpPr>
+            <a:spLocks noChangeAspect="1" noChangeArrowheads="1"/>
+          </p:cNvSpPr>
+          <p:nvPr/>
+        </p:nvSpPr>
+        <p:spPr bwMode="auto">
+          <a:xfrm>
+            <a:off x="168275" y="-144463"/>
+            <a:ext cx="304800" cy="304801"/>
+          </a:xfrm>
+          <a:prstGeom prst="rect">
+            <a:avLst/>
+          </a:prstGeom>
+          <a:noFill/>
+          <a:extLst>
+            <a:ext uri="{909E8E84-426E-40DD-AFC4-6F175D3DCCD1}">
+              <a14:hiddenFill xmlns:a14="http://schemas.microsoft.com/office/drawing/2010/main">
+                <a:solidFill>
+                  <a:srgbClr val="FFFFFF"/>
+                </a:solidFill>
+              </a14:hiddenFill>
+            </a:ext>
+          </a:extLst>
+        </p:spPr>
+        <p:txBody>
+          <a:bodyPr vert="horz" wrap="square" lIns="91440" tIns="45720" rIns="91440" bIns="45720" numCol="1" anchor="t" anchorCtr="0" compatLnSpc="1">
+            <a:prstTxWarp prst="textNoShape">
+              <a:avLst/>
+            </a:prstTxWarp>
+          </a:bodyPr>
+          <a:lstStyle/>
+          <a:p>
+            <a:endParaRPr lang="ko-KR" altLang="en-US"/>
+          </a:p>
+        </p:txBody>
+      </p:sp>
+      <p:sp>
+        <p:nvSpPr>
+          <p:cNvPr id="5" name="AutoShape 14" descr="Cover art"/>
+          <p:cNvSpPr>
+            <a:spLocks noChangeAspect="1" noChangeArrowheads="1"/>
+          </p:cNvSpPr>
+          <p:nvPr/>
+        </p:nvSpPr>
+        <p:spPr bwMode="auto">
+          <a:xfrm>
+            <a:off x="320675" y="7937"/>
+            <a:ext cx="304800" cy="304801"/>
+          </a:xfrm>
+          <a:prstGeom prst="rect">
+            <a:avLst/>
+          </a:prstGeom>
+          <a:noFill/>
+          <a:extLst>
+            <a:ext uri="{909E8E84-426E-40DD-AFC4-6F175D3DCCD1}">
+              <a14:hiddenFill xmlns:a14="http://schemas.microsoft.com/office/drawing/2010/main">
+                <a:solidFill>
+                  <a:srgbClr val="FFFFFF"/>
+                </a:solidFill>
+              </a14:hiddenFill>
+            </a:ext>
+          </a:extLst>
+        </p:spPr>
+        <p:txBody>
+          <a:bodyPr vert="horz" wrap="square" lIns="91440" tIns="45720" rIns="91440" bIns="45720" numCol="1" anchor="t" anchorCtr="0" compatLnSpc="1">
+            <a:prstTxWarp prst="textNoShape">
+              <a:avLst/>
+            </a:prstTxWarp>
+          </a:bodyPr>
+          <a:lstStyle/>
+          <a:p>
+            <a:endParaRPr lang="ko-KR" altLang="en-US"/>
+          </a:p>
+        </p:txBody>
+      </p:sp>
+      <p:sp>
+        <p:nvSpPr>
+          <p:cNvPr id="6" name="AutoShape 16" descr="Cover art"/>
+          <p:cNvSpPr>
+            <a:spLocks noChangeAspect="1" noChangeArrowheads="1"/>
+          </p:cNvSpPr>
+          <p:nvPr/>
+        </p:nvSpPr>
+        <p:spPr bwMode="auto">
+          <a:xfrm>
+            <a:off x="473075" y="160337"/>
+            <a:ext cx="304800" cy="304801"/>
+          </a:xfrm>
+          <a:prstGeom prst="rect">
+            <a:avLst/>
+          </a:prstGeom>
+          <a:noFill/>
+          <a:extLst>
+            <a:ext uri="{909E8E84-426E-40DD-AFC4-6F175D3DCCD1}">
+              <a14:hiddenFill xmlns:a14="http://schemas.microsoft.com/office/drawing/2010/main">
+                <a:solidFill>
+                  <a:srgbClr val="FFFFFF"/>
+                </a:solidFill>
+              </a14:hiddenFill>
+            </a:ext>
+          </a:extLst>
+        </p:spPr>
+        <p:txBody>
+          <a:bodyPr vert="horz" wrap="square" lIns="91440" tIns="45720" rIns="91440" bIns="45720" numCol="1" anchor="t" anchorCtr="0" compatLnSpc="1">
+            <a:prstTxWarp prst="textNoShape">
+              <a:avLst/>
+            </a:prstTxWarp>
+          </a:bodyPr>
+          <a:lstStyle/>
+          <a:p>
+            <a:endParaRPr lang="ko-KR" altLang="en-US"/>
+          </a:p>
+        </p:txBody>
+      </p:sp>
+      <p:sp>
+        <p:nvSpPr>
+          <p:cNvPr id="7" name="AutoShape 18" descr="Cover art"/>
+          <p:cNvSpPr>
+            <a:spLocks noChangeAspect="1" noChangeArrowheads="1"/>
+          </p:cNvSpPr>
+          <p:nvPr/>
+        </p:nvSpPr>
+        <p:spPr bwMode="auto">
+          <a:xfrm>
+            <a:off x="625475" y="312737"/>
+            <a:ext cx="304800" cy="304801"/>
+          </a:xfrm>
+          <a:prstGeom prst="rect">
+            <a:avLst/>
+          </a:prstGeom>
+          <a:noFill/>
+          <a:extLst>
+            <a:ext uri="{909E8E84-426E-40DD-AFC4-6F175D3DCCD1}">
+              <a14:hiddenFill xmlns:a14="http://schemas.microsoft.com/office/drawing/2010/main">
+                <a:solidFill>
+                  <a:srgbClr val="FFFFFF"/>
+                </a:solidFill>
+              </a14:hiddenFill>
+            </a:ext>
+          </a:extLst>
+        </p:spPr>
+        <p:txBody>
+          <a:bodyPr vert="horz" wrap="square" lIns="91440" tIns="45720" rIns="91440" bIns="45720" numCol="1" anchor="t" anchorCtr="0" compatLnSpc="1">
+            <a:prstTxWarp prst="textNoShape">
+              <a:avLst/>
+            </a:prstTxWarp>
+          </a:bodyPr>
+          <a:lstStyle/>
+          <a:p>
+            <a:endParaRPr lang="ko-KR" altLang="en-US"/>
+          </a:p>
+        </p:txBody>
+      </p:sp>
+      <p:sp>
+        <p:nvSpPr>
+          <p:cNvPr id="8" name="AutoShape 20" descr="Cover art"/>
+          <p:cNvSpPr>
+            <a:spLocks noChangeAspect="1" noChangeArrowheads="1"/>
+          </p:cNvSpPr>
+          <p:nvPr/>
+        </p:nvSpPr>
+        <p:spPr bwMode="auto">
+          <a:xfrm>
+            <a:off x="777875" y="465137"/>
+            <a:ext cx="304800" cy="304801"/>
+          </a:xfrm>
+          <a:prstGeom prst="rect">
+            <a:avLst/>
+          </a:prstGeom>
+          <a:noFill/>
+          <a:extLst>
+            <a:ext uri="{909E8E84-426E-40DD-AFC4-6F175D3DCCD1}">
+              <a14:hiddenFill xmlns:a14="http://schemas.microsoft.com/office/drawing/2010/main">
+                <a:solidFill>
+                  <a:srgbClr val="FFFFFF"/>
+                </a:solidFill>
+              </a14:hiddenFill>
+            </a:ext>
+          </a:extLst>
+        </p:spPr>
+        <p:txBody>
+          <a:bodyPr vert="horz" wrap="square" lIns="91440" tIns="45720" rIns="91440" bIns="45720" numCol="1" anchor="t" anchorCtr="0" compatLnSpc="1">
+            <a:prstTxWarp prst="textNoShape">
+              <a:avLst/>
+            </a:prstTxWarp>
+          </a:bodyPr>
+          <a:lstStyle/>
+          <a:p>
+            <a:endParaRPr lang="ko-KR" altLang="en-US"/>
+          </a:p>
+        </p:txBody>
+      </p:sp>
+      <p:grpSp>
+        <p:nvGrpSpPr>
+          <p:cNvPr id="37" name="그룹 36"/>
+          <p:cNvGrpSpPr/>
+          <p:nvPr/>
+        </p:nvGrpSpPr>
+        <p:grpSpPr>
+          <a:xfrm>
+            <a:off x="2818458" y="153659"/>
+            <a:ext cx="3628062" cy="6381587"/>
+            <a:chOff x="4870074" y="259516"/>
+            <a:chExt cx="3557471" cy="6208548"/>
+          </a:xfrm>
+        </p:grpSpPr>
+        <p:grpSp>
+          <p:nvGrpSpPr>
+            <p:cNvPr id="39" name="그룹 38"/>
+            <p:cNvGrpSpPr/>
+            <p:nvPr/>
+          </p:nvGrpSpPr>
+          <p:grpSpPr>
+            <a:xfrm>
+              <a:off x="5087365" y="374507"/>
+              <a:ext cx="3073468" cy="6007942"/>
+              <a:chOff x="5087365" y="374507"/>
+              <a:chExt cx="3073468" cy="6007942"/>
+            </a:xfrm>
+          </p:grpSpPr>
+          <p:grpSp>
+            <p:nvGrpSpPr>
+              <p:cNvPr id="41" name="그룹 40"/>
+              <p:cNvGrpSpPr/>
+              <p:nvPr/>
+            </p:nvGrpSpPr>
+            <p:grpSpPr>
+              <a:xfrm>
+                <a:off x="5087365" y="374507"/>
+                <a:ext cx="3073468" cy="6007942"/>
+                <a:chOff x="1337446" y="-1404313"/>
+                <a:chExt cx="3073468" cy="6007942"/>
+              </a:xfrm>
+            </p:grpSpPr>
+            <p:pic>
+              <p:nvPicPr>
+                <p:cNvPr id="43" name="Picture 43" descr="모바일 배경화면에 대한 이미지 검색결과"/>
+                <p:cNvPicPr>
+                  <a:picLocks noChangeAspect="1" noChangeArrowheads="1"/>
+                </p:cNvPicPr>
+                <p:nvPr/>
+              </p:nvPicPr>
+              <p:blipFill>
+                <a:blip r:embed="rId2">
+                  <a:extLst>
+                    <a:ext uri="{28A0092B-C50C-407E-A947-70E740481C1C}">
+                      <a14:useLocalDpi xmlns:a14="http://schemas.microsoft.com/office/drawing/2010/main" val="0"/>
+                    </a:ext>
+                  </a:extLst>
+                </a:blip>
+                <a:srcRect/>
+                <a:stretch>
+                  <a:fillRect/>
+                </a:stretch>
+              </p:blipFill>
+              <p:spPr bwMode="auto">
+                <a:xfrm>
+                  <a:off x="1337446" y="-939973"/>
+                  <a:ext cx="3073468" cy="5036890"/>
+                </a:xfrm>
+                <a:prstGeom prst="rect">
+                  <a:avLst/>
+                </a:prstGeom>
+                <a:noFill/>
+                <a:extLst>
+                  <a:ext uri="{909E8E84-426E-40DD-AFC4-6F175D3DCCD1}">
+                    <a14:hiddenFill xmlns:a14="http://schemas.microsoft.com/office/drawing/2010/main">
+                      <a:solidFill>
+                        <a:srgbClr val="FFFFFF"/>
+                      </a:solidFill>
+                    </a14:hiddenFill>
+                  </a:ext>
+                </a:extLst>
+              </p:spPr>
+            </p:pic>
+            <p:sp>
+              <p:nvSpPr>
+                <p:cNvPr id="44" name="직사각형 43"/>
+                <p:cNvSpPr/>
+                <p:nvPr/>
+              </p:nvSpPr>
+              <p:spPr>
+                <a:xfrm>
+                  <a:off x="1713078" y="-1404313"/>
+                  <a:ext cx="2417346" cy="464340"/>
+                </a:xfrm>
+                <a:prstGeom prst="rect">
+                  <a:avLst/>
+                </a:prstGeom>
+                <a:solidFill>
+                  <a:schemeClr val="bg1"/>
+                </a:solidFill>
+              </p:spPr>
+              <p:style>
+                <a:lnRef idx="2">
+                  <a:schemeClr val="accent1">
+                    <a:shade val="20000"/>
+                  </a:schemeClr>
+                </a:lnRef>
+                <a:fillRef idx="1">
+                  <a:schemeClr val="accent1"/>
+                </a:fillRef>
+                <a:effectRef idx="0">
+                  <a:schemeClr val="accent1"/>
+                </a:effectRef>
+                <a:fontRef idx="minor">
+                  <a:schemeClr val="lt1"/>
+                </a:fontRef>
+              </p:style>
+              <p:txBody>
+                <a:bodyPr rtlCol="0" anchor="ctr"/>
+                <a:lstStyle/>
+                <a:p>
+                  <a:pPr algn="ctr"/>
+                  <a:endParaRPr lang="ko-KR" altLang="en-US"/>
+                </a:p>
+              </p:txBody>
+            </p:sp>
+            <p:sp>
+              <p:nvSpPr>
+                <p:cNvPr id="45" name="직사각형 44"/>
+                <p:cNvSpPr/>
+                <p:nvPr/>
+              </p:nvSpPr>
+              <p:spPr>
+                <a:xfrm>
+                  <a:off x="1814233" y="4221158"/>
+                  <a:ext cx="2119893" cy="382471"/>
+                </a:xfrm>
+                <a:prstGeom prst="rect">
+                  <a:avLst/>
+                </a:prstGeom>
+                <a:solidFill>
+                  <a:schemeClr val="bg1"/>
+                </a:solidFill>
+              </p:spPr>
+              <p:style>
+                <a:lnRef idx="2">
+                  <a:schemeClr val="accent1">
+                    <a:shade val="20000"/>
+                  </a:schemeClr>
+                </a:lnRef>
+                <a:fillRef idx="1">
+                  <a:schemeClr val="accent1"/>
+                </a:fillRef>
+                <a:effectRef idx="0">
+                  <a:schemeClr val="accent1"/>
+                </a:effectRef>
+                <a:fontRef idx="minor">
+                  <a:schemeClr val="lt1"/>
+                </a:fontRef>
+              </p:style>
+              <p:txBody>
+                <a:bodyPr rtlCol="0" anchor="ctr"/>
+                <a:lstStyle/>
+                <a:p>
+                  <a:pPr algn="ctr"/>
+                  <a:endParaRPr lang="ko-KR" altLang="en-US"/>
+                </a:p>
+              </p:txBody>
+            </p:sp>
+          </p:grpSp>
+          <p:pic>
+            <p:nvPicPr>
+              <p:cNvPr id="42" name="Picture 44"/>
+              <p:cNvPicPr>
+                <a:picLocks noChangeAspect="1" noChangeArrowheads="1"/>
+              </p:cNvPicPr>
+              <p:nvPr/>
+            </p:nvPicPr>
+            <p:blipFill>
+              <a:blip r:embed="rId3">
+                <a:extLst>
+                  <a:ext uri="{28A0092B-C50C-407E-A947-70E740481C1C}">
+                    <a14:useLocalDpi xmlns:a14="http://schemas.microsoft.com/office/drawing/2010/main" val="0"/>
+                  </a:ext>
+                </a:extLst>
+              </a:blip>
+              <a:srcRect/>
+              <a:stretch>
+                <a:fillRect/>
+              </a:stretch>
+            </p:blipFill>
+            <p:spPr bwMode="auto">
+              <a:xfrm>
+                <a:off x="5106724" y="914663"/>
+                <a:ext cx="3020249" cy="230531"/>
+              </a:xfrm>
+              <a:prstGeom prst="rect">
+                <a:avLst/>
+              </a:prstGeom>
+              <a:noFill/>
+              <a:ln>
+                <a:noFill/>
+              </a:ln>
+              <a:effectLst/>
+              <a:extLst>
+                <a:ext uri="{909E8E84-426E-40DD-AFC4-6F175D3DCCD1}">
+                  <a14:hiddenFill xmlns:a14="http://schemas.microsoft.com/office/drawing/2010/main">
+                    <a:solidFill>
+                      <a:schemeClr val="accent1"/>
+                    </a:solidFill>
+                  </a14:hiddenFill>
+                </a:ext>
+                <a:ext uri="{91240B29-F687-4F45-9708-019B960494DF}">
+                  <a14:hiddenLine xmlns:a14="http://schemas.microsoft.com/office/drawing/2010/main" w="9525">
+                    <a:solidFill>
+                      <a:schemeClr val="tx1"/>
+                    </a:solidFill>
+                    <a:miter lim="800000"/>
+                    <a:headEnd/>
+                    <a:tailEnd/>
+                  </a14:hiddenLine>
+                </a:ext>
+                <a:ext uri="{AF507438-7753-43E0-B8FC-AC1667EBCBE1}">
+                  <a14:hiddenEffects xmlns:a14="http://schemas.microsoft.com/office/drawing/2010/main">
+                    <a:effectLst>
+                      <a:outerShdw dist="35921" dir="2700000" algn="ctr" rotWithShape="0">
+                        <a:schemeClr val="bg2"/>
+                      </a:outerShdw>
+                    </a:effectLst>
+                  </a14:hiddenEffects>
+                </a:ext>
+              </a:extLst>
+            </p:spPr>
+          </p:pic>
+        </p:grpSp>
+        <p:pic>
+          <p:nvPicPr>
+            <p:cNvPr id="40" name="Picture 39" descr="C:\Users\joe\Downloads\samsung-galaxy.png"/>
+            <p:cNvPicPr>
+              <a:picLocks noChangeAspect="1" noChangeArrowheads="1"/>
+            </p:cNvPicPr>
+            <p:nvPr/>
+          </p:nvPicPr>
+          <p:blipFill rotWithShape="1">
+            <a:blip r:embed="rId4">
+              <a:extLst>
+                <a:ext uri="{28A0092B-C50C-407E-A947-70E740481C1C}">
+                  <a14:useLocalDpi xmlns:a14="http://schemas.microsoft.com/office/drawing/2010/main" val="0"/>
+                </a:ext>
+              </a:extLst>
+            </a:blip>
+            <a:srcRect l="23381" r="23040"/>
+            <a:stretch/>
+          </p:blipFill>
+          <p:spPr bwMode="auto">
+            <a:xfrm>
+              <a:off x="4870074" y="259516"/>
+              <a:ext cx="3557471" cy="6208548"/>
+            </a:xfrm>
+            <a:prstGeom prst="rect">
+              <a:avLst/>
+            </a:prstGeom>
+            <a:noFill/>
+            <a:extLst>
+              <a:ext uri="{909E8E84-426E-40DD-AFC4-6F175D3DCCD1}">
+                <a14:hiddenFill xmlns:a14="http://schemas.microsoft.com/office/drawing/2010/main">
+                  <a:solidFill>
+                    <a:srgbClr val="FFFFFF"/>
+                  </a:solidFill>
+                </a14:hiddenFill>
+              </a:ext>
+            </a:extLst>
+          </p:spPr>
+        </p:pic>
+      </p:grpSp>
+      <p:pic>
+        <p:nvPicPr>
+          <p:cNvPr id="4099" name="Picture 3"/>
+          <p:cNvPicPr>
+            <a:picLocks noChangeAspect="1" noChangeArrowheads="1"/>
+          </p:cNvPicPr>
+          <p:nvPr/>
+        </p:nvPicPr>
+        <p:blipFill>
+          <a:blip r:embed="rId5" cstate="print">
+            <a:extLst>
+              <a:ext uri="{28A0092B-C50C-407E-A947-70E740481C1C}">
+                <a14:useLocalDpi xmlns:a14="http://schemas.microsoft.com/office/drawing/2010/main" val="0"/>
+              </a:ext>
+            </a:extLst>
+          </a:blip>
+          <a:stretch>
+            <a:fillRect/>
+          </a:stretch>
+        </p:blipFill>
+        <p:spPr bwMode="auto">
+          <a:xfrm>
+            <a:off x="3114675" y="839908"/>
+            <a:ext cx="3025309" cy="5009088"/>
+          </a:xfrm>
+          <a:prstGeom prst="rect">
+            <a:avLst/>
+          </a:prstGeom>
+          <a:noFill/>
+          <a:extLst>
+            <a:ext uri="{909E8E84-426E-40DD-AFC4-6F175D3DCCD1}">
+              <a14:hiddenFill xmlns:a14="http://schemas.microsoft.com/office/drawing/2010/main">
+                <a:solidFill>
+                  <a:srgbClr val="FFFFFF"/>
+                </a:solidFill>
+              </a14:hiddenFill>
+            </a:ext>
+          </a:extLst>
+        </p:spPr>
+      </p:pic>
+      <p:pic>
+        <p:nvPicPr>
+          <p:cNvPr id="1027" name="Picture 3"/>
+          <p:cNvPicPr>
+            <a:picLocks noChangeAspect="1" noChangeArrowheads="1"/>
+          </p:cNvPicPr>
+          <p:nvPr/>
+        </p:nvPicPr>
+        <p:blipFill>
+          <a:blip r:embed="rId6" cstate="print">
+            <a:extLst>
+              <a:ext uri="{28A0092B-C50C-407E-A947-70E740481C1C}">
+                <a14:useLocalDpi xmlns:a14="http://schemas.microsoft.com/office/drawing/2010/main" val="0"/>
+              </a:ext>
+            </a:extLst>
+          </a:blip>
+          <a:srcRect/>
+          <a:stretch>
+            <a:fillRect/>
+          </a:stretch>
+        </p:blipFill>
+        <p:spPr bwMode="auto">
+          <a:xfrm>
+            <a:off x="473078" y="-6714638"/>
+            <a:ext cx="1705250" cy="3600000"/>
+          </a:xfrm>
+          <a:prstGeom prst="rect">
+            <a:avLst/>
+          </a:prstGeom>
+          <a:noFill/>
+          <a:ln>
+            <a:noFill/>
+          </a:ln>
+          <a:extLst>
+            <a:ext uri="{909E8E84-426E-40DD-AFC4-6F175D3DCCD1}">
+              <a14:hiddenFill xmlns:a14="http://schemas.microsoft.com/office/drawing/2010/main">
+                <a:solidFill>
+                  <a:schemeClr val="accent1"/>
+                </a:solidFill>
+              </a14:hiddenFill>
+            </a:ext>
+            <a:ext uri="{91240B29-F687-4F45-9708-019B960494DF}">
+              <a14:hiddenLine xmlns:a14="http://schemas.microsoft.com/office/drawing/2010/main" w="9525">
+                <a:solidFill>
+                  <a:schemeClr val="tx1"/>
+                </a:solidFill>
+                <a:miter lim="800000"/>
+                <a:headEnd/>
+                <a:tailEnd/>
+              </a14:hiddenLine>
+            </a:ext>
+          </a:extLst>
+        </p:spPr>
+      </p:pic>
+    </p:spTree>
+    <p:extLst>
+      <p:ext uri="{BB962C8B-B14F-4D97-AF65-F5344CB8AC3E}">
+        <p14:creationId xmlns:p14="http://schemas.microsoft.com/office/powerpoint/2010/main" val="1814161366"/>
+      </p:ext>
+    </p:extLst>
+  </p:cSld>
+  <p:clrMapOvr>
+    <a:masterClrMapping/>
+  </p:clrMapOvr>
+  <p:transition/>
+  <p:timing>
+    <p:tnLst>
+      <p:par>
+        <p:cTn id="1" dur="indefinite" restart="never" nodeType="tmRoot"/>
+      </p:par>
+    </p:tnLst>
+  </p:timing>
+</p:sld>
+</file>
+
+<file path=ppt/slides/slide21.xml><?xml version="1.0" encoding="utf-8"?>
+<p:sld xmlns:a="http://schemas.openxmlformats.org/drawingml/2006/main" xmlns:r="http://schemas.openxmlformats.org/officeDocument/2006/relationships" xmlns:p="http://schemas.openxmlformats.org/presentationml/2006/main">
+  <p:cSld>
+    <p:spTree>
+      <p:nvGrpSpPr>
+        <p:cNvPr id="1" name=""/>
+        <p:cNvGrpSpPr/>
+        <p:nvPr/>
+      </p:nvGrpSpPr>
+      <p:grpSpPr>
+        <a:xfrm>
+          <a:off x="0" y="0"/>
+          <a:ext cx="0" cy="0"/>
+          <a:chOff x="0" y="0"/>
+          <a:chExt cx="0" cy="0"/>
+        </a:xfrm>
+      </p:grpSpPr>
+      <p:sp>
+        <p:nvSpPr>
+          <p:cNvPr id="25" name="직사각형 24"/>
+          <p:cNvSpPr/>
+          <p:nvPr/>
+        </p:nvSpPr>
+        <p:spPr>
+          <a:xfrm>
+            <a:off x="168275" y="160337"/>
+            <a:ext cx="9687180" cy="6610541"/>
+          </a:xfrm>
+          <a:prstGeom prst="rect">
+            <a:avLst/>
+          </a:prstGeom>
+          <a:solidFill>
+            <a:schemeClr val="accent1">
+              <a:lumMod val="75000"/>
+            </a:schemeClr>
+          </a:solidFill>
+          <a:ln w="38100">
+            <a:solidFill>
+              <a:schemeClr val="tx1"/>
+            </a:solidFill>
+          </a:ln>
+          <a:effectLst>
+            <a:outerShdw blurRad="63500" dist="38100" dir="5400000" algn="t" rotWithShape="0">
+              <a:prstClr val="black">
+                <a:alpha val="17000"/>
+              </a:prstClr>
+            </a:outerShdw>
+          </a:effectLst>
+        </p:spPr>
+        <p:style>
+          <a:lnRef idx="2">
+            <a:schemeClr val="accent1">
+              <a:shade val="50000"/>
+            </a:schemeClr>
+          </a:lnRef>
+          <a:fillRef idx="1">
+            <a:schemeClr val="accent1"/>
+          </a:fillRef>
+          <a:effectRef idx="0">
+            <a:schemeClr val="accent1"/>
+          </a:effectRef>
+          <a:fontRef idx="minor">
+            <a:schemeClr val="lt1"/>
+          </a:fontRef>
+        </p:style>
+        <p:txBody>
+          <a:bodyPr anchor="ctr"/>
+          <a:lstStyle/>
+          <a:p>
+            <a:pPr algn="ctr">
+              <a:defRPr lang="ko-KR" altLang="en-US"/>
+            </a:pPr>
+            <a:endParaRPr lang="ko-KR" altLang="en-US"/>
+          </a:p>
+        </p:txBody>
+      </p:sp>
+      <p:sp>
+        <p:nvSpPr>
+          <p:cNvPr id="4" name="AutoShape 12" descr="Cover art"/>
+          <p:cNvSpPr>
+            <a:spLocks noChangeAspect="1" noChangeArrowheads="1"/>
+          </p:cNvSpPr>
+          <p:nvPr/>
+        </p:nvSpPr>
+        <p:spPr bwMode="auto">
+          <a:xfrm>
+            <a:off x="168275" y="-144463"/>
+            <a:ext cx="304800" cy="304801"/>
+          </a:xfrm>
+          <a:prstGeom prst="rect">
+            <a:avLst/>
+          </a:prstGeom>
+          <a:noFill/>
+          <a:extLst>
+            <a:ext uri="{909E8E84-426E-40DD-AFC4-6F175D3DCCD1}">
+              <a14:hiddenFill xmlns:a14="http://schemas.microsoft.com/office/drawing/2010/main">
+                <a:solidFill>
+                  <a:srgbClr val="FFFFFF"/>
+                </a:solidFill>
+              </a14:hiddenFill>
+            </a:ext>
+          </a:extLst>
+        </p:spPr>
+        <p:txBody>
+          <a:bodyPr vert="horz" wrap="square" lIns="91440" tIns="45720" rIns="91440" bIns="45720" numCol="1" anchor="t" anchorCtr="0" compatLnSpc="1">
+            <a:prstTxWarp prst="textNoShape">
+              <a:avLst/>
+            </a:prstTxWarp>
+          </a:bodyPr>
+          <a:lstStyle/>
+          <a:p>
+            <a:endParaRPr lang="ko-KR" altLang="en-US"/>
+          </a:p>
+        </p:txBody>
+      </p:sp>
+      <p:sp>
+        <p:nvSpPr>
+          <p:cNvPr id="5" name="AutoShape 14" descr="Cover art"/>
+          <p:cNvSpPr>
+            <a:spLocks noChangeAspect="1" noChangeArrowheads="1"/>
+          </p:cNvSpPr>
+          <p:nvPr/>
+        </p:nvSpPr>
+        <p:spPr bwMode="auto">
+          <a:xfrm>
+            <a:off x="320675" y="7937"/>
+            <a:ext cx="304800" cy="304801"/>
+          </a:xfrm>
+          <a:prstGeom prst="rect">
+            <a:avLst/>
+          </a:prstGeom>
+          <a:noFill/>
+          <a:extLst>
+            <a:ext uri="{909E8E84-426E-40DD-AFC4-6F175D3DCCD1}">
+              <a14:hiddenFill xmlns:a14="http://schemas.microsoft.com/office/drawing/2010/main">
+                <a:solidFill>
+                  <a:srgbClr val="FFFFFF"/>
+                </a:solidFill>
+              </a14:hiddenFill>
+            </a:ext>
+          </a:extLst>
+        </p:spPr>
+        <p:txBody>
+          <a:bodyPr vert="horz" wrap="square" lIns="91440" tIns="45720" rIns="91440" bIns="45720" numCol="1" anchor="t" anchorCtr="0" compatLnSpc="1">
+            <a:prstTxWarp prst="textNoShape">
+              <a:avLst/>
+            </a:prstTxWarp>
+          </a:bodyPr>
+          <a:lstStyle/>
+          <a:p>
+            <a:endParaRPr lang="ko-KR" altLang="en-US"/>
+          </a:p>
+        </p:txBody>
+      </p:sp>
+      <p:sp>
+        <p:nvSpPr>
+          <p:cNvPr id="6" name="AutoShape 16" descr="Cover art"/>
+          <p:cNvSpPr>
+            <a:spLocks noChangeAspect="1" noChangeArrowheads="1"/>
+          </p:cNvSpPr>
+          <p:nvPr/>
+        </p:nvSpPr>
+        <p:spPr bwMode="auto">
+          <a:xfrm>
+            <a:off x="473075" y="160337"/>
+            <a:ext cx="304800" cy="304801"/>
+          </a:xfrm>
+          <a:prstGeom prst="rect">
+            <a:avLst/>
+          </a:prstGeom>
+          <a:noFill/>
+          <a:extLst>
+            <a:ext uri="{909E8E84-426E-40DD-AFC4-6F175D3DCCD1}">
+              <a14:hiddenFill xmlns:a14="http://schemas.microsoft.com/office/drawing/2010/main">
+                <a:solidFill>
+                  <a:srgbClr val="FFFFFF"/>
+                </a:solidFill>
+              </a14:hiddenFill>
+            </a:ext>
+          </a:extLst>
+        </p:spPr>
+        <p:txBody>
+          <a:bodyPr vert="horz" wrap="square" lIns="91440" tIns="45720" rIns="91440" bIns="45720" numCol="1" anchor="t" anchorCtr="0" compatLnSpc="1">
+            <a:prstTxWarp prst="textNoShape">
+              <a:avLst/>
+            </a:prstTxWarp>
+          </a:bodyPr>
+          <a:lstStyle/>
+          <a:p>
+            <a:endParaRPr lang="ko-KR" altLang="en-US"/>
+          </a:p>
+        </p:txBody>
+      </p:sp>
+      <p:sp>
+        <p:nvSpPr>
+          <p:cNvPr id="7" name="AutoShape 18" descr="Cover art"/>
+          <p:cNvSpPr>
+            <a:spLocks noChangeAspect="1" noChangeArrowheads="1"/>
+          </p:cNvSpPr>
+          <p:nvPr/>
+        </p:nvSpPr>
+        <p:spPr bwMode="auto">
+          <a:xfrm>
+            <a:off x="625475" y="312737"/>
+            <a:ext cx="304800" cy="304801"/>
+          </a:xfrm>
+          <a:prstGeom prst="rect">
+            <a:avLst/>
+          </a:prstGeom>
+          <a:noFill/>
+          <a:extLst>
+            <a:ext uri="{909E8E84-426E-40DD-AFC4-6F175D3DCCD1}">
+              <a14:hiddenFill xmlns:a14="http://schemas.microsoft.com/office/drawing/2010/main">
+                <a:solidFill>
+                  <a:srgbClr val="FFFFFF"/>
+                </a:solidFill>
+              </a14:hiddenFill>
+            </a:ext>
+          </a:extLst>
+        </p:spPr>
+        <p:txBody>
+          <a:bodyPr vert="horz" wrap="square" lIns="91440" tIns="45720" rIns="91440" bIns="45720" numCol="1" anchor="t" anchorCtr="0" compatLnSpc="1">
+            <a:prstTxWarp prst="textNoShape">
+              <a:avLst/>
+            </a:prstTxWarp>
+          </a:bodyPr>
+          <a:lstStyle/>
+          <a:p>
+            <a:endParaRPr lang="ko-KR" altLang="en-US"/>
+          </a:p>
+        </p:txBody>
+      </p:sp>
+      <p:sp>
+        <p:nvSpPr>
+          <p:cNvPr id="8" name="AutoShape 20" descr="Cover art"/>
+          <p:cNvSpPr>
+            <a:spLocks noChangeAspect="1" noChangeArrowheads="1"/>
+          </p:cNvSpPr>
+          <p:nvPr/>
+        </p:nvSpPr>
+        <p:spPr bwMode="auto">
+          <a:xfrm>
+            <a:off x="777875" y="465137"/>
+            <a:ext cx="304800" cy="304801"/>
+          </a:xfrm>
+          <a:prstGeom prst="rect">
+            <a:avLst/>
+          </a:prstGeom>
+          <a:noFill/>
+          <a:extLst>
+            <a:ext uri="{909E8E84-426E-40DD-AFC4-6F175D3DCCD1}">
+              <a14:hiddenFill xmlns:a14="http://schemas.microsoft.com/office/drawing/2010/main">
+                <a:solidFill>
+                  <a:srgbClr val="FFFFFF"/>
+                </a:solidFill>
+              </a14:hiddenFill>
+            </a:ext>
+          </a:extLst>
+        </p:spPr>
+        <p:txBody>
+          <a:bodyPr vert="horz" wrap="square" lIns="91440" tIns="45720" rIns="91440" bIns="45720" numCol="1" anchor="t" anchorCtr="0" compatLnSpc="1">
+            <a:prstTxWarp prst="textNoShape">
+              <a:avLst/>
+            </a:prstTxWarp>
+          </a:bodyPr>
+          <a:lstStyle/>
+          <a:p>
+            <a:endParaRPr lang="ko-KR" altLang="en-US"/>
+          </a:p>
+        </p:txBody>
+      </p:sp>
+      <p:grpSp>
+        <p:nvGrpSpPr>
+          <p:cNvPr id="37" name="그룹 36"/>
+          <p:cNvGrpSpPr/>
+          <p:nvPr/>
+        </p:nvGrpSpPr>
+        <p:grpSpPr>
+          <a:xfrm>
+            <a:off x="2818458" y="153659"/>
+            <a:ext cx="3628062" cy="6381587"/>
+            <a:chOff x="4870074" y="259516"/>
+            <a:chExt cx="3557471" cy="6208548"/>
+          </a:xfrm>
+        </p:grpSpPr>
+        <p:grpSp>
+          <p:nvGrpSpPr>
+            <p:cNvPr id="39" name="그룹 38"/>
+            <p:cNvGrpSpPr/>
+            <p:nvPr/>
+          </p:nvGrpSpPr>
+          <p:grpSpPr>
+            <a:xfrm>
+              <a:off x="5087365" y="374507"/>
+              <a:ext cx="3073468" cy="6007942"/>
+              <a:chOff x="5087365" y="374507"/>
+              <a:chExt cx="3073468" cy="6007942"/>
+            </a:xfrm>
+          </p:grpSpPr>
+          <p:grpSp>
+            <p:nvGrpSpPr>
+              <p:cNvPr id="41" name="그룹 40"/>
+              <p:cNvGrpSpPr/>
+              <p:nvPr/>
+            </p:nvGrpSpPr>
+            <p:grpSpPr>
+              <a:xfrm>
+                <a:off x="5087365" y="374507"/>
+                <a:ext cx="3073468" cy="6007942"/>
+                <a:chOff x="1337446" y="-1404313"/>
+                <a:chExt cx="3073468" cy="6007942"/>
+              </a:xfrm>
+            </p:grpSpPr>
+            <p:pic>
+              <p:nvPicPr>
+                <p:cNvPr id="43" name="Picture 43" descr="모바일 배경화면에 대한 이미지 검색결과"/>
+                <p:cNvPicPr>
+                  <a:picLocks noChangeAspect="1" noChangeArrowheads="1"/>
+                </p:cNvPicPr>
+                <p:nvPr/>
+              </p:nvPicPr>
+              <p:blipFill>
+                <a:blip r:embed="rId2">
+                  <a:extLst>
+                    <a:ext uri="{28A0092B-C50C-407E-A947-70E740481C1C}">
+                      <a14:useLocalDpi xmlns:a14="http://schemas.microsoft.com/office/drawing/2010/main" val="0"/>
+                    </a:ext>
+                  </a:extLst>
+                </a:blip>
+                <a:srcRect/>
+                <a:stretch>
+                  <a:fillRect/>
+                </a:stretch>
+              </p:blipFill>
+              <p:spPr bwMode="auto">
+                <a:xfrm>
+                  <a:off x="1337446" y="-939973"/>
+                  <a:ext cx="3073468" cy="5036890"/>
+                </a:xfrm>
+                <a:prstGeom prst="rect">
+                  <a:avLst/>
+                </a:prstGeom>
+                <a:noFill/>
+                <a:extLst>
+                  <a:ext uri="{909E8E84-426E-40DD-AFC4-6F175D3DCCD1}">
+                    <a14:hiddenFill xmlns:a14="http://schemas.microsoft.com/office/drawing/2010/main">
+                      <a:solidFill>
+                        <a:srgbClr val="FFFFFF"/>
+                      </a:solidFill>
+                    </a14:hiddenFill>
+                  </a:ext>
+                </a:extLst>
+              </p:spPr>
+            </p:pic>
+            <p:sp>
+              <p:nvSpPr>
+                <p:cNvPr id="44" name="직사각형 43"/>
+                <p:cNvSpPr/>
+                <p:nvPr/>
+              </p:nvSpPr>
+              <p:spPr>
+                <a:xfrm>
+                  <a:off x="1713078" y="-1404313"/>
+                  <a:ext cx="2417346" cy="464340"/>
+                </a:xfrm>
+                <a:prstGeom prst="rect">
+                  <a:avLst/>
+                </a:prstGeom>
+                <a:solidFill>
+                  <a:schemeClr val="bg1"/>
+                </a:solidFill>
+              </p:spPr>
+              <p:style>
+                <a:lnRef idx="2">
+                  <a:schemeClr val="accent1">
+                    <a:shade val="20000"/>
+                  </a:schemeClr>
+                </a:lnRef>
+                <a:fillRef idx="1">
+                  <a:schemeClr val="accent1"/>
+                </a:fillRef>
+                <a:effectRef idx="0">
+                  <a:schemeClr val="accent1"/>
+                </a:effectRef>
+                <a:fontRef idx="minor">
+                  <a:schemeClr val="lt1"/>
+                </a:fontRef>
+              </p:style>
+              <p:txBody>
+                <a:bodyPr rtlCol="0" anchor="ctr"/>
+                <a:lstStyle/>
+                <a:p>
+                  <a:pPr algn="ctr"/>
+                  <a:endParaRPr lang="ko-KR" altLang="en-US"/>
+                </a:p>
+              </p:txBody>
+            </p:sp>
+            <p:sp>
+              <p:nvSpPr>
+                <p:cNvPr id="45" name="직사각형 44"/>
+                <p:cNvSpPr/>
+                <p:nvPr/>
+              </p:nvSpPr>
+              <p:spPr>
+                <a:xfrm>
+                  <a:off x="1814233" y="4221158"/>
+                  <a:ext cx="2119893" cy="382471"/>
+                </a:xfrm>
+                <a:prstGeom prst="rect">
+                  <a:avLst/>
+                </a:prstGeom>
+                <a:solidFill>
+                  <a:schemeClr val="bg1"/>
+                </a:solidFill>
+              </p:spPr>
+              <p:style>
+                <a:lnRef idx="2">
+                  <a:schemeClr val="accent1">
+                    <a:shade val="20000"/>
+                  </a:schemeClr>
+                </a:lnRef>
+                <a:fillRef idx="1">
+                  <a:schemeClr val="accent1"/>
+                </a:fillRef>
+                <a:effectRef idx="0">
+                  <a:schemeClr val="accent1"/>
+                </a:effectRef>
+                <a:fontRef idx="minor">
+                  <a:schemeClr val="lt1"/>
+                </a:fontRef>
+              </p:style>
+              <p:txBody>
+                <a:bodyPr rtlCol="0" anchor="ctr"/>
+                <a:lstStyle/>
+                <a:p>
+                  <a:pPr algn="ctr"/>
+                  <a:endParaRPr lang="ko-KR" altLang="en-US"/>
+                </a:p>
+              </p:txBody>
+            </p:sp>
+          </p:grpSp>
+          <p:pic>
+            <p:nvPicPr>
+              <p:cNvPr id="42" name="Picture 44"/>
+              <p:cNvPicPr>
+                <a:picLocks noChangeAspect="1" noChangeArrowheads="1"/>
+              </p:cNvPicPr>
+              <p:nvPr/>
+            </p:nvPicPr>
+            <p:blipFill>
+              <a:blip r:embed="rId3">
+                <a:extLst>
+                  <a:ext uri="{28A0092B-C50C-407E-A947-70E740481C1C}">
+                    <a14:useLocalDpi xmlns:a14="http://schemas.microsoft.com/office/drawing/2010/main" val="0"/>
+                  </a:ext>
+                </a:extLst>
+              </a:blip>
+              <a:srcRect/>
+              <a:stretch>
+                <a:fillRect/>
+              </a:stretch>
+            </p:blipFill>
+            <p:spPr bwMode="auto">
+              <a:xfrm>
+                <a:off x="5106724" y="914663"/>
+                <a:ext cx="3020249" cy="230531"/>
+              </a:xfrm>
+              <a:prstGeom prst="rect">
+                <a:avLst/>
+              </a:prstGeom>
+              <a:noFill/>
+              <a:ln>
+                <a:noFill/>
+              </a:ln>
+              <a:effectLst/>
+              <a:extLst>
+                <a:ext uri="{909E8E84-426E-40DD-AFC4-6F175D3DCCD1}">
+                  <a14:hiddenFill xmlns:a14="http://schemas.microsoft.com/office/drawing/2010/main">
+                    <a:solidFill>
+                      <a:schemeClr val="accent1"/>
+                    </a:solidFill>
+                  </a14:hiddenFill>
+                </a:ext>
+                <a:ext uri="{91240B29-F687-4F45-9708-019B960494DF}">
+                  <a14:hiddenLine xmlns:a14="http://schemas.microsoft.com/office/drawing/2010/main" w="9525">
+                    <a:solidFill>
+                      <a:schemeClr val="tx1"/>
+                    </a:solidFill>
+                    <a:miter lim="800000"/>
+                    <a:headEnd/>
+                    <a:tailEnd/>
+                  </a14:hiddenLine>
+                </a:ext>
+                <a:ext uri="{AF507438-7753-43E0-B8FC-AC1667EBCBE1}">
+                  <a14:hiddenEffects xmlns:a14="http://schemas.microsoft.com/office/drawing/2010/main">
+                    <a:effectLst>
+                      <a:outerShdw dist="35921" dir="2700000" algn="ctr" rotWithShape="0">
+                        <a:schemeClr val="bg2"/>
+                      </a:outerShdw>
+                    </a:effectLst>
+                  </a14:hiddenEffects>
+                </a:ext>
+              </a:extLst>
+            </p:spPr>
+          </p:pic>
+        </p:grpSp>
+        <p:pic>
+          <p:nvPicPr>
+            <p:cNvPr id="40" name="Picture 39" descr="C:\Users\joe\Downloads\samsung-galaxy.png"/>
+            <p:cNvPicPr>
+              <a:picLocks noChangeAspect="1" noChangeArrowheads="1"/>
+            </p:cNvPicPr>
+            <p:nvPr/>
+          </p:nvPicPr>
+          <p:blipFill rotWithShape="1">
+            <a:blip r:embed="rId4">
+              <a:extLst>
+                <a:ext uri="{28A0092B-C50C-407E-A947-70E740481C1C}">
+                  <a14:useLocalDpi xmlns:a14="http://schemas.microsoft.com/office/drawing/2010/main" val="0"/>
+                </a:ext>
+              </a:extLst>
+            </a:blip>
+            <a:srcRect l="23381" r="23040"/>
+            <a:stretch/>
+          </p:blipFill>
+          <p:spPr bwMode="auto">
+            <a:xfrm>
+              <a:off x="4870074" y="259516"/>
+              <a:ext cx="3557471" cy="6208548"/>
+            </a:xfrm>
+            <a:prstGeom prst="rect">
+              <a:avLst/>
+            </a:prstGeom>
+            <a:noFill/>
+            <a:extLst>
+              <a:ext uri="{909E8E84-426E-40DD-AFC4-6F175D3DCCD1}">
+                <a14:hiddenFill xmlns:a14="http://schemas.microsoft.com/office/drawing/2010/main">
+                  <a:solidFill>
+                    <a:srgbClr val="FFFFFF"/>
+                  </a:solidFill>
+                </a14:hiddenFill>
+              </a:ext>
+            </a:extLst>
+          </p:spPr>
+        </p:pic>
+      </p:grpSp>
+      <p:pic>
+        <p:nvPicPr>
+          <p:cNvPr id="4099" name="Picture 3"/>
+          <p:cNvPicPr>
+            <a:picLocks noChangeAspect="1" noChangeArrowheads="1"/>
+          </p:cNvPicPr>
+          <p:nvPr/>
+        </p:nvPicPr>
+        <p:blipFill>
+          <a:blip r:embed="rId5" cstate="print">
+            <a:extLst>
+              <a:ext uri="{28A0092B-C50C-407E-A947-70E740481C1C}">
+                <a14:useLocalDpi xmlns:a14="http://schemas.microsoft.com/office/drawing/2010/main" val="0"/>
+              </a:ext>
+            </a:extLst>
+          </a:blip>
+          <a:stretch>
+            <a:fillRect/>
+          </a:stretch>
+        </p:blipFill>
+        <p:spPr bwMode="auto">
+          <a:xfrm>
+            <a:off x="3114675" y="839908"/>
+            <a:ext cx="3025309" cy="5009088"/>
+          </a:xfrm>
+          <a:prstGeom prst="rect">
+            <a:avLst/>
+          </a:prstGeom>
+          <a:noFill/>
+          <a:extLst>
+            <a:ext uri="{909E8E84-426E-40DD-AFC4-6F175D3DCCD1}">
+              <a14:hiddenFill xmlns:a14="http://schemas.microsoft.com/office/drawing/2010/main">
+                <a:solidFill>
+                  <a:srgbClr val="FFFFFF"/>
+                </a:solidFill>
+              </a14:hiddenFill>
+            </a:ext>
+          </a:extLst>
+        </p:spPr>
+      </p:pic>
+    </p:spTree>
+    <p:extLst>
+      <p:ext uri="{BB962C8B-B14F-4D97-AF65-F5344CB8AC3E}">
+        <p14:creationId xmlns:p14="http://schemas.microsoft.com/office/powerpoint/2010/main" val="58639143"/>
+      </p:ext>
+    </p:extLst>
+  </p:cSld>
+  <p:clrMapOvr>
+    <a:masterClrMapping/>
+  </p:clrMapOvr>
+  <p:transition/>
+  <p:timing>
+    <p:tnLst>
+      <p:par>
+        <p:cTn id="1" dur="indefinite" restart="never" nodeType="tmRoot"/>
+      </p:par>
+    </p:tnLst>
+  </p:timing>
+</p:sld>
+</file>
+
+<file path=ppt/slides/slide22.xml><?xml version="1.0" encoding="utf-8"?>
+<p:sld xmlns:a="http://schemas.openxmlformats.org/drawingml/2006/main" xmlns:r="http://schemas.openxmlformats.org/officeDocument/2006/relationships" xmlns:p="http://schemas.openxmlformats.org/presentationml/2006/main">
+  <p:cSld>
+    <p:spTree>
+      <p:nvGrpSpPr>
+        <p:cNvPr id="1" name=""/>
+        <p:cNvGrpSpPr/>
+        <p:nvPr/>
+      </p:nvGrpSpPr>
+      <p:grpSpPr>
+        <a:xfrm>
+          <a:off x="0" y="0"/>
+          <a:ext cx="0" cy="0"/>
+          <a:chOff x="0" y="0"/>
+          <a:chExt cx="0" cy="0"/>
+        </a:xfrm>
+      </p:grpSpPr>
+      <p:sp>
+        <p:nvSpPr>
+          <p:cNvPr id="25" name="직사각형 24"/>
+          <p:cNvSpPr/>
+          <p:nvPr/>
+        </p:nvSpPr>
+        <p:spPr>
+          <a:xfrm>
+            <a:off x="168275" y="160337"/>
+            <a:ext cx="9687180" cy="6610541"/>
+          </a:xfrm>
+          <a:prstGeom prst="rect">
+            <a:avLst/>
+          </a:prstGeom>
+          <a:solidFill>
+            <a:schemeClr val="accent1">
+              <a:lumMod val="75000"/>
+            </a:schemeClr>
+          </a:solidFill>
+          <a:ln w="38100">
+            <a:solidFill>
+              <a:schemeClr val="tx1"/>
+            </a:solidFill>
+          </a:ln>
+          <a:effectLst>
+            <a:outerShdw blurRad="63500" dist="38100" dir="5400000" algn="t" rotWithShape="0">
+              <a:prstClr val="black">
+                <a:alpha val="17000"/>
+              </a:prstClr>
+            </a:outerShdw>
+          </a:effectLst>
+        </p:spPr>
+        <p:style>
+          <a:lnRef idx="2">
+            <a:schemeClr val="accent1">
+              <a:shade val="50000"/>
+            </a:schemeClr>
+          </a:lnRef>
+          <a:fillRef idx="1">
+            <a:schemeClr val="accent1"/>
+          </a:fillRef>
+          <a:effectRef idx="0">
+            <a:schemeClr val="accent1"/>
+          </a:effectRef>
+          <a:fontRef idx="minor">
+            <a:schemeClr val="lt1"/>
+          </a:fontRef>
+        </p:style>
+        <p:txBody>
+          <a:bodyPr anchor="ctr"/>
+          <a:lstStyle/>
+          <a:p>
+            <a:pPr algn="ctr">
+              <a:defRPr lang="ko-KR" altLang="en-US"/>
+            </a:pPr>
+            <a:endParaRPr lang="ko-KR" altLang="en-US"/>
+          </a:p>
+        </p:txBody>
+      </p:sp>
+      <p:sp>
+        <p:nvSpPr>
+          <p:cNvPr id="4" name="AutoShape 12" descr="Cover art"/>
+          <p:cNvSpPr>
+            <a:spLocks noChangeAspect="1" noChangeArrowheads="1"/>
+          </p:cNvSpPr>
+          <p:nvPr/>
+        </p:nvSpPr>
+        <p:spPr bwMode="auto">
+          <a:xfrm>
+            <a:off x="168275" y="-144463"/>
+            <a:ext cx="304800" cy="304801"/>
+          </a:xfrm>
+          <a:prstGeom prst="rect">
+            <a:avLst/>
+          </a:prstGeom>
+          <a:noFill/>
+          <a:extLst>
+            <a:ext uri="{909E8E84-426E-40DD-AFC4-6F175D3DCCD1}">
+              <a14:hiddenFill xmlns:a14="http://schemas.microsoft.com/office/drawing/2010/main">
+                <a:solidFill>
+                  <a:srgbClr val="FFFFFF"/>
+                </a:solidFill>
+              </a14:hiddenFill>
+            </a:ext>
+          </a:extLst>
+        </p:spPr>
+        <p:txBody>
+          <a:bodyPr vert="horz" wrap="square" lIns="91440" tIns="45720" rIns="91440" bIns="45720" numCol="1" anchor="t" anchorCtr="0" compatLnSpc="1">
+            <a:prstTxWarp prst="textNoShape">
+              <a:avLst/>
+            </a:prstTxWarp>
+          </a:bodyPr>
+          <a:lstStyle/>
+          <a:p>
+            <a:endParaRPr lang="ko-KR" altLang="en-US"/>
+          </a:p>
+        </p:txBody>
+      </p:sp>
+      <p:sp>
+        <p:nvSpPr>
+          <p:cNvPr id="5" name="AutoShape 14" descr="Cover art"/>
+          <p:cNvSpPr>
+            <a:spLocks noChangeAspect="1" noChangeArrowheads="1"/>
+          </p:cNvSpPr>
+          <p:nvPr/>
+        </p:nvSpPr>
+        <p:spPr bwMode="auto">
+          <a:xfrm>
+            <a:off x="320675" y="7937"/>
+            <a:ext cx="304800" cy="304801"/>
+          </a:xfrm>
+          <a:prstGeom prst="rect">
+            <a:avLst/>
+          </a:prstGeom>
+          <a:noFill/>
+          <a:extLst>
+            <a:ext uri="{909E8E84-426E-40DD-AFC4-6F175D3DCCD1}">
+              <a14:hiddenFill xmlns:a14="http://schemas.microsoft.com/office/drawing/2010/main">
+                <a:solidFill>
+                  <a:srgbClr val="FFFFFF"/>
+                </a:solidFill>
+              </a14:hiddenFill>
+            </a:ext>
+          </a:extLst>
+        </p:spPr>
+        <p:txBody>
+          <a:bodyPr vert="horz" wrap="square" lIns="91440" tIns="45720" rIns="91440" bIns="45720" numCol="1" anchor="t" anchorCtr="0" compatLnSpc="1">
+            <a:prstTxWarp prst="textNoShape">
+              <a:avLst/>
+            </a:prstTxWarp>
+          </a:bodyPr>
+          <a:lstStyle/>
+          <a:p>
+            <a:endParaRPr lang="ko-KR" altLang="en-US"/>
+          </a:p>
+        </p:txBody>
+      </p:sp>
+      <p:sp>
+        <p:nvSpPr>
+          <p:cNvPr id="6" name="AutoShape 16" descr="Cover art"/>
+          <p:cNvSpPr>
+            <a:spLocks noChangeAspect="1" noChangeArrowheads="1"/>
+          </p:cNvSpPr>
+          <p:nvPr/>
+        </p:nvSpPr>
+        <p:spPr bwMode="auto">
+          <a:xfrm>
+            <a:off x="473075" y="160337"/>
+            <a:ext cx="304800" cy="304801"/>
+          </a:xfrm>
+          <a:prstGeom prst="rect">
+            <a:avLst/>
+          </a:prstGeom>
+          <a:noFill/>
+          <a:extLst>
+            <a:ext uri="{909E8E84-426E-40DD-AFC4-6F175D3DCCD1}">
+              <a14:hiddenFill xmlns:a14="http://schemas.microsoft.com/office/drawing/2010/main">
+                <a:solidFill>
+                  <a:srgbClr val="FFFFFF"/>
+                </a:solidFill>
+              </a14:hiddenFill>
+            </a:ext>
+          </a:extLst>
+        </p:spPr>
+        <p:txBody>
+          <a:bodyPr vert="horz" wrap="square" lIns="91440" tIns="45720" rIns="91440" bIns="45720" numCol="1" anchor="t" anchorCtr="0" compatLnSpc="1">
+            <a:prstTxWarp prst="textNoShape">
+              <a:avLst/>
+            </a:prstTxWarp>
+          </a:bodyPr>
+          <a:lstStyle/>
+          <a:p>
+            <a:endParaRPr lang="ko-KR" altLang="en-US"/>
+          </a:p>
+        </p:txBody>
+      </p:sp>
+      <p:sp>
+        <p:nvSpPr>
+          <p:cNvPr id="7" name="AutoShape 18" descr="Cover art"/>
+          <p:cNvSpPr>
+            <a:spLocks noChangeAspect="1" noChangeArrowheads="1"/>
+          </p:cNvSpPr>
+          <p:nvPr/>
+        </p:nvSpPr>
+        <p:spPr bwMode="auto">
+          <a:xfrm>
+            <a:off x="625475" y="312737"/>
+            <a:ext cx="304800" cy="304801"/>
+          </a:xfrm>
+          <a:prstGeom prst="rect">
+            <a:avLst/>
+          </a:prstGeom>
+          <a:noFill/>
+          <a:extLst>
+            <a:ext uri="{909E8E84-426E-40DD-AFC4-6F175D3DCCD1}">
+              <a14:hiddenFill xmlns:a14="http://schemas.microsoft.com/office/drawing/2010/main">
+                <a:solidFill>
+                  <a:srgbClr val="FFFFFF"/>
+                </a:solidFill>
+              </a14:hiddenFill>
+            </a:ext>
+          </a:extLst>
+        </p:spPr>
+        <p:txBody>
+          <a:bodyPr vert="horz" wrap="square" lIns="91440" tIns="45720" rIns="91440" bIns="45720" numCol="1" anchor="t" anchorCtr="0" compatLnSpc="1">
+            <a:prstTxWarp prst="textNoShape">
+              <a:avLst/>
+            </a:prstTxWarp>
+          </a:bodyPr>
+          <a:lstStyle/>
+          <a:p>
+            <a:endParaRPr lang="ko-KR" altLang="en-US"/>
+          </a:p>
+        </p:txBody>
+      </p:sp>
+      <p:sp>
+        <p:nvSpPr>
+          <p:cNvPr id="8" name="AutoShape 20" descr="Cover art"/>
+          <p:cNvSpPr>
+            <a:spLocks noChangeAspect="1" noChangeArrowheads="1"/>
+          </p:cNvSpPr>
+          <p:nvPr/>
+        </p:nvSpPr>
+        <p:spPr bwMode="auto">
+          <a:xfrm>
+            <a:off x="777875" y="465137"/>
+            <a:ext cx="304800" cy="304801"/>
+          </a:xfrm>
+          <a:prstGeom prst="rect">
+            <a:avLst/>
+          </a:prstGeom>
+          <a:noFill/>
+          <a:extLst>
+            <a:ext uri="{909E8E84-426E-40DD-AFC4-6F175D3DCCD1}">
+              <a14:hiddenFill xmlns:a14="http://schemas.microsoft.com/office/drawing/2010/main">
+                <a:solidFill>
+                  <a:srgbClr val="FFFFFF"/>
+                </a:solidFill>
+              </a14:hiddenFill>
+            </a:ext>
+          </a:extLst>
+        </p:spPr>
+        <p:txBody>
+          <a:bodyPr vert="horz" wrap="square" lIns="91440" tIns="45720" rIns="91440" bIns="45720" numCol="1" anchor="t" anchorCtr="0" compatLnSpc="1">
+            <a:prstTxWarp prst="textNoShape">
+              <a:avLst/>
+            </a:prstTxWarp>
+          </a:bodyPr>
+          <a:lstStyle/>
+          <a:p>
+            <a:endParaRPr lang="ko-KR" altLang="en-US"/>
+          </a:p>
+        </p:txBody>
+      </p:sp>
+      <p:grpSp>
+        <p:nvGrpSpPr>
+          <p:cNvPr id="37" name="그룹 36"/>
+          <p:cNvGrpSpPr/>
+          <p:nvPr/>
+        </p:nvGrpSpPr>
+        <p:grpSpPr>
+          <a:xfrm>
+            <a:off x="2818458" y="153659"/>
+            <a:ext cx="3628062" cy="6381587"/>
+            <a:chOff x="4870074" y="259516"/>
+            <a:chExt cx="3557471" cy="6208548"/>
+          </a:xfrm>
+        </p:grpSpPr>
+        <p:grpSp>
+          <p:nvGrpSpPr>
+            <p:cNvPr id="39" name="그룹 38"/>
+            <p:cNvGrpSpPr/>
+            <p:nvPr/>
+          </p:nvGrpSpPr>
+          <p:grpSpPr>
+            <a:xfrm>
+              <a:off x="5087365" y="374507"/>
+              <a:ext cx="3073468" cy="6007942"/>
+              <a:chOff x="5087365" y="374507"/>
+              <a:chExt cx="3073468" cy="6007942"/>
+            </a:xfrm>
+          </p:grpSpPr>
+          <p:grpSp>
+            <p:nvGrpSpPr>
+              <p:cNvPr id="41" name="그룹 40"/>
+              <p:cNvGrpSpPr/>
+              <p:nvPr/>
+            </p:nvGrpSpPr>
+            <p:grpSpPr>
+              <a:xfrm>
+                <a:off x="5087365" y="374507"/>
+                <a:ext cx="3073468" cy="6007942"/>
+                <a:chOff x="1337446" y="-1404313"/>
+                <a:chExt cx="3073468" cy="6007942"/>
+              </a:xfrm>
+            </p:grpSpPr>
+            <p:pic>
+              <p:nvPicPr>
+                <p:cNvPr id="43" name="Picture 43" descr="모바일 배경화면에 대한 이미지 검색결과"/>
+                <p:cNvPicPr>
+                  <a:picLocks noChangeAspect="1" noChangeArrowheads="1"/>
+                </p:cNvPicPr>
+                <p:nvPr/>
+              </p:nvPicPr>
+              <p:blipFill>
+                <a:blip r:embed="rId2">
+                  <a:extLst>
+                    <a:ext uri="{28A0092B-C50C-407E-A947-70E740481C1C}">
+                      <a14:useLocalDpi xmlns:a14="http://schemas.microsoft.com/office/drawing/2010/main" val="0"/>
+                    </a:ext>
+                  </a:extLst>
+                </a:blip>
+                <a:srcRect/>
+                <a:stretch>
+                  <a:fillRect/>
+                </a:stretch>
+              </p:blipFill>
+              <p:spPr bwMode="auto">
+                <a:xfrm>
+                  <a:off x="1337446" y="-939973"/>
+                  <a:ext cx="3073468" cy="5036890"/>
+                </a:xfrm>
+                <a:prstGeom prst="rect">
+                  <a:avLst/>
+                </a:prstGeom>
+                <a:noFill/>
+                <a:extLst>
+                  <a:ext uri="{909E8E84-426E-40DD-AFC4-6F175D3DCCD1}">
+                    <a14:hiddenFill xmlns:a14="http://schemas.microsoft.com/office/drawing/2010/main">
+                      <a:solidFill>
+                        <a:srgbClr val="FFFFFF"/>
+                      </a:solidFill>
+                    </a14:hiddenFill>
+                  </a:ext>
+                </a:extLst>
+              </p:spPr>
+            </p:pic>
+            <p:sp>
+              <p:nvSpPr>
+                <p:cNvPr id="44" name="직사각형 43"/>
+                <p:cNvSpPr/>
+                <p:nvPr/>
+              </p:nvSpPr>
+              <p:spPr>
+                <a:xfrm>
+                  <a:off x="1713078" y="-1404313"/>
+                  <a:ext cx="2417346" cy="464340"/>
+                </a:xfrm>
+                <a:prstGeom prst="rect">
+                  <a:avLst/>
+                </a:prstGeom>
+                <a:solidFill>
+                  <a:schemeClr val="bg1"/>
+                </a:solidFill>
+              </p:spPr>
+              <p:style>
+                <a:lnRef idx="2">
+                  <a:schemeClr val="accent1">
+                    <a:shade val="20000"/>
+                  </a:schemeClr>
+                </a:lnRef>
+                <a:fillRef idx="1">
+                  <a:schemeClr val="accent1"/>
+                </a:fillRef>
+                <a:effectRef idx="0">
+                  <a:schemeClr val="accent1"/>
+                </a:effectRef>
+                <a:fontRef idx="minor">
+                  <a:schemeClr val="lt1"/>
+                </a:fontRef>
+              </p:style>
+              <p:txBody>
+                <a:bodyPr rtlCol="0" anchor="ctr"/>
+                <a:lstStyle/>
+                <a:p>
+                  <a:pPr algn="ctr"/>
+                  <a:endParaRPr lang="ko-KR" altLang="en-US"/>
+                </a:p>
+              </p:txBody>
+            </p:sp>
+            <p:sp>
+              <p:nvSpPr>
+                <p:cNvPr id="45" name="직사각형 44"/>
+                <p:cNvSpPr/>
+                <p:nvPr/>
+              </p:nvSpPr>
+              <p:spPr>
+                <a:xfrm>
+                  <a:off x="1814233" y="4221158"/>
+                  <a:ext cx="2119893" cy="382471"/>
+                </a:xfrm>
+                <a:prstGeom prst="rect">
+                  <a:avLst/>
+                </a:prstGeom>
+                <a:solidFill>
+                  <a:schemeClr val="bg1"/>
+                </a:solidFill>
+              </p:spPr>
+              <p:style>
+                <a:lnRef idx="2">
+                  <a:schemeClr val="accent1">
+                    <a:shade val="20000"/>
+                  </a:schemeClr>
+                </a:lnRef>
+                <a:fillRef idx="1">
+                  <a:schemeClr val="accent1"/>
+                </a:fillRef>
+                <a:effectRef idx="0">
+                  <a:schemeClr val="accent1"/>
+                </a:effectRef>
+                <a:fontRef idx="minor">
+                  <a:schemeClr val="lt1"/>
+                </a:fontRef>
+              </p:style>
+              <p:txBody>
+                <a:bodyPr rtlCol="0" anchor="ctr"/>
+                <a:lstStyle/>
+                <a:p>
+                  <a:pPr algn="ctr"/>
+                  <a:endParaRPr lang="ko-KR" altLang="en-US"/>
+                </a:p>
+              </p:txBody>
+            </p:sp>
+          </p:grpSp>
+          <p:pic>
+            <p:nvPicPr>
+              <p:cNvPr id="42" name="Picture 44"/>
+              <p:cNvPicPr>
+                <a:picLocks noChangeAspect="1" noChangeArrowheads="1"/>
+              </p:cNvPicPr>
+              <p:nvPr/>
+            </p:nvPicPr>
+            <p:blipFill>
+              <a:blip r:embed="rId3">
+                <a:extLst>
+                  <a:ext uri="{28A0092B-C50C-407E-A947-70E740481C1C}">
+                    <a14:useLocalDpi xmlns:a14="http://schemas.microsoft.com/office/drawing/2010/main" val="0"/>
+                  </a:ext>
+                </a:extLst>
+              </a:blip>
+              <a:srcRect/>
+              <a:stretch>
+                <a:fillRect/>
+              </a:stretch>
+            </p:blipFill>
+            <p:spPr bwMode="auto">
+              <a:xfrm>
+                <a:off x="5106724" y="914663"/>
+                <a:ext cx="3020249" cy="230531"/>
+              </a:xfrm>
+              <a:prstGeom prst="rect">
+                <a:avLst/>
+              </a:prstGeom>
+              <a:noFill/>
+              <a:ln>
+                <a:noFill/>
+              </a:ln>
+              <a:effectLst/>
+              <a:extLst>
+                <a:ext uri="{909E8E84-426E-40DD-AFC4-6F175D3DCCD1}">
+                  <a14:hiddenFill xmlns:a14="http://schemas.microsoft.com/office/drawing/2010/main">
+                    <a:solidFill>
+                      <a:schemeClr val="accent1"/>
+                    </a:solidFill>
+                  </a14:hiddenFill>
+                </a:ext>
+                <a:ext uri="{91240B29-F687-4F45-9708-019B960494DF}">
+                  <a14:hiddenLine xmlns:a14="http://schemas.microsoft.com/office/drawing/2010/main" w="9525">
+                    <a:solidFill>
+                      <a:schemeClr val="tx1"/>
+                    </a:solidFill>
+                    <a:miter lim="800000"/>
+                    <a:headEnd/>
+                    <a:tailEnd/>
+                  </a14:hiddenLine>
+                </a:ext>
+                <a:ext uri="{AF507438-7753-43E0-B8FC-AC1667EBCBE1}">
+                  <a14:hiddenEffects xmlns:a14="http://schemas.microsoft.com/office/drawing/2010/main">
+                    <a:effectLst>
+                      <a:outerShdw dist="35921" dir="2700000" algn="ctr" rotWithShape="0">
+                        <a:schemeClr val="bg2"/>
+                      </a:outerShdw>
+                    </a:effectLst>
+                  </a14:hiddenEffects>
+                </a:ext>
+              </a:extLst>
+            </p:spPr>
+          </p:pic>
+        </p:grpSp>
+        <p:pic>
+          <p:nvPicPr>
+            <p:cNvPr id="40" name="Picture 39" descr="C:\Users\joe\Downloads\samsung-galaxy.png"/>
+            <p:cNvPicPr>
+              <a:picLocks noChangeAspect="1" noChangeArrowheads="1"/>
+            </p:cNvPicPr>
+            <p:nvPr/>
+          </p:nvPicPr>
+          <p:blipFill rotWithShape="1">
+            <a:blip r:embed="rId4">
+              <a:extLst>
+                <a:ext uri="{28A0092B-C50C-407E-A947-70E740481C1C}">
+                  <a14:useLocalDpi xmlns:a14="http://schemas.microsoft.com/office/drawing/2010/main" val="0"/>
+                </a:ext>
+              </a:extLst>
+            </a:blip>
+            <a:srcRect l="23381" r="23040"/>
+            <a:stretch/>
+          </p:blipFill>
+          <p:spPr bwMode="auto">
+            <a:xfrm>
+              <a:off x="4870074" y="259516"/>
+              <a:ext cx="3557471" cy="6208548"/>
+            </a:xfrm>
+            <a:prstGeom prst="rect">
+              <a:avLst/>
+            </a:prstGeom>
+            <a:noFill/>
+            <a:extLst>
+              <a:ext uri="{909E8E84-426E-40DD-AFC4-6F175D3DCCD1}">
+                <a14:hiddenFill xmlns:a14="http://schemas.microsoft.com/office/drawing/2010/main">
+                  <a:solidFill>
+                    <a:srgbClr val="FFFFFF"/>
+                  </a:solidFill>
+                </a14:hiddenFill>
+              </a:ext>
+            </a:extLst>
+          </p:spPr>
+        </p:pic>
+      </p:grpSp>
+      <p:pic>
+        <p:nvPicPr>
+          <p:cNvPr id="4099" name="Picture 3"/>
+          <p:cNvPicPr>
+            <a:picLocks noChangeAspect="1" noChangeArrowheads="1"/>
+          </p:cNvPicPr>
+          <p:nvPr/>
+        </p:nvPicPr>
+        <p:blipFill>
+          <a:blip r:embed="rId5" cstate="print">
+            <a:extLst>
+              <a:ext uri="{28A0092B-C50C-407E-A947-70E740481C1C}">
+                <a14:useLocalDpi xmlns:a14="http://schemas.microsoft.com/office/drawing/2010/main" val="0"/>
+              </a:ext>
+            </a:extLst>
+          </a:blip>
+          <a:stretch>
+            <a:fillRect/>
+          </a:stretch>
+        </p:blipFill>
+        <p:spPr bwMode="auto">
+          <a:xfrm>
+            <a:off x="3111500" y="839908"/>
+            <a:ext cx="3028484" cy="5009088"/>
+          </a:xfrm>
+          <a:prstGeom prst="rect">
+            <a:avLst/>
+          </a:prstGeom>
+          <a:noFill/>
+          <a:extLst>
+            <a:ext uri="{909E8E84-426E-40DD-AFC4-6F175D3DCCD1}">
+              <a14:hiddenFill xmlns:a14="http://schemas.microsoft.com/office/drawing/2010/main">
+                <a:solidFill>
+                  <a:srgbClr val="FFFFFF"/>
+                </a:solidFill>
+              </a14:hiddenFill>
+            </a:ext>
+          </a:extLst>
+        </p:spPr>
+      </p:pic>
+    </p:spTree>
+    <p:extLst>
+      <p:ext uri="{BB962C8B-B14F-4D97-AF65-F5344CB8AC3E}">
+        <p14:creationId xmlns:p14="http://schemas.microsoft.com/office/powerpoint/2010/main" val="1167413461"/>
+      </p:ext>
+    </p:extLst>
+  </p:cSld>
+  <p:clrMapOvr>
+    <a:masterClrMapping/>
+  </p:clrMapOvr>
+  <p:transition/>
+  <p:timing>
+    <p:tnLst>
+      <p:par>
+        <p:cTn id="1" dur="indefinite" restart="never" nodeType="tmRoot"/>
+      </p:par>
+    </p:tnLst>
+  </p:timing>
+</p:sld>
+</file>
+
+<file path=ppt/slides/slide23.xml><?xml version="1.0" encoding="utf-8"?>
+<p:sld xmlns:a="http://schemas.openxmlformats.org/drawingml/2006/main" xmlns:r="http://schemas.openxmlformats.org/officeDocument/2006/relationships" xmlns:p="http://schemas.openxmlformats.org/presentationml/2006/main">
+  <p:cSld>
+    <p:spTree>
+      <p:nvGrpSpPr>
+        <p:cNvPr id="1" name=""/>
+        <p:cNvGrpSpPr/>
+        <p:nvPr/>
+      </p:nvGrpSpPr>
+      <p:grpSpPr>
+        <a:xfrm>
+          <a:off x="0" y="0"/>
+          <a:ext cx="0" cy="0"/>
+          <a:chOff x="0" y="0"/>
+          <a:chExt cx="0" cy="0"/>
+        </a:xfrm>
+      </p:grpSpPr>
+      <p:grpSp>
+        <p:nvGrpSpPr>
+          <p:cNvPr id="39" name="그룹 38"/>
+          <p:cNvGrpSpPr/>
+          <p:nvPr/>
+        </p:nvGrpSpPr>
+        <p:grpSpPr>
+          <a:xfrm>
+            <a:off x="3040061" y="271855"/>
+            <a:ext cx="3134455" cy="6175390"/>
+            <a:chOff x="5087365" y="374507"/>
+            <a:chExt cx="3073468" cy="6007946"/>
+          </a:xfrm>
+        </p:grpSpPr>
+        <p:grpSp>
+          <p:nvGrpSpPr>
+            <p:cNvPr id="41" name="그룹 40"/>
+            <p:cNvGrpSpPr/>
+            <p:nvPr/>
+          </p:nvGrpSpPr>
+          <p:grpSpPr>
+            <a:xfrm>
+              <a:off x="5087365" y="374507"/>
+              <a:ext cx="3073468" cy="6007946"/>
+              <a:chOff x="1337446" y="-1404313"/>
+              <a:chExt cx="3073468" cy="6007942"/>
+            </a:xfrm>
+          </p:grpSpPr>
+          <p:pic>
+            <p:nvPicPr>
+              <p:cNvPr id="43" name="Picture 43" descr="모바일 배경화면에 대한 이미지 검색결과"/>
+              <p:cNvPicPr>
+                <a:picLocks noChangeAspect="1" noChangeArrowheads="1"/>
+              </p:cNvPicPr>
+              <p:nvPr/>
+            </p:nvPicPr>
+            <p:blipFill>
+              <a:blip r:embed="rId2">
+                <a:extLst>
+                  <a:ext uri="{28A0092B-C50C-407E-A947-70E740481C1C}">
+                    <a14:useLocalDpi xmlns:a14="http://schemas.microsoft.com/office/drawing/2010/main" val="0"/>
+                  </a:ext>
+                </a:extLst>
+              </a:blip>
+              <a:srcRect/>
+              <a:stretch>
+                <a:fillRect/>
+              </a:stretch>
+            </p:blipFill>
+            <p:spPr bwMode="auto">
+              <a:xfrm>
+                <a:off x="1337446" y="-939973"/>
+                <a:ext cx="3073468" cy="5036890"/>
+              </a:xfrm>
+              <a:prstGeom prst="rect">
+                <a:avLst/>
+              </a:prstGeom>
+              <a:noFill/>
+              <a:extLst>
+                <a:ext uri="{909E8E84-426E-40DD-AFC4-6F175D3DCCD1}">
+                  <a14:hiddenFill xmlns:a14="http://schemas.microsoft.com/office/drawing/2010/main">
+                    <a:solidFill>
+                      <a:srgbClr val="FFFFFF"/>
+                    </a:solidFill>
+                  </a14:hiddenFill>
+                </a:ext>
+              </a:extLst>
+            </p:spPr>
+          </p:pic>
+          <p:sp>
+            <p:nvSpPr>
+              <p:cNvPr id="45" name="직사각형 44"/>
+              <p:cNvSpPr/>
+              <p:nvPr/>
+            </p:nvSpPr>
+            <p:spPr>
+              <a:xfrm>
+                <a:off x="1814233" y="4221158"/>
+                <a:ext cx="2119893" cy="382471"/>
+              </a:xfrm>
+              <a:prstGeom prst="rect">
+                <a:avLst/>
+              </a:prstGeom>
+              <a:solidFill>
+                <a:schemeClr val="bg1"/>
+              </a:solidFill>
+            </p:spPr>
+            <p:style>
+              <a:lnRef idx="2">
+                <a:schemeClr val="accent1">
+                  <a:shade val="20000"/>
+                </a:schemeClr>
+              </a:lnRef>
+              <a:fillRef idx="1">
+                <a:schemeClr val="accent1"/>
+              </a:fillRef>
+              <a:effectRef idx="0">
+                <a:schemeClr val="accent1"/>
+              </a:effectRef>
+              <a:fontRef idx="minor">
+                <a:schemeClr val="lt1"/>
+              </a:fontRef>
+            </p:style>
+            <p:txBody>
+              <a:bodyPr rtlCol="0" anchor="ctr"/>
+              <a:lstStyle/>
+              <a:p>
+                <a:pPr algn="ctr"/>
+                <a:endParaRPr lang="ko-KR" altLang="en-US"/>
+              </a:p>
+            </p:txBody>
+          </p:sp>
+          <p:sp>
+            <p:nvSpPr>
+              <p:cNvPr id="44" name="직사각형 43"/>
+              <p:cNvSpPr/>
+              <p:nvPr/>
+            </p:nvSpPr>
+            <p:spPr>
+              <a:xfrm>
+                <a:off x="1713078" y="-1404313"/>
+                <a:ext cx="2417346" cy="464340"/>
+              </a:xfrm>
+              <a:prstGeom prst="rect">
+                <a:avLst/>
+              </a:prstGeom>
+              <a:solidFill>
+                <a:schemeClr val="bg1"/>
+              </a:solidFill>
+            </p:spPr>
+            <p:style>
+              <a:lnRef idx="2">
+                <a:schemeClr val="accent1">
+                  <a:shade val="20000"/>
+                </a:schemeClr>
+              </a:lnRef>
+              <a:fillRef idx="1">
+                <a:schemeClr val="accent1"/>
+              </a:fillRef>
+              <a:effectRef idx="0">
+                <a:schemeClr val="accent1"/>
+              </a:effectRef>
+              <a:fontRef idx="minor">
+                <a:schemeClr val="lt1"/>
+              </a:fontRef>
+            </p:style>
+            <p:txBody>
+              <a:bodyPr rtlCol="0" anchor="ctr"/>
+              <a:lstStyle/>
+              <a:p>
+                <a:pPr algn="ctr"/>
+                <a:endParaRPr lang="ko-KR" altLang="en-US"/>
+              </a:p>
+            </p:txBody>
+          </p:sp>
+        </p:grpSp>
+        <p:pic>
+          <p:nvPicPr>
+            <p:cNvPr id="42" name="Picture 44"/>
+            <p:cNvPicPr>
+              <a:picLocks noChangeAspect="1" noChangeArrowheads="1"/>
+            </p:cNvPicPr>
+            <p:nvPr/>
+          </p:nvPicPr>
+          <p:blipFill>
+            <a:blip r:embed="rId3">
+              <a:extLst>
+                <a:ext uri="{28A0092B-C50C-407E-A947-70E740481C1C}">
+                  <a14:useLocalDpi xmlns:a14="http://schemas.microsoft.com/office/drawing/2010/main" val="0"/>
+                </a:ext>
+              </a:extLst>
+            </a:blip>
+            <a:srcRect/>
+            <a:stretch>
+              <a:fillRect/>
+            </a:stretch>
+          </p:blipFill>
+          <p:spPr bwMode="auto">
+            <a:xfrm>
+              <a:off x="5106724" y="914663"/>
+              <a:ext cx="3020249" cy="230531"/>
+            </a:xfrm>
+            <a:prstGeom prst="rect">
+              <a:avLst/>
+            </a:prstGeom>
+            <a:noFill/>
+            <a:ln>
+              <a:noFill/>
+            </a:ln>
+            <a:effectLst/>
+            <a:extLst>
+              <a:ext uri="{909E8E84-426E-40DD-AFC4-6F175D3DCCD1}">
+                <a14:hiddenFill xmlns:a14="http://schemas.microsoft.com/office/drawing/2010/main">
+                  <a:solidFill>
+                    <a:schemeClr val="accent1"/>
+                  </a:solidFill>
+                </a14:hiddenFill>
+              </a:ext>
+              <a:ext uri="{91240B29-F687-4F45-9708-019B960494DF}">
+                <a14:hiddenLine xmlns:a14="http://schemas.microsoft.com/office/drawing/2010/main" w="9525">
+                  <a:solidFill>
+                    <a:schemeClr val="tx1"/>
+                  </a:solidFill>
+                  <a:miter lim="800000"/>
+                  <a:headEnd/>
+                  <a:tailEnd/>
+                </a14:hiddenLine>
+              </a:ext>
+              <a:ext uri="{AF507438-7753-43E0-B8FC-AC1667EBCBE1}">
+                <a14:hiddenEffects xmlns:a14="http://schemas.microsoft.com/office/drawing/2010/main">
+                  <a:effectLst>
+                    <a:outerShdw dist="35921" dir="2700000" algn="ctr" rotWithShape="0">
+                      <a:schemeClr val="bg2"/>
+                    </a:outerShdw>
+                  </a:effectLst>
+                </a14:hiddenEffects>
+              </a:ext>
+            </a:extLst>
+          </p:spPr>
+        </p:pic>
+      </p:grpSp>
+      <p:sp>
+        <p:nvSpPr>
+          <p:cNvPr id="4" name="AutoShape 12" descr="Cover art"/>
+          <p:cNvSpPr>
+            <a:spLocks noChangeAspect="1" noChangeArrowheads="1"/>
+          </p:cNvSpPr>
+          <p:nvPr/>
+        </p:nvSpPr>
+        <p:spPr bwMode="auto">
+          <a:xfrm>
+            <a:off x="168275" y="-144463"/>
+            <a:ext cx="304800" cy="304801"/>
+          </a:xfrm>
+          <a:prstGeom prst="rect">
+            <a:avLst/>
+          </a:prstGeom>
+          <a:noFill/>
+          <a:extLst>
+            <a:ext uri="{909E8E84-426E-40DD-AFC4-6F175D3DCCD1}">
+              <a14:hiddenFill xmlns:a14="http://schemas.microsoft.com/office/drawing/2010/main">
+                <a:solidFill>
+                  <a:srgbClr val="FFFFFF"/>
+                </a:solidFill>
+              </a14:hiddenFill>
+            </a:ext>
+          </a:extLst>
+        </p:spPr>
+        <p:txBody>
+          <a:bodyPr vert="horz" wrap="square" lIns="91440" tIns="45720" rIns="91440" bIns="45720" numCol="1" anchor="t" anchorCtr="0" compatLnSpc="1">
+            <a:prstTxWarp prst="textNoShape">
+              <a:avLst/>
+            </a:prstTxWarp>
+          </a:bodyPr>
+          <a:lstStyle/>
+          <a:p>
+            <a:endParaRPr lang="ko-KR" altLang="en-US"/>
+          </a:p>
+        </p:txBody>
+      </p:sp>
+      <p:pic>
+        <p:nvPicPr>
+          <p:cNvPr id="18" name="Picture 2"/>
+          <p:cNvPicPr>
+            <a:picLocks noChangeAspect="1" noChangeArrowheads="1"/>
+          </p:cNvPicPr>
+          <p:nvPr/>
+        </p:nvPicPr>
+        <p:blipFill>
+          <a:blip r:embed="rId4" cstate="print">
+            <a:extLst>
+              <a:ext uri="{28A0092B-C50C-407E-A947-70E740481C1C}">
+                <a14:useLocalDpi xmlns:a14="http://schemas.microsoft.com/office/drawing/2010/main" val="0"/>
+              </a:ext>
+            </a:extLst>
+          </a:blip>
+          <a:srcRect/>
+          <a:stretch>
+            <a:fillRect/>
+          </a:stretch>
+        </p:blipFill>
+        <p:spPr bwMode="auto">
+          <a:xfrm>
+            <a:off x="3117056" y="1454944"/>
+            <a:ext cx="3022928" cy="5626170"/>
+          </a:xfrm>
+          <a:prstGeom prst="rect">
+            <a:avLst/>
+          </a:prstGeom>
+          <a:noFill/>
+          <a:ln>
+            <a:noFill/>
+          </a:ln>
+          <a:extLst>
+            <a:ext uri="{909E8E84-426E-40DD-AFC4-6F175D3DCCD1}">
+              <a14:hiddenFill xmlns:a14="http://schemas.microsoft.com/office/drawing/2010/main">
+                <a:solidFill>
+                  <a:schemeClr val="accent1"/>
+                </a:solidFill>
+              </a14:hiddenFill>
+            </a:ext>
+            <a:ext uri="{91240B29-F687-4F45-9708-019B960494DF}">
+              <a14:hiddenLine xmlns:a14="http://schemas.microsoft.com/office/drawing/2010/main" w="9525">
+                <a:solidFill>
+                  <a:schemeClr val="tx1"/>
+                </a:solidFill>
+                <a:miter lim="800000"/>
+                <a:headEnd/>
+                <a:tailEnd/>
+              </a14:hiddenLine>
+            </a:ext>
+          </a:extLst>
+        </p:spPr>
+      </p:pic>
+      <p:sp>
+        <p:nvSpPr>
+          <p:cNvPr id="5" name="AutoShape 14" descr="Cover art"/>
+          <p:cNvSpPr>
+            <a:spLocks noChangeAspect="1" noChangeArrowheads="1"/>
+          </p:cNvSpPr>
+          <p:nvPr/>
+        </p:nvSpPr>
+        <p:spPr bwMode="auto">
+          <a:xfrm>
+            <a:off x="320675" y="7937"/>
+            <a:ext cx="304800" cy="304801"/>
+          </a:xfrm>
+          <a:prstGeom prst="rect">
+            <a:avLst/>
+          </a:prstGeom>
+          <a:noFill/>
+          <a:extLst>
+            <a:ext uri="{909E8E84-426E-40DD-AFC4-6F175D3DCCD1}">
+              <a14:hiddenFill xmlns:a14="http://schemas.microsoft.com/office/drawing/2010/main">
+                <a:solidFill>
+                  <a:srgbClr val="FFFFFF"/>
+                </a:solidFill>
+              </a14:hiddenFill>
+            </a:ext>
+          </a:extLst>
+        </p:spPr>
+        <p:txBody>
+          <a:bodyPr vert="horz" wrap="square" lIns="91440" tIns="45720" rIns="91440" bIns="45720" numCol="1" anchor="t" anchorCtr="0" compatLnSpc="1">
+            <a:prstTxWarp prst="textNoShape">
+              <a:avLst/>
+            </a:prstTxWarp>
+          </a:bodyPr>
+          <a:lstStyle/>
+          <a:p>
+            <a:endParaRPr lang="ko-KR" altLang="en-US"/>
+          </a:p>
+        </p:txBody>
+      </p:sp>
+      <p:sp>
+        <p:nvSpPr>
+          <p:cNvPr id="6" name="AutoShape 16" descr="Cover art"/>
+          <p:cNvSpPr>
+            <a:spLocks noChangeAspect="1" noChangeArrowheads="1"/>
+          </p:cNvSpPr>
+          <p:nvPr/>
+        </p:nvSpPr>
+        <p:spPr bwMode="auto">
+          <a:xfrm>
+            <a:off x="473075" y="160337"/>
+            <a:ext cx="304800" cy="304801"/>
+          </a:xfrm>
+          <a:prstGeom prst="rect">
+            <a:avLst/>
+          </a:prstGeom>
+          <a:noFill/>
+          <a:extLst>
+            <a:ext uri="{909E8E84-426E-40DD-AFC4-6F175D3DCCD1}">
+              <a14:hiddenFill xmlns:a14="http://schemas.microsoft.com/office/drawing/2010/main">
+                <a:solidFill>
+                  <a:srgbClr val="FFFFFF"/>
+                </a:solidFill>
+              </a14:hiddenFill>
+            </a:ext>
+          </a:extLst>
+        </p:spPr>
+        <p:txBody>
+          <a:bodyPr vert="horz" wrap="square" lIns="91440" tIns="45720" rIns="91440" bIns="45720" numCol="1" anchor="t" anchorCtr="0" compatLnSpc="1">
+            <a:prstTxWarp prst="textNoShape">
+              <a:avLst/>
+            </a:prstTxWarp>
+          </a:bodyPr>
+          <a:lstStyle/>
+          <a:p>
+            <a:endParaRPr lang="ko-KR" altLang="en-US"/>
+          </a:p>
+        </p:txBody>
+      </p:sp>
+      <p:sp>
+        <p:nvSpPr>
+          <p:cNvPr id="7" name="AutoShape 18" descr="Cover art"/>
+          <p:cNvSpPr>
+            <a:spLocks noChangeAspect="1" noChangeArrowheads="1"/>
+          </p:cNvSpPr>
+          <p:nvPr/>
+        </p:nvSpPr>
+        <p:spPr bwMode="auto">
+          <a:xfrm>
+            <a:off x="625475" y="312737"/>
+            <a:ext cx="304800" cy="304801"/>
+          </a:xfrm>
+          <a:prstGeom prst="rect">
+            <a:avLst/>
+          </a:prstGeom>
+          <a:noFill/>
+          <a:extLst>
+            <a:ext uri="{909E8E84-426E-40DD-AFC4-6F175D3DCCD1}">
+              <a14:hiddenFill xmlns:a14="http://schemas.microsoft.com/office/drawing/2010/main">
+                <a:solidFill>
+                  <a:srgbClr val="FFFFFF"/>
+                </a:solidFill>
+              </a14:hiddenFill>
+            </a:ext>
+          </a:extLst>
+        </p:spPr>
+        <p:txBody>
+          <a:bodyPr vert="horz" wrap="square" lIns="91440" tIns="45720" rIns="91440" bIns="45720" numCol="1" anchor="t" anchorCtr="0" compatLnSpc="1">
+            <a:prstTxWarp prst="textNoShape">
+              <a:avLst/>
+            </a:prstTxWarp>
+          </a:bodyPr>
+          <a:lstStyle/>
+          <a:p>
+            <a:endParaRPr lang="ko-KR" altLang="en-US"/>
+          </a:p>
+        </p:txBody>
+      </p:sp>
+      <p:sp>
+        <p:nvSpPr>
+          <p:cNvPr id="8" name="AutoShape 20" descr="Cover art"/>
+          <p:cNvSpPr>
+            <a:spLocks noChangeAspect="1" noChangeArrowheads="1"/>
+          </p:cNvSpPr>
+          <p:nvPr/>
+        </p:nvSpPr>
+        <p:spPr bwMode="auto">
+          <a:xfrm>
+            <a:off x="777875" y="465137"/>
+            <a:ext cx="304800" cy="304801"/>
+          </a:xfrm>
+          <a:prstGeom prst="rect">
+            <a:avLst/>
+          </a:prstGeom>
+          <a:noFill/>
+          <a:extLst>
+            <a:ext uri="{909E8E84-426E-40DD-AFC4-6F175D3DCCD1}">
+              <a14:hiddenFill xmlns:a14="http://schemas.microsoft.com/office/drawing/2010/main">
+                <a:solidFill>
+                  <a:srgbClr val="FFFFFF"/>
+                </a:solidFill>
+              </a14:hiddenFill>
+            </a:ext>
+          </a:extLst>
+        </p:spPr>
+        <p:txBody>
+          <a:bodyPr vert="horz" wrap="square" lIns="91440" tIns="45720" rIns="91440" bIns="45720" numCol="1" anchor="t" anchorCtr="0" compatLnSpc="1">
+            <a:prstTxWarp prst="textNoShape">
+              <a:avLst/>
+            </a:prstTxWarp>
+          </a:bodyPr>
+          <a:lstStyle/>
+          <a:p>
+            <a:endParaRPr lang="ko-KR" altLang="en-US"/>
+          </a:p>
+        </p:txBody>
+      </p:sp>
+      <p:pic>
+        <p:nvPicPr>
+          <p:cNvPr id="4099" name="Picture 3"/>
+          <p:cNvPicPr>
+            <a:picLocks noChangeAspect="1" noChangeArrowheads="1"/>
+          </p:cNvPicPr>
+          <p:nvPr/>
+        </p:nvPicPr>
+        <p:blipFill rotWithShape="1">
+          <a:blip r:embed="rId5" cstate="print">
+            <a:extLst>
+              <a:ext uri="{28A0092B-C50C-407E-A947-70E740481C1C}">
+                <a14:useLocalDpi xmlns:a14="http://schemas.microsoft.com/office/drawing/2010/main" val="0"/>
+              </a:ext>
+            </a:extLst>
+          </a:blip>
+          <a:srcRect b="87722"/>
+          <a:stretch/>
+        </p:blipFill>
+        <p:spPr bwMode="auto">
+          <a:xfrm>
+            <a:off x="3117056" y="839908"/>
+            <a:ext cx="3022928" cy="615036"/>
+          </a:xfrm>
+          <a:prstGeom prst="rect">
+            <a:avLst/>
+          </a:prstGeom>
+          <a:noFill/>
+          <a:extLst>
+            <a:ext uri="{909E8E84-426E-40DD-AFC4-6F175D3DCCD1}">
+              <a14:hiddenFill xmlns:a14="http://schemas.microsoft.com/office/drawing/2010/main">
+                <a:solidFill>
+                  <a:srgbClr val="FFFFFF"/>
+                </a:solidFill>
+              </a14:hiddenFill>
+            </a:ext>
+          </a:extLst>
+        </p:spPr>
+      </p:pic>
+      <p:pic>
+        <p:nvPicPr>
+          <p:cNvPr id="20" name="Picture 3"/>
+          <p:cNvPicPr>
+            <a:picLocks noChangeAspect="1" noChangeArrowheads="1"/>
+          </p:cNvPicPr>
+          <p:nvPr/>
+        </p:nvPicPr>
+        <p:blipFill rotWithShape="1">
+          <a:blip r:embed="rId6" cstate="print">
+            <a:extLst>
+              <a:ext uri="{28A0092B-C50C-407E-A947-70E740481C1C}">
+                <a14:useLocalDpi xmlns:a14="http://schemas.microsoft.com/office/drawing/2010/main" val="0"/>
+              </a:ext>
+            </a:extLst>
+          </a:blip>
+          <a:srcRect t="91558"/>
+          <a:stretch/>
+        </p:blipFill>
+        <p:spPr bwMode="auto">
+          <a:xfrm>
+            <a:off x="3117056" y="5427338"/>
+            <a:ext cx="3022928" cy="422921"/>
+          </a:xfrm>
+          <a:prstGeom prst="rect">
+            <a:avLst/>
+          </a:prstGeom>
+          <a:noFill/>
+          <a:extLst>
+            <a:ext uri="{909E8E84-426E-40DD-AFC4-6F175D3DCCD1}">
+              <a14:hiddenFill xmlns:a14="http://schemas.microsoft.com/office/drawing/2010/main">
+                <a:solidFill>
+                  <a:srgbClr val="FFFFFF"/>
+                </a:solidFill>
+              </a14:hiddenFill>
+            </a:ext>
+          </a:extLst>
+        </p:spPr>
+      </p:pic>
+      <p:grpSp>
+        <p:nvGrpSpPr>
+          <p:cNvPr id="10" name="그룹 9"/>
+          <p:cNvGrpSpPr/>
+          <p:nvPr/>
+        </p:nvGrpSpPr>
+        <p:grpSpPr>
+          <a:xfrm>
+            <a:off x="3117057" y="6108570"/>
+            <a:ext cx="3095560" cy="1138049"/>
+            <a:chOff x="3117057" y="6108570"/>
+            <a:chExt cx="3095560" cy="1138049"/>
+          </a:xfrm>
+        </p:grpSpPr>
+        <p:sp>
+          <p:nvSpPr>
+            <p:cNvPr id="3" name="순서도: 저장 데이터 2"/>
+            <p:cNvSpPr/>
+            <p:nvPr/>
+          </p:nvSpPr>
+          <p:spPr>
+            <a:xfrm rot="16200000">
+              <a:off x="4166866" y="5200869"/>
+              <a:ext cx="995941" cy="3095560"/>
+            </a:xfrm>
+            <a:prstGeom prst="flowChartOnlineStorage">
+              <a:avLst/>
+            </a:prstGeom>
+            <a:ln>
+              <a:noFill/>
+            </a:ln>
+          </p:spPr>
+          <p:style>
+            <a:lnRef idx="2">
+              <a:schemeClr val="accent1">
+                <a:shade val="20000"/>
+              </a:schemeClr>
+            </a:lnRef>
+            <a:fillRef idx="1">
+              <a:schemeClr val="accent1"/>
+            </a:fillRef>
+            <a:effectRef idx="0">
+              <a:schemeClr val="accent1"/>
+            </a:effectRef>
+            <a:fontRef idx="minor">
+              <a:schemeClr val="lt1"/>
+            </a:fontRef>
+          </p:style>
+          <p:txBody>
+            <a:bodyPr rtlCol="0" anchor="ctr"/>
+            <a:lstStyle/>
+            <a:p>
+              <a:pPr algn="ctr"/>
+              <a:endParaRPr lang="ko-KR" altLang="en-US"/>
+            </a:p>
+          </p:txBody>
+        </p:sp>
+        <p:sp>
+          <p:nvSpPr>
+            <p:cNvPr id="9" name="직사각형 8"/>
+            <p:cNvSpPr/>
+            <p:nvPr/>
+          </p:nvSpPr>
+          <p:spPr>
+            <a:xfrm>
+              <a:off x="3924935" y="6108570"/>
+              <a:ext cx="1393825" cy="338676"/>
+            </a:xfrm>
+            <a:prstGeom prst="rect">
+              <a:avLst/>
+            </a:prstGeom>
+            <a:solidFill>
+              <a:schemeClr val="bg1"/>
+            </a:solidFill>
+            <a:ln>
+              <a:noFill/>
+            </a:ln>
+          </p:spPr>
+          <p:style>
+            <a:lnRef idx="2">
+              <a:schemeClr val="accent1">
+                <a:shade val="20000"/>
+              </a:schemeClr>
+            </a:lnRef>
+            <a:fillRef idx="1">
+              <a:schemeClr val="accent1"/>
+            </a:fillRef>
+            <a:effectRef idx="0">
+              <a:schemeClr val="accent1"/>
+            </a:effectRef>
+            <a:fontRef idx="minor">
+              <a:schemeClr val="lt1"/>
+            </a:fontRef>
+          </p:style>
+          <p:txBody>
+            <a:bodyPr rtlCol="0" anchor="ctr"/>
+            <a:lstStyle/>
+            <a:p>
+              <a:pPr algn="ctr"/>
+              <a:endParaRPr lang="ko-KR" altLang="en-US"/>
+            </a:p>
+          </p:txBody>
+        </p:sp>
+      </p:grpSp>
+      <p:sp>
+        <p:nvSpPr>
+          <p:cNvPr id="26" name="순서도: 저장 데이터 25"/>
+          <p:cNvSpPr/>
+          <p:nvPr/>
+        </p:nvSpPr>
+        <p:spPr>
+          <a:xfrm rot="5400000">
+            <a:off x="4134519" y="-1535255"/>
+            <a:ext cx="995941" cy="3095560"/>
+          </a:xfrm>
+          <a:prstGeom prst="flowChartOnlineStorage">
+            <a:avLst/>
+          </a:prstGeom>
+          <a:ln>
+            <a:noFill/>
+          </a:ln>
+        </p:spPr>
+        <p:style>
+          <a:lnRef idx="2">
+            <a:schemeClr val="accent1">
+              <a:shade val="20000"/>
+            </a:schemeClr>
+          </a:lnRef>
+          <a:fillRef idx="1">
+            <a:schemeClr val="accent1"/>
+          </a:fillRef>
+          <a:effectRef idx="0">
+            <a:schemeClr val="accent1"/>
+          </a:effectRef>
+          <a:fontRef idx="minor">
+            <a:schemeClr val="lt1"/>
+          </a:fontRef>
+        </p:style>
+        <p:txBody>
+          <a:bodyPr rtlCol="0" anchor="ctr"/>
+          <a:lstStyle/>
+          <a:p>
+            <a:pPr algn="ctr"/>
+            <a:endParaRPr lang="ko-KR" altLang="en-US"/>
+          </a:p>
+        </p:txBody>
+      </p:sp>
+      <p:pic>
+        <p:nvPicPr>
+          <p:cNvPr id="40" name="Picture 39" descr="C:\Users\joe\Downloads\samsung-galaxy.png"/>
+          <p:cNvPicPr>
+            <a:picLocks noChangeAspect="1" noChangeArrowheads="1"/>
+          </p:cNvPicPr>
+          <p:nvPr/>
+        </p:nvPicPr>
+        <p:blipFill rotWithShape="1">
+          <a:blip r:embed="rId7">
+            <a:extLst>
+              <a:ext uri="{28A0092B-C50C-407E-A947-70E740481C1C}">
+                <a14:useLocalDpi xmlns:a14="http://schemas.microsoft.com/office/drawing/2010/main" val="0"/>
+              </a:ext>
+            </a:extLst>
+          </a:blip>
+          <a:srcRect l="23381" r="23040"/>
+          <a:stretch/>
+        </p:blipFill>
+        <p:spPr bwMode="auto">
+          <a:xfrm>
+            <a:off x="2818458" y="153659"/>
+            <a:ext cx="3628062" cy="6381587"/>
+          </a:xfrm>
+          <a:prstGeom prst="rect">
+            <a:avLst/>
+          </a:prstGeom>
+          <a:noFill/>
+          <a:extLst>
+            <a:ext uri="{909E8E84-426E-40DD-AFC4-6F175D3DCCD1}">
+              <a14:hiddenFill xmlns:a14="http://schemas.microsoft.com/office/drawing/2010/main">
+                <a:solidFill>
+                  <a:srgbClr val="FFFFFF"/>
+                </a:solidFill>
+              </a14:hiddenFill>
+            </a:ext>
+          </a:extLst>
+        </p:spPr>
+      </p:pic>
+    </p:spTree>
+    <p:extLst>
+      <p:ext uri="{BB962C8B-B14F-4D97-AF65-F5344CB8AC3E}">
+        <p14:creationId xmlns:p14="http://schemas.microsoft.com/office/powerpoint/2010/main" val="58639143"/>
+      </p:ext>
+    </p:extLst>
+  </p:cSld>
+  <p:clrMapOvr>
+    <a:masterClrMapping/>
+  </p:clrMapOvr>
+  <p:transition/>
+  <p:timing>
+    <p:tnLst>
+      <p:par>
+        <p:cTn id="1" dur="indefinite" restart="never" nodeType="tmRoot">
+          <p:childTnLst>
+            <p:seq concurrent="1" nextAc="seek">
+              <p:cTn id="2" dur="indefinite" nodeType="mainSeq">
+                <p:childTnLst>
+                  <p:par>
+                    <p:cTn id="3" fill="hold">
+                      <p:stCondLst>
+                        <p:cond delay="indefinite"/>
+                      </p:stCondLst>
+                      <p:childTnLst>
+                        <p:par>
+                          <p:cTn id="4" fill="hold">
+                            <p:stCondLst>
+                              <p:cond delay="0"/>
+                            </p:stCondLst>
+                            <p:childTnLst>
+                              <p:par>
+                                <p:cTn id="5" presetID="64" presetClass="path" presetSubtype="0" accel="50000" decel="50000" fill="hold" nodeType="clickEffect">
+                                  <p:stCondLst>
+                                    <p:cond delay="0"/>
+                                  </p:stCondLst>
+                                  <p:childTnLst>
+                                    <p:animMotion origin="layout" path="M -9.16667E-6 -0.00092 L -9.16667E-6 -0.23981 " pathEditMode="fixed" rAng="0" ptsTypes="AA">
+                                      <p:cBhvr>
+                                        <p:cTn id="6" dur="2000" fill="hold"/>
+                                        <p:tgtEl>
+                                          <p:spTgt spid="18"/>
+                                        </p:tgtEl>
+                                        <p:attrNameLst>
+                                          <p:attrName>ppt_x</p:attrName>
+                                          <p:attrName>ppt_y</p:attrName>
+                                        </p:attrNameLst>
+                                      </p:cBhvr>
+                                      <p:rCtr x="0" y="-11944"/>
+                                    </p:animMotion>
+                                  </p:childTnLst>
+                                </p:cTn>
+                              </p:par>
+                            </p:childTnLst>
+                          </p:cTn>
+                        </p:par>
+                      </p:childTnLst>
+                    </p:cTn>
+                  </p:par>
+                </p:childTnLst>
+              </p:cTn>
+              <p:prevCondLst>
+                <p:cond evt="onPrev" delay="0">
+                  <p:tgtEl>
+                    <p:sldTgt/>
+                  </p:tgtEl>
+                </p:cond>
+              </p:prevCondLst>
+              <p:nextCondLst>
+                <p:cond evt="onNext" delay="0">
+                  <p:tgtEl>
+                    <p:sldTgt/>
+                  </p:tgtEl>
+                </p:cond>
+              </p:nextCondLst>
+            </p:seq>
+          </p:childTnLst>
+        </p:cTn>
+      </p:par>
+    </p:tnLst>
+  </p:timing>
+</p:sld>
+</file>
+
+<file path=ppt/slides/slide24.xml><?xml version="1.0" encoding="utf-8"?>
+<p:sld xmlns:a="http://schemas.openxmlformats.org/drawingml/2006/main" xmlns:r="http://schemas.openxmlformats.org/officeDocument/2006/relationships" xmlns:p="http://schemas.openxmlformats.org/presentationml/2006/main">
+  <p:cSld>
+    <p:spTree>
+      <p:nvGrpSpPr>
+        <p:cNvPr id="1" name=""/>
+        <p:cNvGrpSpPr/>
+        <p:nvPr/>
+      </p:nvGrpSpPr>
+      <p:grpSpPr>
+        <a:xfrm>
+          <a:off x="0" y="0"/>
+          <a:ext cx="0" cy="0"/>
+          <a:chOff x="0" y="0"/>
+          <a:chExt cx="0" cy="0"/>
+        </a:xfrm>
+      </p:grpSpPr>
+      <p:sp>
+        <p:nvSpPr>
+          <p:cNvPr id="25" name="직사각형 24"/>
+          <p:cNvSpPr/>
+          <p:nvPr/>
+        </p:nvSpPr>
+        <p:spPr>
+          <a:xfrm>
+            <a:off x="237067" y="160337"/>
+            <a:ext cx="8832850" cy="6535737"/>
+          </a:xfrm>
+          <a:prstGeom prst="rect">
+            <a:avLst/>
+          </a:prstGeom>
+          <a:solidFill>
+            <a:schemeClr val="accent1">
+              <a:lumMod val="75000"/>
+            </a:schemeClr>
+          </a:solidFill>
+          <a:ln w="38100">
+            <a:solidFill>
+              <a:schemeClr val="tx1"/>
+            </a:solidFill>
+          </a:ln>
+          <a:effectLst>
+            <a:outerShdw blurRad="63500" dist="38100" dir="5400000" algn="t" rotWithShape="0">
+              <a:prstClr val="black">
+                <a:alpha val="17000"/>
+              </a:prstClr>
+            </a:outerShdw>
+          </a:effectLst>
+        </p:spPr>
+        <p:style>
+          <a:lnRef idx="2">
+            <a:schemeClr val="accent1">
+              <a:shade val="50000"/>
+            </a:schemeClr>
+          </a:lnRef>
+          <a:fillRef idx="1">
+            <a:schemeClr val="accent1"/>
+          </a:fillRef>
+          <a:effectRef idx="0">
+            <a:schemeClr val="accent1"/>
+          </a:effectRef>
+          <a:fontRef idx="minor">
+            <a:schemeClr val="lt1"/>
+          </a:fontRef>
+        </p:style>
+        <p:txBody>
+          <a:bodyPr anchor="ctr"/>
+          <a:lstStyle/>
+          <a:p>
+            <a:pPr algn="ctr">
+              <a:defRPr lang="ko-KR" altLang="en-US"/>
+            </a:pPr>
+            <a:endParaRPr lang="ko-KR" altLang="en-US"/>
+          </a:p>
+        </p:txBody>
+      </p:sp>
+      <p:sp>
+        <p:nvSpPr>
+          <p:cNvPr id="4" name="AutoShape 12" descr="Cover art"/>
+          <p:cNvSpPr>
+            <a:spLocks noChangeAspect="1" noChangeArrowheads="1"/>
+          </p:cNvSpPr>
+          <p:nvPr/>
+        </p:nvSpPr>
+        <p:spPr bwMode="auto">
+          <a:xfrm>
+            <a:off x="168275" y="-144463"/>
+            <a:ext cx="304800" cy="304801"/>
+          </a:xfrm>
+          <a:prstGeom prst="rect">
+            <a:avLst/>
+          </a:prstGeom>
+          <a:noFill/>
+          <a:extLst>
+            <a:ext uri="{909E8E84-426E-40DD-AFC4-6F175D3DCCD1}">
+              <a14:hiddenFill xmlns:a14="http://schemas.microsoft.com/office/drawing/2010/main">
+                <a:solidFill>
+                  <a:srgbClr val="FFFFFF"/>
+                </a:solidFill>
+              </a14:hiddenFill>
+            </a:ext>
+          </a:extLst>
+        </p:spPr>
+        <p:txBody>
+          <a:bodyPr vert="horz" wrap="square" lIns="91440" tIns="45720" rIns="91440" bIns="45720" numCol="1" anchor="t" anchorCtr="0" compatLnSpc="1">
+            <a:prstTxWarp prst="textNoShape">
+              <a:avLst/>
+            </a:prstTxWarp>
+          </a:bodyPr>
+          <a:lstStyle/>
+          <a:p>
+            <a:endParaRPr lang="ko-KR" altLang="en-US"/>
+          </a:p>
+        </p:txBody>
+      </p:sp>
+      <p:sp>
+        <p:nvSpPr>
+          <p:cNvPr id="5" name="AutoShape 14" descr="Cover art"/>
+          <p:cNvSpPr>
+            <a:spLocks noChangeAspect="1" noChangeArrowheads="1"/>
+          </p:cNvSpPr>
+          <p:nvPr/>
+        </p:nvSpPr>
+        <p:spPr bwMode="auto">
+          <a:xfrm>
+            <a:off x="320675" y="7937"/>
+            <a:ext cx="304800" cy="304801"/>
+          </a:xfrm>
+          <a:prstGeom prst="rect">
+            <a:avLst/>
+          </a:prstGeom>
+          <a:noFill/>
+          <a:extLst>
+            <a:ext uri="{909E8E84-426E-40DD-AFC4-6F175D3DCCD1}">
+              <a14:hiddenFill xmlns:a14="http://schemas.microsoft.com/office/drawing/2010/main">
+                <a:solidFill>
+                  <a:srgbClr val="FFFFFF"/>
+                </a:solidFill>
+              </a14:hiddenFill>
+            </a:ext>
+          </a:extLst>
+        </p:spPr>
+        <p:txBody>
+          <a:bodyPr vert="horz" wrap="square" lIns="91440" tIns="45720" rIns="91440" bIns="45720" numCol="1" anchor="t" anchorCtr="0" compatLnSpc="1">
+            <a:prstTxWarp prst="textNoShape">
+              <a:avLst/>
+            </a:prstTxWarp>
+          </a:bodyPr>
+          <a:lstStyle/>
+          <a:p>
+            <a:endParaRPr lang="ko-KR" altLang="en-US"/>
+          </a:p>
+        </p:txBody>
+      </p:sp>
+      <p:sp>
+        <p:nvSpPr>
+          <p:cNvPr id="6" name="AutoShape 16" descr="Cover art"/>
+          <p:cNvSpPr>
+            <a:spLocks noChangeAspect="1" noChangeArrowheads="1"/>
+          </p:cNvSpPr>
+          <p:nvPr/>
+        </p:nvSpPr>
+        <p:spPr bwMode="auto">
+          <a:xfrm>
+            <a:off x="473075" y="160337"/>
+            <a:ext cx="304800" cy="304801"/>
+          </a:xfrm>
+          <a:prstGeom prst="rect">
+            <a:avLst/>
+          </a:prstGeom>
+          <a:noFill/>
+          <a:extLst>
+            <a:ext uri="{909E8E84-426E-40DD-AFC4-6F175D3DCCD1}">
+              <a14:hiddenFill xmlns:a14="http://schemas.microsoft.com/office/drawing/2010/main">
+                <a:solidFill>
+                  <a:srgbClr val="FFFFFF"/>
+                </a:solidFill>
+              </a14:hiddenFill>
+            </a:ext>
+          </a:extLst>
+        </p:spPr>
+        <p:txBody>
+          <a:bodyPr vert="horz" wrap="square" lIns="91440" tIns="45720" rIns="91440" bIns="45720" numCol="1" anchor="t" anchorCtr="0" compatLnSpc="1">
+            <a:prstTxWarp prst="textNoShape">
+              <a:avLst/>
+            </a:prstTxWarp>
+          </a:bodyPr>
+          <a:lstStyle/>
+          <a:p>
+            <a:endParaRPr lang="ko-KR" altLang="en-US"/>
+          </a:p>
+        </p:txBody>
+      </p:sp>
+      <p:sp>
+        <p:nvSpPr>
+          <p:cNvPr id="7" name="AutoShape 18" descr="Cover art"/>
+          <p:cNvSpPr>
+            <a:spLocks noChangeAspect="1" noChangeArrowheads="1"/>
+          </p:cNvSpPr>
+          <p:nvPr/>
+        </p:nvSpPr>
+        <p:spPr bwMode="auto">
+          <a:xfrm>
+            <a:off x="625475" y="312737"/>
+            <a:ext cx="304800" cy="304801"/>
+          </a:xfrm>
+          <a:prstGeom prst="rect">
+            <a:avLst/>
+          </a:prstGeom>
+          <a:noFill/>
+          <a:extLst>
+            <a:ext uri="{909E8E84-426E-40DD-AFC4-6F175D3DCCD1}">
+              <a14:hiddenFill xmlns:a14="http://schemas.microsoft.com/office/drawing/2010/main">
+                <a:solidFill>
+                  <a:srgbClr val="FFFFFF"/>
+                </a:solidFill>
+              </a14:hiddenFill>
+            </a:ext>
+          </a:extLst>
+        </p:spPr>
+        <p:txBody>
+          <a:bodyPr vert="horz" wrap="square" lIns="91440" tIns="45720" rIns="91440" bIns="45720" numCol="1" anchor="t" anchorCtr="0" compatLnSpc="1">
+            <a:prstTxWarp prst="textNoShape">
+              <a:avLst/>
+            </a:prstTxWarp>
+          </a:bodyPr>
+          <a:lstStyle/>
+          <a:p>
+            <a:endParaRPr lang="ko-KR" altLang="en-US"/>
+          </a:p>
+        </p:txBody>
+      </p:sp>
+      <p:sp>
+        <p:nvSpPr>
+          <p:cNvPr id="8" name="AutoShape 20" descr="Cover art"/>
+          <p:cNvSpPr>
+            <a:spLocks noChangeAspect="1" noChangeArrowheads="1"/>
+          </p:cNvSpPr>
+          <p:nvPr/>
+        </p:nvSpPr>
+        <p:spPr bwMode="auto">
+          <a:xfrm>
+            <a:off x="777875" y="465137"/>
+            <a:ext cx="304800" cy="304801"/>
+          </a:xfrm>
+          <a:prstGeom prst="rect">
+            <a:avLst/>
+          </a:prstGeom>
+          <a:noFill/>
+          <a:extLst>
+            <a:ext uri="{909E8E84-426E-40DD-AFC4-6F175D3DCCD1}">
+              <a14:hiddenFill xmlns:a14="http://schemas.microsoft.com/office/drawing/2010/main">
+                <a:solidFill>
+                  <a:srgbClr val="FFFFFF"/>
+                </a:solidFill>
+              </a14:hiddenFill>
+            </a:ext>
+          </a:extLst>
+        </p:spPr>
+        <p:txBody>
+          <a:bodyPr vert="horz" wrap="square" lIns="91440" tIns="45720" rIns="91440" bIns="45720" numCol="1" anchor="t" anchorCtr="0" compatLnSpc="1">
+            <a:prstTxWarp prst="textNoShape">
+              <a:avLst/>
+            </a:prstTxWarp>
+          </a:bodyPr>
+          <a:lstStyle/>
+          <a:p>
+            <a:endParaRPr lang="ko-KR" altLang="en-US"/>
+          </a:p>
+        </p:txBody>
+      </p:sp>
       <p:pic>
         <p:nvPicPr>
           <p:cNvPr id="3074" name="Picture 2" descr="C:\Users\joe\Downloads\girl.png"/>
@@ -10228,7 +16515,7 @@
 </p:sld>
 </file>
 
-<file path=ppt/slides/slide18.xml><?xml version="1.0" encoding="utf-8"?>
+<file path=ppt/slides/slide25.xml><?xml version="1.0" encoding="utf-8"?>
 <p:sld xmlns:a="http://schemas.openxmlformats.org/drawingml/2006/main" xmlns:r="http://schemas.openxmlformats.org/officeDocument/2006/relationships" xmlns:p="http://schemas.openxmlformats.org/presentationml/2006/main">
   <p:cSld>
     <p:spTree>
@@ -11609,6 +17896,653 @@
           </a:prstGeom>
         </p:spPr>
       </p:pic>
+      <p:pic>
+        <p:nvPicPr>
+          <p:cNvPr id="2050" name="Picture 2"/>
+          <p:cNvPicPr>
+            <a:picLocks noChangeAspect="1" noChangeArrowheads="1"/>
+          </p:cNvPicPr>
+          <p:nvPr/>
+        </p:nvPicPr>
+        <p:blipFill>
+          <a:blip r:embed="rId3" cstate="print">
+            <a:extLst>
+              <a:ext uri="{28A0092B-C50C-407E-A947-70E740481C1C}">
+                <a14:useLocalDpi xmlns:a14="http://schemas.microsoft.com/office/drawing/2010/main" val="0"/>
+              </a:ext>
+            </a:extLst>
+          </a:blip>
+          <a:srcRect/>
+          <a:stretch>
+            <a:fillRect/>
+          </a:stretch>
+        </p:blipFill>
+        <p:spPr bwMode="auto">
+          <a:xfrm>
+            <a:off x="1809195" y="2388870"/>
+            <a:ext cx="2946774" cy="5626170"/>
+          </a:xfrm>
+          <a:prstGeom prst="rect">
+            <a:avLst/>
+          </a:prstGeom>
+          <a:noFill/>
+          <a:ln>
+            <a:noFill/>
+          </a:ln>
+          <a:extLst>
+            <a:ext uri="{909E8E84-426E-40DD-AFC4-6F175D3DCCD1}">
+              <a14:hiddenFill xmlns:a14="http://schemas.microsoft.com/office/drawing/2010/main">
+                <a:solidFill>
+                  <a:schemeClr val="accent1"/>
+                </a:solidFill>
+              </a14:hiddenFill>
+            </a:ext>
+            <a:ext uri="{91240B29-F687-4F45-9708-019B960494DF}">
+              <a14:hiddenLine xmlns:a14="http://schemas.microsoft.com/office/drawing/2010/main" w="9525">
+                <a:solidFill>
+                  <a:schemeClr val="tx1"/>
+                </a:solidFill>
+                <a:miter lim="800000"/>
+                <a:headEnd/>
+                <a:tailEnd/>
+              </a14:hiddenLine>
+            </a:ext>
+          </a:extLst>
+        </p:spPr>
+      </p:pic>
+      <p:grpSp>
+        <p:nvGrpSpPr>
+          <p:cNvPr id="6" name="그룹 5"/>
+          <p:cNvGrpSpPr/>
+          <p:nvPr/>
+        </p:nvGrpSpPr>
+        <p:grpSpPr>
+          <a:xfrm>
+            <a:off x="777875" y="-485446"/>
+            <a:ext cx="5668645" cy="7732065"/>
+            <a:chOff x="777875" y="-485446"/>
+            <a:chExt cx="5668645" cy="7732065"/>
+          </a:xfrm>
+        </p:grpSpPr>
+        <p:grpSp>
+          <p:nvGrpSpPr>
+            <p:cNvPr id="20" name="그룹 19"/>
+            <p:cNvGrpSpPr/>
+            <p:nvPr/>
+          </p:nvGrpSpPr>
+          <p:grpSpPr>
+            <a:xfrm>
+              <a:off x="3040061" y="271855"/>
+              <a:ext cx="3134455" cy="6175390"/>
+              <a:chOff x="5087365" y="374507"/>
+              <a:chExt cx="3073468" cy="6007942"/>
+            </a:xfrm>
+          </p:grpSpPr>
+          <p:grpSp>
+            <p:nvGrpSpPr>
+              <p:cNvPr id="21" name="그룹 20"/>
+              <p:cNvGrpSpPr/>
+              <p:nvPr/>
+            </p:nvGrpSpPr>
+            <p:grpSpPr>
+              <a:xfrm>
+                <a:off x="5087365" y="374507"/>
+                <a:ext cx="3073468" cy="6007942"/>
+                <a:chOff x="1337446" y="-1404313"/>
+                <a:chExt cx="3073468" cy="6007942"/>
+              </a:xfrm>
+            </p:grpSpPr>
+            <p:pic>
+              <p:nvPicPr>
+                <p:cNvPr id="23" name="Picture 43" descr="모바일 배경화면에 대한 이미지 검색결과"/>
+                <p:cNvPicPr>
+                  <a:picLocks noChangeAspect="1" noChangeArrowheads="1"/>
+                </p:cNvPicPr>
+                <p:nvPr/>
+              </p:nvPicPr>
+              <p:blipFill>
+                <a:blip r:embed="rId4">
+                  <a:extLst>
+                    <a:ext uri="{28A0092B-C50C-407E-A947-70E740481C1C}">
+                      <a14:useLocalDpi xmlns:a14="http://schemas.microsoft.com/office/drawing/2010/main" val="0"/>
+                    </a:ext>
+                  </a:extLst>
+                </a:blip>
+                <a:srcRect/>
+                <a:stretch>
+                  <a:fillRect/>
+                </a:stretch>
+              </p:blipFill>
+              <p:spPr bwMode="auto">
+                <a:xfrm>
+                  <a:off x="1337446" y="-939973"/>
+                  <a:ext cx="3073468" cy="5036890"/>
+                </a:xfrm>
+                <a:prstGeom prst="rect">
+                  <a:avLst/>
+                </a:prstGeom>
+                <a:noFill/>
+                <a:extLst>
+                  <a:ext uri="{909E8E84-426E-40DD-AFC4-6F175D3DCCD1}">
+                    <a14:hiddenFill xmlns:a14="http://schemas.microsoft.com/office/drawing/2010/main">
+                      <a:solidFill>
+                        <a:srgbClr val="FFFFFF"/>
+                      </a:solidFill>
+                    </a14:hiddenFill>
+                  </a:ext>
+                </a:extLst>
+              </p:spPr>
+            </p:pic>
+            <p:sp>
+              <p:nvSpPr>
+                <p:cNvPr id="24" name="직사각형 23"/>
+                <p:cNvSpPr/>
+                <p:nvPr/>
+              </p:nvSpPr>
+              <p:spPr>
+                <a:xfrm>
+                  <a:off x="1814233" y="4221158"/>
+                  <a:ext cx="2119893" cy="382471"/>
+                </a:xfrm>
+                <a:prstGeom prst="rect">
+                  <a:avLst/>
+                </a:prstGeom>
+                <a:solidFill>
+                  <a:schemeClr val="bg1"/>
+                </a:solidFill>
+              </p:spPr>
+              <p:style>
+                <a:lnRef idx="2">
+                  <a:schemeClr val="accent1">
+                    <a:shade val="20000"/>
+                  </a:schemeClr>
+                </a:lnRef>
+                <a:fillRef idx="1">
+                  <a:schemeClr val="accent1"/>
+                </a:fillRef>
+                <a:effectRef idx="0">
+                  <a:schemeClr val="accent1"/>
+                </a:effectRef>
+                <a:fontRef idx="minor">
+                  <a:schemeClr val="lt1"/>
+                </a:fontRef>
+              </p:style>
+              <p:txBody>
+                <a:bodyPr rtlCol="0" anchor="ctr"/>
+                <a:lstStyle/>
+                <a:p>
+                  <a:pPr algn="ctr"/>
+                  <a:endParaRPr lang="ko-KR" altLang="en-US"/>
+                </a:p>
+              </p:txBody>
+            </p:sp>
+            <p:sp>
+              <p:nvSpPr>
+                <p:cNvPr id="28" name="직사각형 27"/>
+                <p:cNvSpPr/>
+                <p:nvPr/>
+              </p:nvSpPr>
+              <p:spPr>
+                <a:xfrm>
+                  <a:off x="1713078" y="-1404313"/>
+                  <a:ext cx="2417346" cy="464340"/>
+                </a:xfrm>
+                <a:prstGeom prst="rect">
+                  <a:avLst/>
+                </a:prstGeom>
+                <a:solidFill>
+                  <a:schemeClr val="bg1"/>
+                </a:solidFill>
+              </p:spPr>
+              <p:style>
+                <a:lnRef idx="2">
+                  <a:schemeClr val="accent1">
+                    <a:shade val="20000"/>
+                  </a:schemeClr>
+                </a:lnRef>
+                <a:fillRef idx="1">
+                  <a:schemeClr val="accent1"/>
+                </a:fillRef>
+                <a:effectRef idx="0">
+                  <a:schemeClr val="accent1"/>
+                </a:effectRef>
+                <a:fontRef idx="minor">
+                  <a:schemeClr val="lt1"/>
+                </a:fontRef>
+              </p:style>
+              <p:txBody>
+                <a:bodyPr rtlCol="0" anchor="ctr"/>
+                <a:lstStyle/>
+                <a:p>
+                  <a:pPr algn="ctr"/>
+                  <a:endParaRPr lang="ko-KR" altLang="en-US"/>
+                </a:p>
+              </p:txBody>
+            </p:sp>
+          </p:grpSp>
+          <p:pic>
+            <p:nvPicPr>
+              <p:cNvPr id="22" name="Picture 44"/>
+              <p:cNvPicPr>
+                <a:picLocks noChangeAspect="1" noChangeArrowheads="1"/>
+              </p:cNvPicPr>
+              <p:nvPr/>
+            </p:nvPicPr>
+            <p:blipFill>
+              <a:blip r:embed="rId5">
+                <a:extLst>
+                  <a:ext uri="{28A0092B-C50C-407E-A947-70E740481C1C}">
+                    <a14:useLocalDpi xmlns:a14="http://schemas.microsoft.com/office/drawing/2010/main" val="0"/>
+                  </a:ext>
+                </a:extLst>
+              </a:blip>
+              <a:srcRect/>
+              <a:stretch>
+                <a:fillRect/>
+              </a:stretch>
+            </p:blipFill>
+            <p:spPr bwMode="auto">
+              <a:xfrm>
+                <a:off x="5106724" y="914663"/>
+                <a:ext cx="3020249" cy="230531"/>
+              </a:xfrm>
+              <a:prstGeom prst="rect">
+                <a:avLst/>
+              </a:prstGeom>
+              <a:noFill/>
+              <a:ln>
+                <a:noFill/>
+              </a:ln>
+              <a:effectLst/>
+              <a:extLst>
+                <a:ext uri="{909E8E84-426E-40DD-AFC4-6F175D3DCCD1}">
+                  <a14:hiddenFill xmlns:a14="http://schemas.microsoft.com/office/drawing/2010/main">
+                    <a:solidFill>
+                      <a:schemeClr val="accent1"/>
+                    </a:solidFill>
+                  </a14:hiddenFill>
+                </a:ext>
+                <a:ext uri="{91240B29-F687-4F45-9708-019B960494DF}">
+                  <a14:hiddenLine xmlns:a14="http://schemas.microsoft.com/office/drawing/2010/main" w="9525">
+                    <a:solidFill>
+                      <a:schemeClr val="tx1"/>
+                    </a:solidFill>
+                    <a:miter lim="800000"/>
+                    <a:headEnd/>
+                    <a:tailEnd/>
+                  </a14:hiddenLine>
+                </a:ext>
+                <a:ext uri="{AF507438-7753-43E0-B8FC-AC1667EBCBE1}">
+                  <a14:hiddenEffects xmlns:a14="http://schemas.microsoft.com/office/drawing/2010/main">
+                    <a:effectLst>
+                      <a:outerShdw dist="35921" dir="2700000" algn="ctr" rotWithShape="0">
+                        <a:schemeClr val="bg2"/>
+                      </a:outerShdw>
+                    </a:effectLst>
+                  </a14:hiddenEffects>
+                </a:ext>
+              </a:extLst>
+            </p:spPr>
+          </p:pic>
+        </p:grpSp>
+        <p:pic>
+          <p:nvPicPr>
+            <p:cNvPr id="29" name="Picture 2"/>
+            <p:cNvPicPr>
+              <a:picLocks noChangeAspect="1" noChangeArrowheads="1"/>
+            </p:cNvPicPr>
+            <p:nvPr/>
+          </p:nvPicPr>
+          <p:blipFill>
+            <a:blip r:embed="rId6" cstate="print">
+              <a:extLst>
+                <a:ext uri="{28A0092B-C50C-407E-A947-70E740481C1C}">
+                  <a14:useLocalDpi xmlns:a14="http://schemas.microsoft.com/office/drawing/2010/main" val="0"/>
+                </a:ext>
+              </a:extLst>
+            </a:blip>
+            <a:srcRect/>
+            <a:stretch>
+              <a:fillRect/>
+            </a:stretch>
+          </p:blipFill>
+          <p:spPr bwMode="auto">
+            <a:xfrm>
+              <a:off x="3117056" y="1454944"/>
+              <a:ext cx="3022928" cy="5626170"/>
+            </a:xfrm>
+            <a:prstGeom prst="rect">
+              <a:avLst/>
+            </a:prstGeom>
+            <a:noFill/>
+            <a:ln>
+              <a:noFill/>
+            </a:ln>
+            <a:extLst>
+              <a:ext uri="{909E8E84-426E-40DD-AFC4-6F175D3DCCD1}">
+                <a14:hiddenFill xmlns:a14="http://schemas.microsoft.com/office/drawing/2010/main">
+                  <a:solidFill>
+                    <a:schemeClr val="accent1"/>
+                  </a:solidFill>
+                </a14:hiddenFill>
+              </a:ext>
+              <a:ext uri="{91240B29-F687-4F45-9708-019B960494DF}">
+                <a14:hiddenLine xmlns:a14="http://schemas.microsoft.com/office/drawing/2010/main" w="9525">
+                  <a:solidFill>
+                    <a:schemeClr val="tx1"/>
+                  </a:solidFill>
+                  <a:miter lim="800000"/>
+                  <a:headEnd/>
+                  <a:tailEnd/>
+                </a14:hiddenLine>
+              </a:ext>
+            </a:extLst>
+          </p:spPr>
+        </p:pic>
+        <p:sp>
+          <p:nvSpPr>
+            <p:cNvPr id="31" name="AutoShape 20" descr="Cover art"/>
+            <p:cNvSpPr>
+              <a:spLocks noChangeAspect="1" noChangeArrowheads="1"/>
+            </p:cNvSpPr>
+            <p:nvPr/>
+          </p:nvSpPr>
+          <p:spPr bwMode="auto">
+            <a:xfrm>
+              <a:off x="777875" y="465137"/>
+              <a:ext cx="304800" cy="304801"/>
+            </a:xfrm>
+            <a:prstGeom prst="rect">
+              <a:avLst/>
+            </a:prstGeom>
+            <a:noFill/>
+            <a:extLst>
+              <a:ext uri="{909E8E84-426E-40DD-AFC4-6F175D3DCCD1}">
+                <a14:hiddenFill xmlns:a14="http://schemas.microsoft.com/office/drawing/2010/main">
+                  <a:solidFill>
+                    <a:srgbClr val="FFFFFF"/>
+                  </a:solidFill>
+                </a14:hiddenFill>
+              </a:ext>
+            </a:extLst>
+          </p:spPr>
+          <p:txBody>
+            <a:bodyPr vert="horz" wrap="square" lIns="91440" tIns="45720" rIns="91440" bIns="45720" numCol="1" anchor="t" anchorCtr="0" compatLnSpc="1">
+              <a:prstTxWarp prst="textNoShape">
+                <a:avLst/>
+              </a:prstTxWarp>
+            </a:bodyPr>
+            <a:lstStyle/>
+            <a:p>
+              <a:endParaRPr lang="ko-KR" altLang="en-US"/>
+            </a:p>
+          </p:txBody>
+        </p:sp>
+        <p:pic>
+          <p:nvPicPr>
+            <p:cNvPr id="33" name="Picture 3"/>
+            <p:cNvPicPr>
+              <a:picLocks noChangeAspect="1" noChangeArrowheads="1"/>
+            </p:cNvPicPr>
+            <p:nvPr/>
+          </p:nvPicPr>
+          <p:blipFill rotWithShape="1">
+            <a:blip r:embed="rId7" cstate="print">
+              <a:extLst>
+                <a:ext uri="{28A0092B-C50C-407E-A947-70E740481C1C}">
+                  <a14:useLocalDpi xmlns:a14="http://schemas.microsoft.com/office/drawing/2010/main" val="0"/>
+                </a:ext>
+              </a:extLst>
+            </a:blip>
+            <a:srcRect b="87722"/>
+            <a:stretch/>
+          </p:blipFill>
+          <p:spPr bwMode="auto">
+            <a:xfrm>
+              <a:off x="3117056" y="839908"/>
+              <a:ext cx="3022928" cy="615036"/>
+            </a:xfrm>
+            <a:prstGeom prst="rect">
+              <a:avLst/>
+            </a:prstGeom>
+            <a:noFill/>
+            <a:extLst>
+              <a:ext uri="{909E8E84-426E-40DD-AFC4-6F175D3DCCD1}">
+                <a14:hiddenFill xmlns:a14="http://schemas.microsoft.com/office/drawing/2010/main">
+                  <a:solidFill>
+                    <a:srgbClr val="FFFFFF"/>
+                  </a:solidFill>
+                </a14:hiddenFill>
+              </a:ext>
+            </a:extLst>
+          </p:spPr>
+        </p:pic>
+        <p:pic>
+          <p:nvPicPr>
+            <p:cNvPr id="34" name="Picture 3"/>
+            <p:cNvPicPr>
+              <a:picLocks noChangeAspect="1" noChangeArrowheads="1"/>
+            </p:cNvPicPr>
+            <p:nvPr/>
+          </p:nvPicPr>
+          <p:blipFill rotWithShape="1">
+            <a:blip r:embed="rId8" cstate="print">
+              <a:extLst>
+                <a:ext uri="{28A0092B-C50C-407E-A947-70E740481C1C}">
+                  <a14:useLocalDpi xmlns:a14="http://schemas.microsoft.com/office/drawing/2010/main" val="0"/>
+                </a:ext>
+              </a:extLst>
+            </a:blip>
+            <a:srcRect t="91558"/>
+            <a:stretch/>
+          </p:blipFill>
+          <p:spPr bwMode="auto">
+            <a:xfrm>
+              <a:off x="3117056" y="5427338"/>
+              <a:ext cx="3022928" cy="422921"/>
+            </a:xfrm>
+            <a:prstGeom prst="rect">
+              <a:avLst/>
+            </a:prstGeom>
+            <a:noFill/>
+            <a:extLst>
+              <a:ext uri="{909E8E84-426E-40DD-AFC4-6F175D3DCCD1}">
+                <a14:hiddenFill xmlns:a14="http://schemas.microsoft.com/office/drawing/2010/main">
+                  <a:solidFill>
+                    <a:srgbClr val="FFFFFF"/>
+                  </a:solidFill>
+                </a14:hiddenFill>
+              </a:ext>
+            </a:extLst>
+          </p:spPr>
+        </p:pic>
+        <p:grpSp>
+          <p:nvGrpSpPr>
+            <p:cNvPr id="35" name="그룹 34"/>
+            <p:cNvGrpSpPr/>
+            <p:nvPr/>
+          </p:nvGrpSpPr>
+          <p:grpSpPr>
+            <a:xfrm>
+              <a:off x="3117057" y="6108570"/>
+              <a:ext cx="3095560" cy="1138049"/>
+              <a:chOff x="3117057" y="6108570"/>
+              <a:chExt cx="3095560" cy="1138049"/>
+            </a:xfrm>
+          </p:grpSpPr>
+          <p:sp>
+            <p:nvSpPr>
+              <p:cNvPr id="36" name="순서도: 저장 데이터 35"/>
+              <p:cNvSpPr/>
+              <p:nvPr/>
+            </p:nvSpPr>
+            <p:spPr>
+              <a:xfrm rot="16200000">
+                <a:off x="4166866" y="5200869"/>
+                <a:ext cx="995941" cy="3095560"/>
+              </a:xfrm>
+              <a:prstGeom prst="flowChartOnlineStorage">
+                <a:avLst/>
+              </a:prstGeom>
+              <a:ln>
+                <a:noFill/>
+              </a:ln>
+            </p:spPr>
+            <p:style>
+              <a:lnRef idx="2">
+                <a:schemeClr val="accent1">
+                  <a:shade val="20000"/>
+                </a:schemeClr>
+              </a:lnRef>
+              <a:fillRef idx="1">
+                <a:schemeClr val="accent1"/>
+              </a:fillRef>
+              <a:effectRef idx="0">
+                <a:schemeClr val="accent1"/>
+              </a:effectRef>
+              <a:fontRef idx="minor">
+                <a:schemeClr val="lt1"/>
+              </a:fontRef>
+            </p:style>
+            <p:txBody>
+              <a:bodyPr rtlCol="0" anchor="ctr"/>
+              <a:lstStyle/>
+              <a:p>
+                <a:pPr algn="ctr"/>
+                <a:endParaRPr lang="ko-KR" altLang="en-US"/>
+              </a:p>
+            </p:txBody>
+          </p:sp>
+          <p:sp>
+            <p:nvSpPr>
+              <p:cNvPr id="37" name="직사각형 36"/>
+              <p:cNvSpPr/>
+              <p:nvPr/>
+            </p:nvSpPr>
+            <p:spPr>
+              <a:xfrm>
+                <a:off x="3924935" y="6108570"/>
+                <a:ext cx="1393825" cy="338676"/>
+              </a:xfrm>
+              <a:prstGeom prst="rect">
+                <a:avLst/>
+              </a:prstGeom>
+              <a:solidFill>
+                <a:schemeClr val="bg1"/>
+              </a:solidFill>
+              <a:ln>
+                <a:noFill/>
+              </a:ln>
+            </p:spPr>
+            <p:style>
+              <a:lnRef idx="2">
+                <a:schemeClr val="accent1">
+                  <a:shade val="20000"/>
+                </a:schemeClr>
+              </a:lnRef>
+              <a:fillRef idx="1">
+                <a:schemeClr val="accent1"/>
+              </a:fillRef>
+              <a:effectRef idx="0">
+                <a:schemeClr val="accent1"/>
+              </a:effectRef>
+              <a:fontRef idx="minor">
+                <a:schemeClr val="lt1"/>
+              </a:fontRef>
+            </p:style>
+            <p:txBody>
+              <a:bodyPr rtlCol="0" anchor="ctr"/>
+              <a:lstStyle/>
+              <a:p>
+                <a:pPr algn="ctr"/>
+                <a:endParaRPr lang="ko-KR" altLang="en-US"/>
+              </a:p>
+            </p:txBody>
+          </p:sp>
+        </p:grpSp>
+        <p:sp>
+          <p:nvSpPr>
+            <p:cNvPr id="38" name="순서도: 저장 데이터 37"/>
+            <p:cNvSpPr/>
+            <p:nvPr/>
+          </p:nvSpPr>
+          <p:spPr>
+            <a:xfrm rot="5400000">
+              <a:off x="4134519" y="-1535255"/>
+              <a:ext cx="995941" cy="3095560"/>
+            </a:xfrm>
+            <a:prstGeom prst="flowChartOnlineStorage">
+              <a:avLst/>
+            </a:prstGeom>
+            <a:ln>
+              <a:noFill/>
+            </a:ln>
+          </p:spPr>
+          <p:style>
+            <a:lnRef idx="2">
+              <a:schemeClr val="accent1">
+                <a:shade val="20000"/>
+              </a:schemeClr>
+            </a:lnRef>
+            <a:fillRef idx="1">
+              <a:schemeClr val="accent1"/>
+            </a:fillRef>
+            <a:effectRef idx="0">
+              <a:schemeClr val="accent1"/>
+            </a:effectRef>
+            <a:fontRef idx="minor">
+              <a:schemeClr val="lt1"/>
+            </a:fontRef>
+          </p:style>
+          <p:txBody>
+            <a:bodyPr rtlCol="0" anchor="ctr"/>
+            <a:lstStyle/>
+            <a:p>
+              <a:pPr algn="ctr"/>
+              <a:endParaRPr lang="ko-KR" altLang="en-US"/>
+            </a:p>
+          </p:txBody>
+        </p:sp>
+        <p:pic>
+          <p:nvPicPr>
+            <p:cNvPr id="39" name="Picture 39" descr="C:\Users\joe\Downloads\samsung-galaxy.png"/>
+            <p:cNvPicPr>
+              <a:picLocks noChangeAspect="1" noChangeArrowheads="1"/>
+            </p:cNvPicPr>
+            <p:nvPr/>
+          </p:nvPicPr>
+          <p:blipFill rotWithShape="1">
+            <a:blip r:embed="rId9">
+              <a:extLst>
+                <a:ext uri="{28A0092B-C50C-407E-A947-70E740481C1C}">
+                  <a14:useLocalDpi xmlns:a14="http://schemas.microsoft.com/office/drawing/2010/main" val="0"/>
+                </a:ext>
+              </a:extLst>
+            </a:blip>
+            <a:srcRect l="23381" r="23040"/>
+            <a:stretch/>
+          </p:blipFill>
+          <p:spPr bwMode="auto">
+            <a:xfrm>
+              <a:off x="2818458" y="153659"/>
+              <a:ext cx="3628062" cy="6381587"/>
+            </a:xfrm>
+            <a:prstGeom prst="rect">
+              <a:avLst/>
+            </a:prstGeom>
+            <a:noFill/>
+            <a:extLst>
+              <a:ext uri="{909E8E84-426E-40DD-AFC4-6F175D3DCCD1}">
+                <a14:hiddenFill xmlns:a14="http://schemas.microsoft.com/office/drawing/2010/main">
+                  <a:solidFill>
+                    <a:srgbClr val="FFFFFF"/>
+                  </a:solidFill>
+                </a14:hiddenFill>
+              </a:ext>
+            </a:extLst>
+          </p:spPr>
+        </p:pic>
+      </p:grpSp>
     </p:spTree>
   </p:cSld>
   <p:clrMapOvr>
@@ -11618,14 +18552,76 @@
   <p:timing>
     <p:tnLst>
       <p:par>
-        <p:cTn id="1" dur="indefinite" restart="never" nodeType="tmRoot"/>
+        <p:cTn id="1" dur="indefinite" restart="never" nodeType="tmRoot">
+          <p:childTnLst>
+            <p:seq concurrent="1" nextAc="seek">
+              <p:cTn id="2" dur="indefinite" nodeType="mainSeq">
+                <p:childTnLst>
+                  <p:par>
+                    <p:cTn id="3" fill="hold">
+                      <p:stCondLst>
+                        <p:cond delay="indefinite"/>
+                      </p:stCondLst>
+                      <p:childTnLst>
+                        <p:par>
+                          <p:cTn id="4" fill="hold">
+                            <p:stCondLst>
+                              <p:cond delay="0"/>
+                            </p:stCondLst>
+                            <p:childTnLst>
+                              <p:par>
+                                <p:cTn id="5" presetID="42" presetClass="path" presetSubtype="0" accel="50000" decel="50000" fill="hold" nodeType="clickEffect">
+                                  <p:stCondLst>
+                                    <p:cond delay="0"/>
+                                  </p:stCondLst>
+                                  <p:childTnLst>
+                                    <p:animMotion origin="layout" path="M 0 0 L 0 0.25 E" pathEditMode="relative" ptsTypes="">
+                                      <p:cBhvr>
+                                        <p:cTn id="6" dur="2000" fill="hold"/>
+                                        <p:tgtEl>
+                                          <p:spTgt spid="6"/>
+                                        </p:tgtEl>
+                                        <p:attrNameLst>
+                                          <p:attrName>ppt_x</p:attrName>
+                                          <p:attrName>ppt_y</p:attrName>
+                                        </p:attrNameLst>
+                                      </p:cBhvr>
+                                    </p:animMotion>
+                                  </p:childTnLst>
+                                </p:cTn>
+                              </p:par>
+                            </p:childTnLst>
+                          </p:cTn>
+                        </p:par>
+                      </p:childTnLst>
+                    </p:cTn>
+                  </p:par>
+                </p:childTnLst>
+              </p:cTn>
+              <p:prevCondLst>
+                <p:cond evt="onPrev" delay="0">
+                  <p:tgtEl>
+                    <p:sldTgt/>
+                  </p:tgtEl>
+                </p:cond>
+              </p:prevCondLst>
+              <p:nextCondLst>
+                <p:cond evt="onNext" delay="0">
+                  <p:tgtEl>
+                    <p:sldTgt/>
+                  </p:tgtEl>
+                </p:cond>
+              </p:nextCondLst>
+            </p:seq>
+          </p:childTnLst>
+        </p:cTn>
       </p:par>
     </p:tnLst>
   </p:timing>
 </p:sld>
 </file>
 
-<file path=ppt/slides/slide19.xml><?xml version="1.0" encoding="utf-8"?>
+<file path=ppt/slides/slide26.xml><?xml version="1.0" encoding="utf-8"?>
 <p:sld xmlns:a="http://schemas.openxmlformats.org/drawingml/2006/main" xmlns:r="http://schemas.openxmlformats.org/officeDocument/2006/relationships" xmlns:p="http://schemas.openxmlformats.org/presentationml/2006/main">
   <p:cSld>
     <p:spTree>
@@ -12698,1756 +19694,7 @@
 </p:sld>
 </file>
 
-<file path=ppt/slides/slide2.xml><?xml version="1.0" encoding="utf-8"?>
-<p:sld xmlns:a="http://schemas.openxmlformats.org/drawingml/2006/main" xmlns:r="http://schemas.openxmlformats.org/officeDocument/2006/relationships" xmlns:p="http://schemas.openxmlformats.org/presentationml/2006/main">
-  <p:cSld>
-    <p:spTree>
-      <p:nvGrpSpPr>
-        <p:cNvPr id="1" name=""/>
-        <p:cNvGrpSpPr/>
-        <p:nvPr/>
-      </p:nvGrpSpPr>
-      <p:grpSpPr>
-        <a:xfrm>
-          <a:off x="0" y="0"/>
-          <a:ext cx="0" cy="0"/>
-          <a:chOff x="0" y="0"/>
-          <a:chExt cx="0" cy="0"/>
-        </a:xfrm>
-      </p:grpSpPr>
-      <p:sp>
-        <p:nvSpPr>
-          <p:cNvPr id="25" name="직사각형 24"/>
-          <p:cNvSpPr/>
-          <p:nvPr/>
-        </p:nvSpPr>
-        <p:spPr>
-          <a:xfrm>
-            <a:off x="98298" y="123730"/>
-            <a:ext cx="8947404" cy="6610541"/>
-          </a:xfrm>
-          <a:prstGeom prst="rect">
-            <a:avLst/>
-          </a:prstGeom>
-          <a:solidFill>
-            <a:schemeClr val="accent1">
-              <a:lumMod val="75000"/>
-            </a:schemeClr>
-          </a:solidFill>
-          <a:ln>
-            <a:noFill/>
-          </a:ln>
-          <a:effectLst>
-            <a:outerShdw blurRad="63500" dist="38100" dir="5400000" algn="t" rotWithShape="0">
-              <a:prstClr val="black">
-                <a:alpha val="17000"/>
-              </a:prstClr>
-            </a:outerShdw>
-          </a:effectLst>
-        </p:spPr>
-        <p:style>
-          <a:lnRef idx="2">
-            <a:schemeClr val="accent1">
-              <a:shade val="50000"/>
-            </a:schemeClr>
-          </a:lnRef>
-          <a:fillRef idx="1">
-            <a:schemeClr val="accent1"/>
-          </a:fillRef>
-          <a:effectRef idx="0">
-            <a:schemeClr val="accent1"/>
-          </a:effectRef>
-          <a:fontRef idx="minor">
-            <a:schemeClr val="lt1"/>
-          </a:fontRef>
-        </p:style>
-        <p:txBody>
-          <a:bodyPr anchor="ctr"/>
-          <a:lstStyle/>
-          <a:p>
-            <a:pPr algn="ctr">
-              <a:defRPr lang="ko-KR" altLang="en-US"/>
-            </a:pPr>
-            <a:endParaRPr lang="ko-KR" altLang="en-US"/>
-          </a:p>
-        </p:txBody>
-      </p:sp>
-      <p:grpSp>
-        <p:nvGrpSpPr>
-          <p:cNvPr id="30" name="그룹 29"/>
-          <p:cNvGrpSpPr/>
-          <p:nvPr/>
-        </p:nvGrpSpPr>
-        <p:grpSpPr>
-          <a:xfrm>
-            <a:off x="279372" y="662970"/>
-            <a:ext cx="3032470" cy="1569660"/>
-            <a:chOff x="5643063" y="2972758"/>
-            <a:chExt cx="4043294" cy="1569660"/>
-          </a:xfrm>
-        </p:grpSpPr>
-        <p:sp>
-          <p:nvSpPr>
-            <p:cNvPr id="26" name="TextBox 25"/>
-            <p:cNvSpPr txBox="1"/>
-            <p:nvPr/>
-          </p:nvSpPr>
-          <p:spPr>
-            <a:xfrm>
-              <a:off x="5643063" y="2972758"/>
-              <a:ext cx="595244" cy="1569660"/>
-            </a:xfrm>
-            <a:prstGeom prst="rect">
-              <a:avLst/>
-            </a:prstGeom>
-            <a:noFill/>
-          </p:spPr>
-          <p:txBody>
-            <a:bodyPr wrap="square">
-              <a:spAutoFit/>
-            </a:bodyPr>
-            <a:lstStyle/>
-            <a:p>
-              <a:pPr lvl="0">
-                <a:defRPr lang="ko-KR" altLang="en-US"/>
-              </a:pPr>
-              <a:r>
-                <a:rPr lang="en-US" altLang="ko-KR" sz="9600" dirty="0">
-                  <a:solidFill>
-                    <a:schemeClr val="accent1">
-                      <a:lumMod val="75000"/>
-                    </a:schemeClr>
-                  </a:solidFill>
-                  <a:latin typeface="Arial Unicode MS" pitchFamily="50" charset="-127"/>
-                  <a:ea typeface="Arial Unicode MS" pitchFamily="50" charset="-127"/>
-                  <a:cs typeface="Arial Unicode MS" pitchFamily="50" charset="-127"/>
-                </a:rPr>
-                <a:t>“</a:t>
-              </a:r>
-              <a:endParaRPr lang="ko-KR" altLang="en-US" sz="9600" dirty="0">
-                <a:solidFill>
-                  <a:schemeClr val="accent1">
-                    <a:lumMod val="75000"/>
-                  </a:schemeClr>
-                </a:solidFill>
-                <a:latin typeface="Arial Unicode MS" pitchFamily="50" charset="-127"/>
-                <a:ea typeface="Arial Unicode MS" pitchFamily="50" charset="-127"/>
-                <a:cs typeface="Arial Unicode MS" pitchFamily="50" charset="-127"/>
-              </a:endParaRPr>
-            </a:p>
-          </p:txBody>
-        </p:sp>
-        <p:sp>
-          <p:nvSpPr>
-            <p:cNvPr id="27" name="TextBox 26"/>
-            <p:cNvSpPr txBox="1"/>
-            <p:nvPr/>
-          </p:nvSpPr>
-          <p:spPr>
-            <a:xfrm>
-              <a:off x="6240176" y="3244334"/>
-              <a:ext cx="3446181" cy="1200329"/>
-            </a:xfrm>
-            <a:prstGeom prst="rect">
-              <a:avLst/>
-            </a:prstGeom>
-            <a:noFill/>
-          </p:spPr>
-          <p:txBody>
-            <a:bodyPr wrap="square">
-              <a:spAutoFit/>
-            </a:bodyPr>
-            <a:lstStyle/>
-            <a:p>
-              <a:pPr lvl="0">
-                <a:defRPr lang="ko-KR" altLang="en-US"/>
-              </a:pPr>
-              <a:r>
-                <a:rPr lang="en-US" altLang="ko-KR" sz="3600" b="1" dirty="0" smtClean="0">
-                  <a:ln w="9525">
-                    <a:solidFill>
-                      <a:schemeClr val="bg1">
-                        <a:alpha val="20000"/>
-                      </a:schemeClr>
-                    </a:solidFill>
-                  </a:ln>
-                  <a:solidFill>
-                    <a:schemeClr val="accent1">
-                      <a:lumMod val="75000"/>
-                    </a:schemeClr>
-                  </a:solidFill>
-                  <a:latin typeface="배달의민족 도현"/>
-                  <a:ea typeface="배달의민족 도현"/>
-                  <a:sym typeface="Webdings"/>
-                </a:rPr>
-                <a:t>E</a:t>
-              </a:r>
-              <a:r>
-                <a:rPr lang="en-US" altLang="ko-KR" sz="3200" dirty="0" smtClean="0">
-                  <a:ln w="9525">
-                    <a:solidFill>
-                      <a:schemeClr val="bg1">
-                        <a:alpha val="20000"/>
-                      </a:schemeClr>
-                    </a:solidFill>
-                  </a:ln>
-                  <a:solidFill>
-                    <a:schemeClr val="accent1">
-                      <a:lumMod val="75000"/>
-                    </a:schemeClr>
-                  </a:solidFill>
-                  <a:latin typeface="배달의민족 도현"/>
-                  <a:ea typeface="배달의민족 도현"/>
-                  <a:sym typeface="Webdings"/>
-                </a:rPr>
-                <a:t>very</a:t>
-              </a:r>
-            </a:p>
-            <a:p>
-              <a:pPr lvl="0">
-                <a:defRPr lang="ko-KR" altLang="en-US"/>
-              </a:pPr>
-              <a:r>
-                <a:rPr lang="en-US" altLang="ko-KR" sz="3200" dirty="0">
-                  <a:ln w="9525">
-                    <a:solidFill>
-                      <a:schemeClr val="bg1">
-                        <a:alpha val="20000"/>
-                      </a:schemeClr>
-                    </a:solidFill>
-                  </a:ln>
-                  <a:solidFill>
-                    <a:schemeClr val="accent1">
-                      <a:lumMod val="75000"/>
-                    </a:schemeClr>
-                  </a:solidFill>
-                  <a:latin typeface="배달의민족 도현"/>
-                  <a:ea typeface="배달의민족 도현"/>
-                  <a:sym typeface="Webdings"/>
-                </a:rPr>
-                <a:t>	</a:t>
-              </a:r>
-              <a:r>
-                <a:rPr lang="en-US" altLang="ko-KR" sz="3600" b="1" dirty="0" smtClean="0">
-                  <a:ln w="9525">
-                    <a:solidFill>
-                      <a:schemeClr val="bg1">
-                        <a:alpha val="20000"/>
-                      </a:schemeClr>
-                    </a:solidFill>
-                  </a:ln>
-                  <a:solidFill>
-                    <a:schemeClr val="accent1">
-                      <a:lumMod val="75000"/>
-                    </a:schemeClr>
-                  </a:solidFill>
-                  <a:latin typeface="배달의민족 도현"/>
-                  <a:ea typeface="배달의민족 도현"/>
-                  <a:sym typeface="Webdings"/>
-                </a:rPr>
-                <a:t>B</a:t>
-              </a:r>
-              <a:r>
-                <a:rPr lang="en-US" altLang="ko-KR" sz="3200" dirty="0" smtClean="0">
-                  <a:ln w="9525">
-                    <a:solidFill>
-                      <a:schemeClr val="bg1">
-                        <a:alpha val="20000"/>
-                      </a:schemeClr>
-                    </a:solidFill>
-                  </a:ln>
-                  <a:solidFill>
-                    <a:schemeClr val="accent1">
-                      <a:lumMod val="75000"/>
-                    </a:schemeClr>
-                  </a:solidFill>
-                  <a:latin typeface="배달의민족 도현"/>
-                  <a:ea typeface="배달의민족 도현"/>
-                  <a:sym typeface="Webdings"/>
-                </a:rPr>
-                <a:t>ody</a:t>
-              </a:r>
-              <a:endParaRPr lang="ko-KR" altLang="en-US" sz="3200" dirty="0">
-                <a:ln w="9525">
-                  <a:solidFill>
-                    <a:schemeClr val="bg1">
-                      <a:alpha val="20000"/>
-                    </a:schemeClr>
-                  </a:solidFill>
-                </a:ln>
-                <a:solidFill>
-                  <a:schemeClr val="accent1">
-                    <a:lumMod val="75000"/>
-                  </a:schemeClr>
-                </a:solidFill>
-                <a:latin typeface="배달의민족 도현"/>
-                <a:ea typeface="배달의민족 도현"/>
-              </a:endParaRPr>
-            </a:p>
-          </p:txBody>
-        </p:sp>
-      </p:grpSp>
-      <p:pic>
-        <p:nvPicPr>
-          <p:cNvPr id="29" name="그림 28"/>
-          <p:cNvPicPr>
-            <a:picLocks noChangeAspect="1"/>
-          </p:cNvPicPr>
-          <p:nvPr/>
-        </p:nvPicPr>
-        <p:blipFill rotWithShape="1">
-          <a:blip r:embed="rId2"/>
-          <a:stretch>
-            <a:fillRect/>
-          </a:stretch>
-        </p:blipFill>
-        <p:spPr>
-          <a:xfrm>
-            <a:off x="796581" y="4846199"/>
-            <a:ext cx="1153662" cy="353023"/>
-          </a:xfrm>
-          <a:prstGeom prst="rect">
-            <a:avLst/>
-          </a:prstGeom>
-        </p:spPr>
-      </p:pic>
-      <p:cxnSp>
-        <p:nvCxnSpPr>
-          <p:cNvPr id="32" name="직선 연결선 31"/>
-          <p:cNvCxnSpPr/>
-          <p:nvPr/>
-        </p:nvCxnSpPr>
-        <p:spPr>
-          <a:xfrm>
-            <a:off x="3543300" y="1000125"/>
-            <a:ext cx="0" cy="4848225"/>
-          </a:xfrm>
-          <a:prstGeom prst="line">
-            <a:avLst/>
-          </a:prstGeom>
-          <a:ln>
-            <a:solidFill>
-              <a:schemeClr val="accent1">
-                <a:lumMod val="75000"/>
-              </a:schemeClr>
-            </a:solidFill>
-          </a:ln>
-        </p:spPr>
-        <p:style>
-          <a:lnRef idx="1">
-            <a:schemeClr val="accent1"/>
-          </a:lnRef>
-          <a:fillRef idx="0">
-            <a:schemeClr val="accent1"/>
-          </a:fillRef>
-          <a:effectRef idx="0">
-            <a:schemeClr val="accent1"/>
-          </a:effectRef>
-          <a:fontRef idx="minor">
-            <a:schemeClr val="tx1"/>
-          </a:fontRef>
-        </p:style>
-      </p:cxnSp>
-      <p:grpSp>
-        <p:nvGrpSpPr>
-          <p:cNvPr id="35" name="그룹 34"/>
-          <p:cNvGrpSpPr/>
-          <p:nvPr/>
-        </p:nvGrpSpPr>
-        <p:grpSpPr>
-          <a:xfrm>
-            <a:off x="6432095" y="4094023"/>
-            <a:ext cx="2155012" cy="276999"/>
-            <a:chOff x="7959270" y="3855840"/>
-            <a:chExt cx="2873350" cy="276999"/>
-          </a:xfrm>
-        </p:grpSpPr>
-        <p:sp>
-          <p:nvSpPr>
-            <p:cNvPr id="33" name="직사각형 32"/>
-            <p:cNvSpPr/>
-            <p:nvPr/>
-          </p:nvSpPr>
-          <p:spPr>
-            <a:xfrm>
-              <a:off x="7959264" y="3855836"/>
-              <a:ext cx="430713" cy="590375"/>
-            </a:xfrm>
-            <a:prstGeom prst="rect">
-              <a:avLst/>
-            </a:prstGeom>
-          </p:spPr>
-          <p:txBody>
-            <a:bodyPr wrap="square">
-              <a:spAutoFit/>
-            </a:bodyPr>
-            <a:lstStyle/>
-            <a:p>
-              <a:pPr lvl="0">
-                <a:defRPr lang="ko-KR" altLang="en-US"/>
-              </a:pPr>
-              <a:r>
-                <a:rPr lang="en-US" altLang="ko-KR" sz="1200">
-                  <a:ln w="9525">
-                    <a:solidFill>
-                      <a:schemeClr val="tx1">
-                        <a:lumMod val="65000"/>
-                        <a:lumOff val="35000"/>
-                        <a:alpha val="20000"/>
-                      </a:schemeClr>
-                    </a:solidFill>
-                  </a:ln>
-                  <a:solidFill>
-                    <a:schemeClr val="tx1">
-                      <a:lumMod val="65000"/>
-                      <a:lumOff val="35000"/>
-                    </a:schemeClr>
-                  </a:solidFill>
-                  <a:latin typeface="KoPub돋움체 Light"/>
-                  <a:ea typeface="KoPub돋움체 Light"/>
-                </a:rPr>
-                <a:t>01 </a:t>
-              </a:r>
-              <a:r>
-                <a:rPr lang="en-US" altLang="ko-KR" sz="900">
-                  <a:ln w="9525">
-                    <a:solidFill>
-                      <a:schemeClr val="tx1">
-                        <a:lumMod val="65000"/>
-                        <a:lumOff val="35000"/>
-                        <a:alpha val="20000"/>
-                      </a:schemeClr>
-                    </a:solidFill>
-                  </a:ln>
-                  <a:solidFill>
-                    <a:schemeClr val="tx1">
-                      <a:lumMod val="65000"/>
-                      <a:lumOff val="35000"/>
-                    </a:schemeClr>
-                  </a:solidFill>
-                  <a:latin typeface="KoPub돋움체 Light"/>
-                  <a:ea typeface="KoPub돋움체 Light"/>
-                </a:rPr>
-                <a:t>/</a:t>
-              </a:r>
-              <a:endParaRPr lang="ko-KR" altLang="en-US" sz="1200">
-                <a:ln w="9525">
-                  <a:solidFill>
-                    <a:schemeClr val="tx1">
-                      <a:lumMod val="65000"/>
-                      <a:lumOff val="35000"/>
-                      <a:alpha val="20000"/>
-                    </a:schemeClr>
-                  </a:solidFill>
-                </a:ln>
-                <a:solidFill>
-                  <a:schemeClr val="tx1">
-                    <a:lumMod val="65000"/>
-                    <a:lumOff val="35000"/>
-                  </a:schemeClr>
-                </a:solidFill>
-              </a:endParaRPr>
-            </a:p>
-          </p:txBody>
-        </p:sp>
-        <p:sp>
-          <p:nvSpPr>
-            <p:cNvPr id="34" name="직사각형 33"/>
-            <p:cNvSpPr/>
-            <p:nvPr/>
-          </p:nvSpPr>
-          <p:spPr>
-            <a:xfrm>
-              <a:off x="8419650" y="3855836"/>
-              <a:ext cx="2494457" cy="447500"/>
-            </a:xfrm>
-            <a:prstGeom prst="rect">
-              <a:avLst/>
-            </a:prstGeom>
-          </p:spPr>
-          <p:txBody>
-            <a:bodyPr wrap="square">
-              <a:spAutoFit/>
-            </a:bodyPr>
-            <a:lstStyle/>
-            <a:p>
-              <a:pPr lvl="0">
-                <a:defRPr lang="ko-KR" altLang="en-US"/>
-              </a:pPr>
-              <a:r>
-                <a:rPr lang="en-US" altLang="ko-KR" sz="1200" dirty="0">
-                  <a:ln w="9525">
-                    <a:solidFill>
-                      <a:schemeClr val="tx1">
-                        <a:lumMod val="65000"/>
-                        <a:lumOff val="35000"/>
-                        <a:alpha val="20000"/>
-                      </a:schemeClr>
-                    </a:solidFill>
-                  </a:ln>
-                  <a:solidFill>
-                    <a:schemeClr val="tx1">
-                      <a:lumMod val="65000"/>
-                      <a:lumOff val="35000"/>
-                    </a:schemeClr>
-                  </a:solidFill>
-                  <a:latin typeface="KoPub돋움체 Light"/>
-                  <a:ea typeface="KoPub돋움체 Light"/>
-                </a:rPr>
-                <a:t>YPTLAB PPT TEMPLATE INDEX </a:t>
-              </a:r>
-              <a:endParaRPr lang="ko-KR" altLang="en-US" sz="1200" dirty="0">
-                <a:ln w="9525">
-                  <a:solidFill>
-                    <a:schemeClr val="tx1">
-                      <a:lumMod val="65000"/>
-                      <a:lumOff val="35000"/>
-                      <a:alpha val="20000"/>
-                    </a:schemeClr>
-                  </a:solidFill>
-                </a:ln>
-                <a:solidFill>
-                  <a:schemeClr val="tx1">
-                    <a:lumMod val="65000"/>
-                    <a:lumOff val="35000"/>
-                  </a:schemeClr>
-                </a:solidFill>
-              </a:endParaRPr>
-            </a:p>
-          </p:txBody>
-        </p:sp>
-      </p:grpSp>
-      <p:grpSp>
-        <p:nvGrpSpPr>
-          <p:cNvPr id="36" name="그룹 35"/>
-          <p:cNvGrpSpPr/>
-          <p:nvPr/>
-        </p:nvGrpSpPr>
-        <p:grpSpPr>
-          <a:xfrm>
-            <a:off x="6432095" y="4463355"/>
-            <a:ext cx="2155012" cy="276999"/>
-            <a:chOff x="7959270" y="3855840"/>
-            <a:chExt cx="2873350" cy="276999"/>
-          </a:xfrm>
-        </p:grpSpPr>
-        <p:sp>
-          <p:nvSpPr>
-            <p:cNvPr id="37" name="직사각형 36"/>
-            <p:cNvSpPr/>
-            <p:nvPr/>
-          </p:nvSpPr>
-          <p:spPr>
-            <a:xfrm>
-              <a:off x="7959264" y="3855836"/>
-              <a:ext cx="430713" cy="592518"/>
-            </a:xfrm>
-            <a:prstGeom prst="rect">
-              <a:avLst/>
-            </a:prstGeom>
-          </p:spPr>
-          <p:txBody>
-            <a:bodyPr wrap="square">
-              <a:spAutoFit/>
-            </a:bodyPr>
-            <a:lstStyle/>
-            <a:p>
-              <a:pPr lvl="0">
-                <a:defRPr lang="ko-KR" altLang="en-US"/>
-              </a:pPr>
-              <a:r>
-                <a:rPr lang="en-US" altLang="ko-KR" sz="1200">
-                  <a:ln w="9525">
-                    <a:solidFill>
-                      <a:schemeClr val="tx1">
-                        <a:lumMod val="65000"/>
-                        <a:lumOff val="35000"/>
-                        <a:alpha val="20000"/>
-                      </a:schemeClr>
-                    </a:solidFill>
-                  </a:ln>
-                  <a:solidFill>
-                    <a:schemeClr val="tx1">
-                      <a:lumMod val="65000"/>
-                      <a:lumOff val="35000"/>
-                    </a:schemeClr>
-                  </a:solidFill>
-                  <a:latin typeface="KoPub돋움체 Light"/>
-                  <a:ea typeface="KoPub돋움체 Light"/>
-                </a:rPr>
-                <a:t>02 </a:t>
-              </a:r>
-              <a:r>
-                <a:rPr lang="en-US" altLang="ko-KR" sz="900">
-                  <a:ln w="9525">
-                    <a:solidFill>
-                      <a:schemeClr val="tx1">
-                        <a:lumMod val="65000"/>
-                        <a:lumOff val="35000"/>
-                        <a:alpha val="20000"/>
-                      </a:schemeClr>
-                    </a:solidFill>
-                  </a:ln>
-                  <a:solidFill>
-                    <a:schemeClr val="tx1">
-                      <a:lumMod val="65000"/>
-                      <a:lumOff val="35000"/>
-                    </a:schemeClr>
-                  </a:solidFill>
-                  <a:latin typeface="KoPub돋움체 Light"/>
-                  <a:ea typeface="KoPub돋움체 Light"/>
-                </a:rPr>
-                <a:t>/</a:t>
-              </a:r>
-              <a:endParaRPr lang="ko-KR" altLang="en-US" sz="1200">
-                <a:ln w="9525">
-                  <a:solidFill>
-                    <a:schemeClr val="tx1">
-                      <a:lumMod val="65000"/>
-                      <a:lumOff val="35000"/>
-                      <a:alpha val="20000"/>
-                    </a:schemeClr>
-                  </a:solidFill>
-                </a:ln>
-                <a:solidFill>
-                  <a:schemeClr val="tx1">
-                    <a:lumMod val="65000"/>
-                    <a:lumOff val="35000"/>
-                  </a:schemeClr>
-                </a:solidFill>
-              </a:endParaRPr>
-            </a:p>
-          </p:txBody>
-        </p:sp>
-        <p:sp>
-          <p:nvSpPr>
-            <p:cNvPr id="38" name="직사각형 37"/>
-            <p:cNvSpPr/>
-            <p:nvPr/>
-          </p:nvSpPr>
-          <p:spPr>
-            <a:xfrm>
-              <a:off x="8419650" y="3855836"/>
-              <a:ext cx="2494457" cy="449643"/>
-            </a:xfrm>
-            <a:prstGeom prst="rect">
-              <a:avLst/>
-            </a:prstGeom>
-          </p:spPr>
-          <p:txBody>
-            <a:bodyPr wrap="square">
-              <a:spAutoFit/>
-            </a:bodyPr>
-            <a:lstStyle/>
-            <a:p>
-              <a:pPr lvl="0">
-                <a:defRPr lang="ko-KR" altLang="en-US"/>
-              </a:pPr>
-              <a:r>
-                <a:rPr lang="en-US" altLang="ko-KR" sz="1200">
-                  <a:ln w="9525">
-                    <a:solidFill>
-                      <a:schemeClr val="tx1">
-                        <a:lumMod val="65000"/>
-                        <a:lumOff val="35000"/>
-                        <a:alpha val="20000"/>
-                      </a:schemeClr>
-                    </a:solidFill>
-                  </a:ln>
-                  <a:solidFill>
-                    <a:schemeClr val="tx1">
-                      <a:lumMod val="65000"/>
-                      <a:lumOff val="35000"/>
-                    </a:schemeClr>
-                  </a:solidFill>
-                  <a:latin typeface="KoPub돋움체 Light"/>
-                  <a:ea typeface="KoPub돋움체 Light"/>
-                </a:rPr>
-                <a:t>YPTLAB PPT TEMPLATE INDEX </a:t>
-              </a:r>
-              <a:endParaRPr lang="ko-KR" altLang="en-US" sz="1200">
-                <a:ln w="9525">
-                  <a:solidFill>
-                    <a:schemeClr val="tx1">
-                      <a:lumMod val="65000"/>
-                      <a:lumOff val="35000"/>
-                      <a:alpha val="20000"/>
-                    </a:schemeClr>
-                  </a:solidFill>
-                </a:ln>
-                <a:solidFill>
-                  <a:schemeClr val="tx1">
-                    <a:lumMod val="65000"/>
-                    <a:lumOff val="35000"/>
-                  </a:schemeClr>
-                </a:solidFill>
-              </a:endParaRPr>
-            </a:p>
-          </p:txBody>
-        </p:sp>
-      </p:grpSp>
-      <p:grpSp>
-        <p:nvGrpSpPr>
-          <p:cNvPr id="39" name="그룹 38"/>
-          <p:cNvGrpSpPr/>
-          <p:nvPr/>
-        </p:nvGrpSpPr>
-        <p:grpSpPr>
-          <a:xfrm>
-            <a:off x="6432095" y="4832687"/>
-            <a:ext cx="2155012" cy="276999"/>
-            <a:chOff x="7959270" y="3855840"/>
-            <a:chExt cx="2873350" cy="276999"/>
-          </a:xfrm>
-        </p:grpSpPr>
-        <p:sp>
-          <p:nvSpPr>
-            <p:cNvPr id="40" name="직사각형 39"/>
-            <p:cNvSpPr/>
-            <p:nvPr/>
-          </p:nvSpPr>
-          <p:spPr>
-            <a:xfrm>
-              <a:off x="7959267" y="3855836"/>
-              <a:ext cx="357789" cy="451786"/>
-            </a:xfrm>
-            <a:prstGeom prst="rect">
-              <a:avLst/>
-            </a:prstGeom>
-          </p:spPr>
-          <p:txBody>
-            <a:bodyPr wrap="square">
-              <a:spAutoFit/>
-            </a:bodyPr>
-            <a:lstStyle/>
-            <a:p>
-              <a:pPr lvl="0">
-                <a:defRPr lang="ko-KR" altLang="en-US"/>
-              </a:pPr>
-              <a:r>
-                <a:rPr lang="en-US" altLang="ko-KR" sz="1200">
-                  <a:ln w="9525">
-                    <a:solidFill>
-                      <a:schemeClr val="tx1">
-                        <a:lumMod val="65000"/>
-                        <a:lumOff val="35000"/>
-                        <a:alpha val="20000"/>
-                      </a:schemeClr>
-                    </a:solidFill>
-                  </a:ln>
-                  <a:solidFill>
-                    <a:schemeClr val="tx1">
-                      <a:lumMod val="65000"/>
-                      <a:lumOff val="35000"/>
-                    </a:schemeClr>
-                  </a:solidFill>
-                  <a:latin typeface="KoPub돋움체 Light"/>
-                  <a:ea typeface="KoPub돋움체 Light"/>
-                </a:rPr>
-                <a:t>03</a:t>
-              </a:r>
-              <a:endParaRPr lang="ko-KR" altLang="en-US" sz="1200">
-                <a:ln w="9525">
-                  <a:solidFill>
-                    <a:schemeClr val="tx1">
-                      <a:lumMod val="65000"/>
-                      <a:lumOff val="35000"/>
-                      <a:alpha val="20000"/>
-                    </a:schemeClr>
-                  </a:solidFill>
-                </a:ln>
-                <a:solidFill>
-                  <a:schemeClr val="tx1">
-                    <a:lumMod val="65000"/>
-                    <a:lumOff val="35000"/>
-                  </a:schemeClr>
-                </a:solidFill>
-              </a:endParaRPr>
-            </a:p>
-          </p:txBody>
-        </p:sp>
-        <p:sp>
-          <p:nvSpPr>
-            <p:cNvPr id="41" name="직사각형 40"/>
-            <p:cNvSpPr/>
-            <p:nvPr/>
-          </p:nvSpPr>
-          <p:spPr>
-            <a:xfrm>
-              <a:off x="8419650" y="3855836"/>
-              <a:ext cx="2494457" cy="451786"/>
-            </a:xfrm>
-            <a:prstGeom prst="rect">
-              <a:avLst/>
-            </a:prstGeom>
-          </p:spPr>
-          <p:txBody>
-            <a:bodyPr wrap="square">
-              <a:spAutoFit/>
-            </a:bodyPr>
-            <a:lstStyle/>
-            <a:p>
-              <a:pPr lvl="0">
-                <a:defRPr lang="ko-KR" altLang="en-US"/>
-              </a:pPr>
-              <a:r>
-                <a:rPr lang="en-US" altLang="ko-KR" sz="1200">
-                  <a:ln w="9525">
-                    <a:solidFill>
-                      <a:schemeClr val="tx1">
-                        <a:lumMod val="65000"/>
-                        <a:lumOff val="35000"/>
-                        <a:alpha val="20000"/>
-                      </a:schemeClr>
-                    </a:solidFill>
-                  </a:ln>
-                  <a:solidFill>
-                    <a:schemeClr val="tx1">
-                      <a:lumMod val="65000"/>
-                      <a:lumOff val="35000"/>
-                    </a:schemeClr>
-                  </a:solidFill>
-                  <a:latin typeface="KoPub돋움체 Light"/>
-                  <a:ea typeface="KoPub돋움체 Light"/>
-                </a:rPr>
-                <a:t>YPTLAB PPT TEMPLATE INDEX </a:t>
-              </a:r>
-              <a:endParaRPr lang="ko-KR" altLang="en-US" sz="1200">
-                <a:ln w="9525">
-                  <a:solidFill>
-                    <a:schemeClr val="tx1">
-                      <a:lumMod val="65000"/>
-                      <a:lumOff val="35000"/>
-                      <a:alpha val="20000"/>
-                    </a:schemeClr>
-                  </a:solidFill>
-                </a:ln>
-                <a:solidFill>
-                  <a:schemeClr val="tx1">
-                    <a:lumMod val="65000"/>
-                    <a:lumOff val="35000"/>
-                  </a:schemeClr>
-                </a:solidFill>
-              </a:endParaRPr>
-            </a:p>
-          </p:txBody>
-        </p:sp>
-      </p:grpSp>
-      <p:grpSp>
-        <p:nvGrpSpPr>
-          <p:cNvPr id="42" name="그룹 41"/>
-          <p:cNvGrpSpPr/>
-          <p:nvPr/>
-        </p:nvGrpSpPr>
-        <p:grpSpPr>
-          <a:xfrm>
-            <a:off x="6432095" y="5202019"/>
-            <a:ext cx="2155012" cy="276999"/>
-            <a:chOff x="7959270" y="3855840"/>
-            <a:chExt cx="2873350" cy="276999"/>
-          </a:xfrm>
-        </p:grpSpPr>
-        <p:sp>
-          <p:nvSpPr>
-            <p:cNvPr id="43" name="직사각형 42"/>
-            <p:cNvSpPr/>
-            <p:nvPr/>
-          </p:nvSpPr>
-          <p:spPr>
-            <a:xfrm>
-              <a:off x="7959264" y="3855836"/>
-              <a:ext cx="430713" cy="587279"/>
-            </a:xfrm>
-            <a:prstGeom prst="rect">
-              <a:avLst/>
-            </a:prstGeom>
-          </p:spPr>
-          <p:txBody>
-            <a:bodyPr wrap="square">
-              <a:spAutoFit/>
-            </a:bodyPr>
-            <a:lstStyle/>
-            <a:p>
-              <a:pPr lvl="0">
-                <a:defRPr lang="ko-KR" altLang="en-US"/>
-              </a:pPr>
-              <a:r>
-                <a:rPr lang="en-US" altLang="ko-KR" sz="1200">
-                  <a:ln w="9525">
-                    <a:solidFill>
-                      <a:schemeClr val="tx1">
-                        <a:lumMod val="65000"/>
-                        <a:lumOff val="35000"/>
-                        <a:alpha val="20000"/>
-                      </a:schemeClr>
-                    </a:solidFill>
-                  </a:ln>
-                  <a:solidFill>
-                    <a:schemeClr val="tx1">
-                      <a:lumMod val="65000"/>
-                      <a:lumOff val="35000"/>
-                    </a:schemeClr>
-                  </a:solidFill>
-                  <a:latin typeface="KoPub돋움체 Light"/>
-                  <a:ea typeface="KoPub돋움체 Light"/>
-                </a:rPr>
-                <a:t>04 </a:t>
-              </a:r>
-              <a:r>
-                <a:rPr lang="en-US" altLang="ko-KR" sz="900">
-                  <a:ln w="9525">
-                    <a:solidFill>
-                      <a:schemeClr val="tx1">
-                        <a:lumMod val="65000"/>
-                        <a:lumOff val="35000"/>
-                        <a:alpha val="20000"/>
-                      </a:schemeClr>
-                    </a:solidFill>
-                  </a:ln>
-                  <a:solidFill>
-                    <a:schemeClr val="tx1">
-                      <a:lumMod val="65000"/>
-                      <a:lumOff val="35000"/>
-                    </a:schemeClr>
-                  </a:solidFill>
-                  <a:latin typeface="KoPub돋움체 Light"/>
-                  <a:ea typeface="KoPub돋움체 Light"/>
-                </a:rPr>
-                <a:t>/</a:t>
-              </a:r>
-              <a:endParaRPr lang="ko-KR" altLang="en-US" sz="1200">
-                <a:ln w="9525">
-                  <a:solidFill>
-                    <a:schemeClr val="tx1">
-                      <a:lumMod val="65000"/>
-                      <a:lumOff val="35000"/>
-                      <a:alpha val="20000"/>
-                    </a:schemeClr>
-                  </a:solidFill>
-                </a:ln>
-                <a:solidFill>
-                  <a:schemeClr val="tx1">
-                    <a:lumMod val="65000"/>
-                    <a:lumOff val="35000"/>
-                  </a:schemeClr>
-                </a:solidFill>
-              </a:endParaRPr>
-            </a:p>
-          </p:txBody>
-        </p:sp>
-        <p:sp>
-          <p:nvSpPr>
-            <p:cNvPr id="44" name="직사각형 43"/>
-            <p:cNvSpPr/>
-            <p:nvPr/>
-          </p:nvSpPr>
-          <p:spPr>
-            <a:xfrm>
-              <a:off x="8419650" y="3855836"/>
-              <a:ext cx="2494457" cy="444404"/>
-            </a:xfrm>
-            <a:prstGeom prst="rect">
-              <a:avLst/>
-            </a:prstGeom>
-          </p:spPr>
-          <p:txBody>
-            <a:bodyPr wrap="square">
-              <a:spAutoFit/>
-            </a:bodyPr>
-            <a:lstStyle/>
-            <a:p>
-              <a:pPr lvl="0">
-                <a:defRPr lang="ko-KR" altLang="en-US"/>
-              </a:pPr>
-              <a:r>
-                <a:rPr lang="en-US" altLang="ko-KR" sz="1200">
-                  <a:ln w="9525">
-                    <a:solidFill>
-                      <a:schemeClr val="tx1">
-                        <a:lumMod val="65000"/>
-                        <a:lumOff val="35000"/>
-                        <a:alpha val="20000"/>
-                      </a:schemeClr>
-                    </a:solidFill>
-                  </a:ln>
-                  <a:solidFill>
-                    <a:schemeClr val="tx1">
-                      <a:lumMod val="65000"/>
-                      <a:lumOff val="35000"/>
-                    </a:schemeClr>
-                  </a:solidFill>
-                  <a:latin typeface="KoPub돋움체 Light"/>
-                  <a:ea typeface="KoPub돋움체 Light"/>
-                </a:rPr>
-                <a:t>YPTLAB PPT TEMPLATE INDEX </a:t>
-              </a:r>
-              <a:endParaRPr lang="ko-KR" altLang="en-US" sz="1200">
-                <a:ln w="9525">
-                  <a:solidFill>
-                    <a:schemeClr val="tx1">
-                      <a:lumMod val="65000"/>
-                      <a:lumOff val="35000"/>
-                      <a:alpha val="20000"/>
-                    </a:schemeClr>
-                  </a:solidFill>
-                </a:ln>
-                <a:solidFill>
-                  <a:schemeClr val="tx1">
-                    <a:lumMod val="65000"/>
-                    <a:lumOff val="35000"/>
-                  </a:schemeClr>
-                </a:solidFill>
-              </a:endParaRPr>
-            </a:p>
-          </p:txBody>
-        </p:sp>
-      </p:grpSp>
-      <p:grpSp>
-        <p:nvGrpSpPr>
-          <p:cNvPr id="45" name="그룹 44"/>
-          <p:cNvGrpSpPr/>
-          <p:nvPr/>
-        </p:nvGrpSpPr>
-        <p:grpSpPr>
-          <a:xfrm>
-            <a:off x="6432095" y="5571351"/>
-            <a:ext cx="2155012" cy="276999"/>
-            <a:chOff x="7959270" y="3855840"/>
-            <a:chExt cx="2873350" cy="276999"/>
-          </a:xfrm>
-        </p:grpSpPr>
-        <p:sp>
-          <p:nvSpPr>
-            <p:cNvPr id="46" name="직사각형 45"/>
-            <p:cNvSpPr/>
-            <p:nvPr/>
-          </p:nvSpPr>
-          <p:spPr>
-            <a:xfrm>
-              <a:off x="7959264" y="3855836"/>
-              <a:ext cx="430713" cy="589422"/>
-            </a:xfrm>
-            <a:prstGeom prst="rect">
-              <a:avLst/>
-            </a:prstGeom>
-          </p:spPr>
-          <p:txBody>
-            <a:bodyPr wrap="square">
-              <a:spAutoFit/>
-            </a:bodyPr>
-            <a:lstStyle/>
-            <a:p>
-              <a:pPr lvl="0">
-                <a:defRPr lang="ko-KR" altLang="en-US"/>
-              </a:pPr>
-              <a:r>
-                <a:rPr lang="en-US" altLang="ko-KR" sz="1200">
-                  <a:ln w="9525">
-                    <a:solidFill>
-                      <a:schemeClr val="tx1">
-                        <a:lumMod val="65000"/>
-                        <a:lumOff val="35000"/>
-                        <a:alpha val="20000"/>
-                      </a:schemeClr>
-                    </a:solidFill>
-                  </a:ln>
-                  <a:solidFill>
-                    <a:schemeClr val="tx1">
-                      <a:lumMod val="65000"/>
-                      <a:lumOff val="35000"/>
-                    </a:schemeClr>
-                  </a:solidFill>
-                  <a:latin typeface="KoPub돋움체 Light"/>
-                  <a:ea typeface="KoPub돋움체 Light"/>
-                </a:rPr>
-                <a:t>05 </a:t>
-              </a:r>
-              <a:r>
-                <a:rPr lang="en-US" altLang="ko-KR" sz="900">
-                  <a:ln w="9525">
-                    <a:solidFill>
-                      <a:schemeClr val="tx1">
-                        <a:lumMod val="65000"/>
-                        <a:lumOff val="35000"/>
-                        <a:alpha val="20000"/>
-                      </a:schemeClr>
-                    </a:solidFill>
-                  </a:ln>
-                  <a:solidFill>
-                    <a:schemeClr val="tx1">
-                      <a:lumMod val="65000"/>
-                      <a:lumOff val="35000"/>
-                    </a:schemeClr>
-                  </a:solidFill>
-                  <a:latin typeface="KoPub돋움체 Light"/>
-                  <a:ea typeface="KoPub돋움체 Light"/>
-                </a:rPr>
-                <a:t>/</a:t>
-              </a:r>
-              <a:endParaRPr lang="ko-KR" altLang="en-US" sz="1200">
-                <a:ln w="9525">
-                  <a:solidFill>
-                    <a:schemeClr val="tx1">
-                      <a:lumMod val="65000"/>
-                      <a:lumOff val="35000"/>
-                      <a:alpha val="20000"/>
-                    </a:schemeClr>
-                  </a:solidFill>
-                </a:ln>
-                <a:solidFill>
-                  <a:schemeClr val="tx1">
-                    <a:lumMod val="65000"/>
-                    <a:lumOff val="35000"/>
-                  </a:schemeClr>
-                </a:solidFill>
-              </a:endParaRPr>
-            </a:p>
-          </p:txBody>
-        </p:sp>
-        <p:sp>
-          <p:nvSpPr>
-            <p:cNvPr id="47" name="직사각형 46"/>
-            <p:cNvSpPr/>
-            <p:nvPr/>
-          </p:nvSpPr>
-          <p:spPr>
-            <a:xfrm>
-              <a:off x="8419650" y="3855836"/>
-              <a:ext cx="2494457" cy="446547"/>
-            </a:xfrm>
-            <a:prstGeom prst="rect">
-              <a:avLst/>
-            </a:prstGeom>
-          </p:spPr>
-          <p:txBody>
-            <a:bodyPr wrap="square">
-              <a:spAutoFit/>
-            </a:bodyPr>
-            <a:lstStyle/>
-            <a:p>
-              <a:pPr lvl="0">
-                <a:defRPr lang="ko-KR" altLang="en-US"/>
-              </a:pPr>
-              <a:r>
-                <a:rPr lang="en-US" altLang="ko-KR" sz="1200">
-                  <a:ln w="9525">
-                    <a:solidFill>
-                      <a:schemeClr val="tx1">
-                        <a:lumMod val="65000"/>
-                        <a:lumOff val="35000"/>
-                        <a:alpha val="20000"/>
-                      </a:schemeClr>
-                    </a:solidFill>
-                  </a:ln>
-                  <a:solidFill>
-                    <a:schemeClr val="tx1">
-                      <a:lumMod val="65000"/>
-                      <a:lumOff val="35000"/>
-                    </a:schemeClr>
-                  </a:solidFill>
-                  <a:latin typeface="KoPub돋움체 Light"/>
-                  <a:ea typeface="KoPub돋움체 Light"/>
-                </a:rPr>
-                <a:t>YPTLAB PPT TEMPLATE INDEX </a:t>
-              </a:r>
-              <a:endParaRPr lang="ko-KR" altLang="en-US" sz="1200">
-                <a:ln w="9525">
-                  <a:solidFill>
-                    <a:schemeClr val="tx1">
-                      <a:lumMod val="65000"/>
-                      <a:lumOff val="35000"/>
-                      <a:alpha val="20000"/>
-                    </a:schemeClr>
-                  </a:solidFill>
-                </a:ln>
-                <a:solidFill>
-                  <a:schemeClr val="tx1">
-                    <a:lumMod val="65000"/>
-                    <a:lumOff val="35000"/>
-                  </a:schemeClr>
-                </a:solidFill>
-              </a:endParaRPr>
-            </a:p>
-          </p:txBody>
-        </p:sp>
-      </p:grpSp>
-      <p:sp>
-        <p:nvSpPr>
-          <p:cNvPr id="50" name="직사각형 49"/>
-          <p:cNvSpPr/>
-          <p:nvPr/>
-        </p:nvSpPr>
-        <p:spPr>
-          <a:xfrm>
-            <a:off x="6777382" y="3396958"/>
-            <a:ext cx="1935136" cy="820712"/>
-          </a:xfrm>
-          <a:prstGeom prst="rect">
-            <a:avLst/>
-          </a:prstGeom>
-        </p:spPr>
-        <p:txBody>
-          <a:bodyPr wrap="square">
-            <a:spAutoFit/>
-          </a:bodyPr>
-          <a:lstStyle/>
-          <a:p>
-            <a:pPr lvl="0">
-              <a:defRPr lang="ko-KR" altLang="en-US"/>
-            </a:pPr>
-            <a:r>
-              <a:rPr lang="ko-KR" altLang="en-US" sz="1200" dirty="0">
-                <a:ln w="9525">
-                  <a:solidFill>
-                    <a:schemeClr val="tx1">
-                      <a:lumMod val="65000"/>
-                      <a:lumOff val="35000"/>
-                      <a:alpha val="20000"/>
-                    </a:schemeClr>
-                  </a:solidFill>
-                </a:ln>
-                <a:solidFill>
-                  <a:schemeClr val="tx1">
-                    <a:lumMod val="65000"/>
-                    <a:lumOff val="35000"/>
-                  </a:schemeClr>
-                </a:solidFill>
-                <a:latin typeface="KoPub돋움체 Light"/>
-                <a:ea typeface="KoPub돋움체 Light"/>
-              </a:rPr>
-              <a:t>간단한 소개 및 키워드를 적어주세요</a:t>
-            </a:r>
-          </a:p>
-          <a:p>
-            <a:pPr lvl="0">
-              <a:defRPr lang="ko-KR" altLang="en-US"/>
-            </a:pPr>
-            <a:r>
-              <a:rPr lang="ko-KR" altLang="en-US" sz="1200" dirty="0">
-                <a:ln w="9525">
-                  <a:solidFill>
-                    <a:schemeClr val="tx1">
-                      <a:lumMod val="65000"/>
-                      <a:lumOff val="35000"/>
-                      <a:alpha val="20000"/>
-                    </a:schemeClr>
-                  </a:solidFill>
-                </a:ln>
-                <a:solidFill>
-                  <a:schemeClr val="tx1">
-                    <a:lumMod val="65000"/>
-                    <a:lumOff val="35000"/>
-                  </a:schemeClr>
-                </a:solidFill>
-                <a:latin typeface="KoPub돋움체 Light"/>
-                <a:ea typeface="KoPub돋움체 Light"/>
-              </a:rPr>
-              <a:t>두 줄 정도로 적어주시면 됩니다</a:t>
-            </a:r>
-            <a:endParaRPr lang="ko-KR" altLang="en-US" sz="1200" dirty="0">
-              <a:ln w="9525">
-                <a:solidFill>
-                  <a:schemeClr val="tx1">
-                    <a:lumMod val="65000"/>
-                    <a:lumOff val="35000"/>
-                    <a:alpha val="20000"/>
-                  </a:schemeClr>
-                </a:solidFill>
-              </a:ln>
-              <a:solidFill>
-                <a:schemeClr val="tx1">
-                  <a:lumMod val="65000"/>
-                  <a:lumOff val="35000"/>
-                </a:schemeClr>
-              </a:solidFill>
-            </a:endParaRPr>
-          </a:p>
-        </p:txBody>
-      </p:sp>
-      <p:pic>
-        <p:nvPicPr>
-          <p:cNvPr id="52" name="그림 51"/>
-          <p:cNvPicPr>
-            <a:picLocks noChangeAspect="1"/>
-          </p:cNvPicPr>
-          <p:nvPr/>
-        </p:nvPicPr>
-        <p:blipFill rotWithShape="1">
-          <a:blip r:embed="rId3"/>
-          <a:stretch>
-            <a:fillRect/>
-          </a:stretch>
-        </p:blipFill>
-        <p:spPr>
-          <a:xfrm>
-            <a:off x="6456642" y="3491246"/>
-            <a:ext cx="287982" cy="282223"/>
-          </a:xfrm>
-          <a:prstGeom prst="rect">
-            <a:avLst/>
-          </a:prstGeom>
-        </p:spPr>
-      </p:pic>
-      <p:cxnSp>
-        <p:nvCxnSpPr>
-          <p:cNvPr id="54" name="직선 연결선 53"/>
-          <p:cNvCxnSpPr/>
-          <p:nvPr/>
-        </p:nvCxnSpPr>
-        <p:spPr>
-          <a:xfrm rot="3600000" flipH="1">
-            <a:off x="826873" y="5247006"/>
-            <a:ext cx="100553" cy="133086"/>
-          </a:xfrm>
-          <a:prstGeom prst="line">
-            <a:avLst/>
-          </a:prstGeom>
-          <a:ln w="38100">
-            <a:solidFill>
-              <a:schemeClr val="tx1">
-                <a:lumMod val="65000"/>
-                <a:lumOff val="35000"/>
-              </a:schemeClr>
-            </a:solidFill>
-          </a:ln>
-        </p:spPr>
-        <p:style>
-          <a:lnRef idx="1">
-            <a:schemeClr val="accent1"/>
-          </a:lnRef>
-          <a:fillRef idx="0">
-            <a:schemeClr val="accent1"/>
-          </a:fillRef>
-          <a:effectRef idx="0">
-            <a:schemeClr val="accent1"/>
-          </a:effectRef>
-          <a:fontRef idx="minor">
-            <a:schemeClr val="tx1"/>
-          </a:fontRef>
-        </p:style>
-      </p:cxnSp>
-      <p:sp>
-        <p:nvSpPr>
-          <p:cNvPr id="55" name="직사각형 54"/>
-          <p:cNvSpPr/>
-          <p:nvPr/>
-        </p:nvSpPr>
-        <p:spPr>
-          <a:xfrm>
-            <a:off x="744875" y="2122762"/>
-            <a:ext cx="1548268" cy="461665"/>
-          </a:xfrm>
-          <a:prstGeom prst="rect">
-            <a:avLst/>
-          </a:prstGeom>
-        </p:spPr>
-        <p:txBody>
-          <a:bodyPr wrap="square">
-            <a:spAutoFit/>
-          </a:bodyPr>
-          <a:lstStyle/>
-          <a:p>
-            <a:pPr lvl="0">
-              <a:defRPr lang="ko-KR" altLang="en-US"/>
-            </a:pPr>
-            <a:r>
-              <a:rPr lang="en-US" altLang="ko-KR" sz="1200" dirty="0">
-                <a:ln w="9525">
-                  <a:solidFill>
-                    <a:srgbClr val="EFB3CA">
-                      <a:alpha val="20000"/>
-                    </a:srgbClr>
-                  </a:solidFill>
-                </a:ln>
-                <a:solidFill>
-                  <a:schemeClr val="accent1">
-                    <a:lumMod val="75000"/>
-                  </a:schemeClr>
-                </a:solidFill>
-                <a:latin typeface="KoPub돋움체 Bold"/>
-                <a:ea typeface="KoPub돋움체 Bold"/>
-              </a:rPr>
-              <a:t>POWERPOINT</a:t>
-            </a:r>
-            <a:r>
-              <a:rPr lang="ko-KR" altLang="en-US" sz="1200" dirty="0">
-                <a:ln w="9525">
-                  <a:solidFill>
-                    <a:srgbClr val="EFB3CA">
-                      <a:alpha val="20000"/>
-                    </a:srgbClr>
-                  </a:solidFill>
-                </a:ln>
-                <a:solidFill>
-                  <a:schemeClr val="accent1">
-                    <a:lumMod val="75000"/>
-                  </a:schemeClr>
-                </a:solidFill>
-                <a:latin typeface="KoPub돋움체 Light"/>
-                <a:ea typeface="KoPub돋움체 Light"/>
-              </a:rPr>
-              <a:t> </a:t>
-            </a:r>
-            <a:r>
-              <a:rPr lang="en-US" altLang="ko-KR" sz="1200" dirty="0">
-                <a:ln w="9525">
-                  <a:solidFill>
-                    <a:srgbClr val="EFB3CA">
-                      <a:alpha val="20000"/>
-                    </a:srgbClr>
-                  </a:solidFill>
-                </a:ln>
-                <a:solidFill>
-                  <a:schemeClr val="accent1">
-                    <a:lumMod val="75000"/>
-                  </a:schemeClr>
-                </a:solidFill>
-                <a:latin typeface="KoPub돋움체 Light"/>
-                <a:ea typeface="KoPub돋움체 Light"/>
-              </a:rPr>
-              <a:t>TEMPLATE</a:t>
-            </a:r>
-            <a:endParaRPr lang="ko-KR" altLang="en-US" sz="1200" dirty="0">
-              <a:solidFill>
-                <a:schemeClr val="accent1">
-                  <a:lumMod val="75000"/>
-                </a:schemeClr>
-              </a:solidFill>
-            </a:endParaRPr>
-          </a:p>
-        </p:txBody>
-      </p:sp>
-      <p:sp>
-        <p:nvSpPr>
-          <p:cNvPr id="59" name="직사각형 58"/>
-          <p:cNvSpPr/>
-          <p:nvPr/>
-        </p:nvSpPr>
-        <p:spPr>
-          <a:xfrm>
-            <a:off x="727730" y="5401455"/>
-            <a:ext cx="1776868" cy="444990"/>
-          </a:xfrm>
-          <a:prstGeom prst="rect">
-            <a:avLst/>
-          </a:prstGeom>
-        </p:spPr>
-        <p:txBody>
-          <a:bodyPr wrap="square">
-            <a:spAutoFit/>
-          </a:bodyPr>
-          <a:lstStyle/>
-          <a:p>
-            <a:pPr lvl="0">
-              <a:defRPr lang="ko-KR" altLang="en-US"/>
-            </a:pPr>
-            <a:r>
-              <a:rPr lang="ko-KR" altLang="en-US" sz="1200" dirty="0" err="1">
-                <a:ln w="9525">
-                  <a:solidFill>
-                    <a:schemeClr val="tx1">
-                      <a:lumMod val="65000"/>
-                      <a:lumOff val="35000"/>
-                      <a:alpha val="20000"/>
-                    </a:schemeClr>
-                  </a:solidFill>
-                </a:ln>
-                <a:solidFill>
-                  <a:schemeClr val="tx1">
-                    <a:lumMod val="65000"/>
-                    <a:lumOff val="35000"/>
-                  </a:schemeClr>
-                </a:solidFill>
-                <a:latin typeface="KoPub돋움체 Bold"/>
-                <a:ea typeface="KoPub돋움체 Bold"/>
-              </a:rPr>
-              <a:t>윤피티연구소</a:t>
-            </a:r>
-            <a:r>
-              <a:rPr lang="en-US" altLang="ko-KR" sz="1200" dirty="0">
-                <a:ln w="9525">
-                  <a:solidFill>
-                    <a:schemeClr val="tx1">
-                      <a:lumMod val="65000"/>
-                      <a:lumOff val="35000"/>
-                      <a:alpha val="20000"/>
-                    </a:schemeClr>
-                  </a:solidFill>
-                </a:ln>
-                <a:solidFill>
-                  <a:schemeClr val="tx1">
-                    <a:lumMod val="65000"/>
-                    <a:lumOff val="35000"/>
-                  </a:schemeClr>
-                </a:solidFill>
-                <a:latin typeface="KoPub돋움체 Bold"/>
-                <a:ea typeface="KoPub돋움체 Bold"/>
-              </a:rPr>
-              <a:t>(YPTLAB)</a:t>
-            </a:r>
-            <a:r>
-              <a:rPr lang="ko-KR" altLang="en-US" sz="1200" dirty="0">
-                <a:ln w="9525">
-                  <a:solidFill>
-                    <a:schemeClr val="tx1">
-                      <a:lumMod val="65000"/>
-                      <a:lumOff val="35000"/>
-                      <a:alpha val="20000"/>
-                    </a:schemeClr>
-                  </a:solidFill>
-                </a:ln>
-                <a:solidFill>
-                  <a:schemeClr val="tx1">
-                    <a:lumMod val="65000"/>
-                    <a:lumOff val="35000"/>
-                  </a:schemeClr>
-                </a:solidFill>
-                <a:latin typeface="KoPub돋움체 Bold"/>
-                <a:ea typeface="KoPub돋움체 Bold"/>
-              </a:rPr>
-              <a:t> </a:t>
-            </a:r>
-            <a:r>
-              <a:rPr lang="en-US" altLang="ko-KR" sz="1200" dirty="0">
-                <a:ln w="9525">
-                  <a:solidFill>
-                    <a:schemeClr val="tx1">
-                      <a:lumMod val="65000"/>
-                      <a:lumOff val="35000"/>
-                      <a:alpha val="20000"/>
-                    </a:schemeClr>
-                  </a:solidFill>
-                </a:ln>
-                <a:solidFill>
-                  <a:schemeClr val="tx1">
-                    <a:lumMod val="65000"/>
-                    <a:lumOff val="35000"/>
-                  </a:schemeClr>
-                </a:solidFill>
-                <a:latin typeface="KoPub돋움체 Light"/>
-                <a:ea typeface="KoPub돋움체 Light"/>
-              </a:rPr>
-              <a:t>_</a:t>
-            </a:r>
-            <a:r>
-              <a:rPr lang="ko-KR" altLang="en-US" sz="1200" dirty="0">
-                <a:ln w="9525">
-                  <a:solidFill>
-                    <a:schemeClr val="tx1">
-                      <a:lumMod val="65000"/>
-                      <a:lumOff val="35000"/>
-                      <a:alpha val="20000"/>
-                    </a:schemeClr>
-                  </a:solidFill>
-                </a:ln>
-                <a:solidFill>
-                  <a:schemeClr val="tx1">
-                    <a:lumMod val="65000"/>
-                    <a:lumOff val="35000"/>
-                  </a:schemeClr>
-                </a:solidFill>
-                <a:latin typeface="KoPub돋움체 Light"/>
-                <a:ea typeface="KoPub돋움체 Light"/>
-              </a:rPr>
-              <a:t> </a:t>
-            </a:r>
-            <a:r>
-              <a:rPr lang="ko-KR" altLang="en-US" sz="1200" dirty="0" err="1">
-                <a:ln w="9525">
-                  <a:solidFill>
-                    <a:schemeClr val="tx1">
-                      <a:lumMod val="65000"/>
-                      <a:lumOff val="35000"/>
-                      <a:alpha val="20000"/>
-                    </a:schemeClr>
-                  </a:solidFill>
-                </a:ln>
-                <a:solidFill>
-                  <a:schemeClr val="tx1">
-                    <a:lumMod val="65000"/>
-                    <a:lumOff val="35000"/>
-                  </a:schemeClr>
-                </a:solidFill>
-                <a:latin typeface="KoPub돋움체 Light"/>
-                <a:ea typeface="KoPub돋움체 Light"/>
-              </a:rPr>
-              <a:t>윤피티</a:t>
-            </a:r>
-            <a:endParaRPr lang="ko-KR" altLang="en-US" sz="1200" dirty="0">
-              <a:ln w="9525">
-                <a:solidFill>
-                  <a:schemeClr val="tx1">
-                    <a:lumMod val="65000"/>
-                    <a:lumOff val="35000"/>
-                    <a:alpha val="20000"/>
-                  </a:schemeClr>
-                </a:solidFill>
-              </a:ln>
-              <a:solidFill>
-                <a:schemeClr val="tx1">
-                  <a:lumMod val="65000"/>
-                  <a:lumOff val="35000"/>
-                </a:schemeClr>
-              </a:solidFill>
-              <a:latin typeface="KoPub돋움체 Light"/>
-              <a:ea typeface="KoPub돋움체 Light"/>
-            </a:endParaRPr>
-          </a:p>
-        </p:txBody>
-      </p:sp>
-      <p:sp>
-        <p:nvSpPr>
-          <p:cNvPr id="60" name="직사각형 59"/>
-          <p:cNvSpPr/>
-          <p:nvPr/>
-        </p:nvSpPr>
-        <p:spPr>
-          <a:xfrm>
-            <a:off x="744875" y="5648503"/>
-            <a:ext cx="2231211" cy="407492"/>
-          </a:xfrm>
-          <a:prstGeom prst="rect">
-            <a:avLst/>
-          </a:prstGeom>
-        </p:spPr>
-        <p:txBody>
-          <a:bodyPr wrap="square">
-            <a:spAutoFit/>
-          </a:bodyPr>
-          <a:lstStyle/>
-          <a:p>
-            <a:pPr lvl="0">
-              <a:defRPr lang="ko-KR" altLang="en-US"/>
-            </a:pPr>
-            <a:r>
-              <a:rPr lang="en-US" altLang="ko-KR" sz="1050">
-                <a:ln w="9525">
-                  <a:solidFill>
-                    <a:schemeClr val="tx1">
-                      <a:lumMod val="65000"/>
-                      <a:lumOff val="35000"/>
-                      <a:alpha val="20000"/>
-                    </a:schemeClr>
-                  </a:solidFill>
-                </a:ln>
-                <a:solidFill>
-                  <a:schemeClr val="tx1">
-                    <a:lumMod val="65000"/>
-                    <a:lumOff val="35000"/>
-                  </a:schemeClr>
-                </a:solidFill>
-                <a:latin typeface="KoPub돋움체 Bold"/>
-                <a:ea typeface="KoPub돋움체 Bold"/>
-              </a:rPr>
-              <a:t>T. </a:t>
-            </a:r>
-            <a:r>
-              <a:rPr lang="en-US" altLang="ko-KR" sz="1050">
-                <a:ln w="9525">
-                  <a:solidFill>
-                    <a:schemeClr val="tx1">
-                      <a:lumMod val="65000"/>
-                      <a:lumOff val="35000"/>
-                      <a:alpha val="20000"/>
-                    </a:schemeClr>
-                  </a:solidFill>
-                </a:ln>
-                <a:solidFill>
-                  <a:schemeClr val="tx1">
-                    <a:lumMod val="65000"/>
-                    <a:lumOff val="35000"/>
-                  </a:schemeClr>
-                </a:solidFill>
-                <a:latin typeface="KoPub돋움체 Light"/>
-                <a:ea typeface="KoPub돋움체 Light"/>
-              </a:rPr>
-              <a:t>010 – 0000 – 0000</a:t>
-            </a:r>
-            <a:r>
-              <a:rPr lang="en-US" altLang="ko-KR" sz="1050">
-                <a:ln w="9525">
-                  <a:solidFill>
-                    <a:schemeClr val="tx1">
-                      <a:lumMod val="65000"/>
-                      <a:lumOff val="35000"/>
-                      <a:alpha val="20000"/>
-                    </a:schemeClr>
-                  </a:solidFill>
-                </a:ln>
-                <a:solidFill>
-                  <a:schemeClr val="tx1">
-                    <a:lumMod val="65000"/>
-                    <a:lumOff val="35000"/>
-                  </a:schemeClr>
-                </a:solidFill>
-                <a:latin typeface="KoPub돋움체 Bold"/>
-                <a:ea typeface="KoPub돋움체 Bold"/>
-              </a:rPr>
-              <a:t>   |  E. </a:t>
-            </a:r>
-            <a:r>
-              <a:rPr lang="en-US" altLang="ko-KR" sz="1050">
-                <a:ln w="9525">
-                  <a:solidFill>
-                    <a:schemeClr val="tx1">
-                      <a:lumMod val="65000"/>
-                      <a:lumOff val="35000"/>
-                      <a:alpha val="20000"/>
-                    </a:schemeClr>
-                  </a:solidFill>
-                </a:ln>
-                <a:solidFill>
-                  <a:schemeClr val="tx1">
-                    <a:lumMod val="65000"/>
-                    <a:lumOff val="35000"/>
-                  </a:schemeClr>
-                </a:solidFill>
-                <a:latin typeface="KoPub돋움체 Light"/>
-                <a:ea typeface="KoPub돋움체 Light"/>
-              </a:rPr>
-              <a:t>E-mail@naver.com</a:t>
-            </a:r>
-            <a:endParaRPr lang="ko-KR" altLang="en-US" sz="1050">
-              <a:ln w="9525">
-                <a:solidFill>
-                  <a:schemeClr val="tx1">
-                    <a:lumMod val="65000"/>
-                    <a:lumOff val="35000"/>
-                    <a:alpha val="20000"/>
-                  </a:schemeClr>
-                </a:solidFill>
-              </a:ln>
-              <a:solidFill>
-                <a:schemeClr val="tx1">
-                  <a:lumMod val="65000"/>
-                  <a:lumOff val="35000"/>
-                </a:schemeClr>
-              </a:solidFill>
-              <a:latin typeface="KoPub돋움체 Light"/>
-              <a:ea typeface="KoPub돋움체 Light"/>
-            </a:endParaRPr>
-          </a:p>
-        </p:txBody>
-      </p:sp>
-    </p:spTree>
-  </p:cSld>
-  <p:clrMapOvr>
-    <a:masterClrMapping/>
-  </p:clrMapOvr>
-  <p:transition spd="slow">
-    <p:push dir="u"/>
-  </p:transition>
-  <p:timing>
-    <p:tnLst>
-      <p:par>
-        <p:cTn id="1" dur="indefinite" restart="never" nodeType="tmRoot"/>
-      </p:par>
-    </p:tnLst>
-  </p:timing>
-</p:sld>
-</file>
-
-<file path=ppt/slides/slide20.xml><?xml version="1.0" encoding="utf-8"?>
+<file path=ppt/slides/slide27.xml><?xml version="1.0" encoding="utf-8"?>
 <p:sld xmlns:a="http://schemas.openxmlformats.org/drawingml/2006/main" xmlns:r="http://schemas.openxmlformats.org/officeDocument/2006/relationships" xmlns:p="http://schemas.openxmlformats.org/presentationml/2006/main">
   <p:cSld>
     <p:spTree>
@@ -16597,7 +21844,7 @@
 </p:sld>
 </file>
 
-<file path=ppt/slides/slide21.xml><?xml version="1.0" encoding="utf-8"?>
+<file path=ppt/slides/slide28.xml><?xml version="1.0" encoding="utf-8"?>
 <p:sld xmlns:a="http://schemas.openxmlformats.org/drawingml/2006/main" xmlns:r="http://schemas.openxmlformats.org/officeDocument/2006/relationships" xmlns:p="http://schemas.openxmlformats.org/presentationml/2006/main">
   <p:cSld>
     <p:spTree>
@@ -17029,7 +22276,7 @@
 </p:sld>
 </file>
 
-<file path=ppt/slides/slide22.xml><?xml version="1.0" encoding="utf-8"?>
+<file path=ppt/slides/slide29.xml><?xml version="1.0" encoding="utf-8"?>
 <p:sld xmlns:a="http://schemas.openxmlformats.org/drawingml/2006/main" xmlns:r="http://schemas.openxmlformats.org/officeDocument/2006/relationships" xmlns:p="http://schemas.openxmlformats.org/presentationml/2006/main">
   <p:cSld>
     <p:spTree>
